--- a/content/slides/ch9-review.pptx
+++ b/content/slides/ch9-review.pptx
@@ -5,7 +5,7 @@
     <p:sldMasterId id="2147483648" r:id="rId1"/>
   </p:sldMasterIdLst>
   <p:notesMasterIdLst>
-    <p:notesMasterId r:id="rId17"/>
+    <p:notesMasterId r:id="rId13"/>
   </p:notesMasterIdLst>
   <p:sldIdLst>
     <p:sldId id="256" r:id="rId2"/>
@@ -19,10 +19,6 @@
     <p:sldId id="396" r:id="rId10"/>
     <p:sldId id="405" r:id="rId11"/>
     <p:sldId id="397" r:id="rId12"/>
-    <p:sldId id="406" r:id="rId13"/>
-    <p:sldId id="309" r:id="rId14"/>
-    <p:sldId id="307" r:id="rId15"/>
-    <p:sldId id="308" r:id="rId16"/>
   </p:sldIdLst>
   <p:sldSz cx="9144000" cy="5143500" type="screen16x9"/>
   <p:notesSz cx="6858000" cy="9144000"/>
@@ -5328,7 +5324,7 @@
           <a:p>
             <a:fld id="{B02EA7A9-BEE2-4A6B-89FF-2ECF42DCC576}" type="datetimeFigureOut">
               <a:rPr lang="en-US" smtClean="0"/>
-              <a:t>2/20/23</a:t>
+              <a:t>2/21/23</a:t>
             </a:fld>
             <a:endParaRPr lang="en-US"/>
           </a:p>
@@ -5782,7 +5778,7 @@
           <a:p>
             <a:fld id="{B3AB4143-9502-4E2C-8D34-AC0082BDD46B}" type="datetime1">
               <a:rPr lang="en-US" smtClean="0"/>
-              <a:t>2/20/23</a:t>
+              <a:t>2/21/23</a:t>
             </a:fld>
             <a:endParaRPr lang="en-US"/>
           </a:p>
@@ -5946,7 +5942,7 @@
           <a:p>
             <a:fld id="{43688488-74F4-4FD4-8D1D-30362D12510F}" type="datetime1">
               <a:rPr lang="en-US" smtClean="0"/>
-              <a:t>2/20/23</a:t>
+              <a:t>2/21/23</a:t>
             </a:fld>
             <a:endParaRPr lang="en-US"/>
           </a:p>
@@ -6120,7 +6116,7 @@
           <a:p>
             <a:fld id="{2BAD049D-C022-4E71-8C83-F851E684FA18}" type="datetime1">
               <a:rPr lang="en-US" smtClean="0"/>
-              <a:t>2/20/23</a:t>
+              <a:t>2/21/23</a:t>
             </a:fld>
             <a:endParaRPr lang="en-US"/>
           </a:p>
@@ -6328,7 +6324,7 @@
           <a:p>
             <a:fld id="{2F41CCF0-327F-4BEE-8E7C-73A214603508}" type="datetime1">
               <a:rPr lang="en-US" smtClean="0"/>
-              <a:t>2/20/23</a:t>
+              <a:t>2/21/23</a:t>
             </a:fld>
             <a:endParaRPr lang="en-US"/>
           </a:p>
@@ -6576,7 +6572,7 @@
           <a:p>
             <a:fld id="{A851DA38-A6D6-4D70-813B-E55C41944383}" type="datetime1">
               <a:rPr lang="en-US" smtClean="0"/>
-              <a:t>2/20/23</a:t>
+              <a:t>2/21/23</a:t>
             </a:fld>
             <a:endParaRPr lang="en-US"/>
           </a:p>
@@ -6857,7 +6853,7 @@
           <a:p>
             <a:fld id="{AA6FFDA5-E341-4D31-8650-3A785E2C80B5}" type="datetime1">
               <a:rPr lang="en-US" smtClean="0"/>
-              <a:t>2/20/23</a:t>
+              <a:t>2/21/23</a:t>
             </a:fld>
             <a:endParaRPr lang="en-US"/>
           </a:p>
@@ -7272,7 +7268,7 @@
           <a:p>
             <a:fld id="{8D2BD7EF-CC78-4476-A909-2E06AD123D4F}" type="datetime1">
               <a:rPr lang="en-US" smtClean="0"/>
-              <a:t>2/20/23</a:t>
+              <a:t>2/21/23</a:t>
             </a:fld>
             <a:endParaRPr lang="en-US"/>
           </a:p>
@@ -7385,7 +7381,7 @@
           <a:p>
             <a:fld id="{A73FC102-FE25-400B-BA12-53B3071F541D}" type="datetime1">
               <a:rPr lang="en-US" smtClean="0"/>
-              <a:t>2/20/23</a:t>
+              <a:t>2/21/23</a:t>
             </a:fld>
             <a:endParaRPr lang="en-US"/>
           </a:p>
@@ -7476,7 +7472,7 @@
           <a:p>
             <a:fld id="{F0422EF9-D802-43BB-8BF8-EFF89BBA5591}" type="datetime1">
               <a:rPr lang="en-US" smtClean="0"/>
-              <a:t>2/20/23</a:t>
+              <a:t>2/21/23</a:t>
             </a:fld>
             <a:endParaRPr lang="en-US"/>
           </a:p>
@@ -7747,7 +7743,7 @@
           <a:p>
             <a:fld id="{5AD7FC49-1CB3-43EB-8727-D77E98A4B533}" type="datetime1">
               <a:rPr lang="en-US" smtClean="0"/>
-              <a:t>2/20/23</a:t>
+              <a:t>2/21/23</a:t>
             </a:fld>
             <a:endParaRPr lang="en-US"/>
           </a:p>
@@ -7995,7 +7991,7 @@
           <a:p>
             <a:fld id="{CECF4C11-97FB-480E-B60E-8E739F05D138}" type="datetime1">
               <a:rPr lang="en-US" smtClean="0"/>
-              <a:t>2/20/23</a:t>
+              <a:t>2/21/23</a:t>
             </a:fld>
             <a:endParaRPr lang="en-US"/>
           </a:p>
@@ -8188,7 +8184,7 @@
           <a:p>
             <a:fld id="{829050FE-16E2-4D72-856E-88D1BCC59C6C}" type="datetime1">
               <a:rPr lang="en-US" smtClean="0"/>
-              <a:t>2/20/23</a:t>
+              <a:t>2/21/23</a:t>
             </a:fld>
             <a:endParaRPr lang="en-US"/>
           </a:p>
@@ -9226,6415 +9222,6 @@
       </p:par>
     </p:tnLst>
   </p:timing>
-</p:sld>
-</file>
-
-<file path=ppt/slides/slide12.xml><?xml version="1.0" encoding="utf-8"?>
-<p:sld xmlns:a="http://schemas.openxmlformats.org/drawingml/2006/main" xmlns:r="http://schemas.openxmlformats.org/officeDocument/2006/relationships" xmlns:p="http://schemas.openxmlformats.org/presentationml/2006/main">
-  <p:cSld>
-    <p:spTree>
-      <p:nvGrpSpPr>
-        <p:cNvPr id="1" name=""/>
-        <p:cNvGrpSpPr/>
-        <p:nvPr/>
-      </p:nvGrpSpPr>
-      <p:grpSpPr>
-        <a:xfrm>
-          <a:off x="0" y="0"/>
-          <a:ext cx="0" cy="0"/>
-          <a:chOff x="0" y="0"/>
-          <a:chExt cx="0" cy="0"/>
-        </a:xfrm>
-      </p:grpSpPr>
-      <p:sp>
-        <p:nvSpPr>
-          <p:cNvPr id="4" name="Slide Number Placeholder 3"/>
-          <p:cNvSpPr>
-            <a:spLocks noGrp="1"/>
-          </p:cNvSpPr>
-          <p:nvPr>
-            <p:ph type="sldNum" sz="quarter" idx="12"/>
-          </p:nvPr>
-        </p:nvSpPr>
-        <p:spPr/>
-        <p:txBody>
-          <a:bodyPr/>
-          <a:lstStyle/>
-          <a:p>
-            <a:fld id="{B6F15528-21DE-4FAA-801E-634DDDAF4B2B}" type="slidenum">
-              <a:rPr lang="en-US" smtClean="0"/>
-              <a:pPr/>
-              <a:t>12</a:t>
-            </a:fld>
-            <a:endParaRPr lang="en-US" dirty="0"/>
-          </a:p>
-        </p:txBody>
-      </p:sp>
-      <p:graphicFrame>
-        <p:nvGraphicFramePr>
-          <p:cNvPr id="5" name="Table 4"/>
-          <p:cNvGraphicFramePr>
-            <a:graphicFrameLocks noGrp="1"/>
-          </p:cNvGraphicFramePr>
-          <p:nvPr/>
-        </p:nvGraphicFramePr>
-        <p:xfrm>
-          <a:off x="381000" y="1452308"/>
-          <a:ext cx="8229600" cy="1729042"/>
-        </p:xfrm>
-        <a:graphic>
-          <a:graphicData uri="http://schemas.openxmlformats.org/drawingml/2006/table">
-            <a:tbl>
-              <a:tblPr firstRow="1" firstCol="1" bandRow="1"/>
-              <a:tblGrid>
-                <a:gridCol w="2057400">
-                  <a:extLst>
-                    <a:ext uri="{9D8B030D-6E8A-4147-A177-3AD203B41FA5}">
-                      <a16:colId xmlns:a16="http://schemas.microsoft.com/office/drawing/2014/main" val="20000"/>
-                    </a:ext>
-                  </a:extLst>
-                </a:gridCol>
-                <a:gridCol w="2057400">
-                  <a:extLst>
-                    <a:ext uri="{9D8B030D-6E8A-4147-A177-3AD203B41FA5}">
-                      <a16:colId xmlns:a16="http://schemas.microsoft.com/office/drawing/2014/main" val="20001"/>
-                    </a:ext>
-                  </a:extLst>
-                </a:gridCol>
-                <a:gridCol w="2133600">
-                  <a:extLst>
-                    <a:ext uri="{9D8B030D-6E8A-4147-A177-3AD203B41FA5}">
-                      <a16:colId xmlns:a16="http://schemas.microsoft.com/office/drawing/2014/main" val="20002"/>
-                    </a:ext>
-                  </a:extLst>
-                </a:gridCol>
-                <a:gridCol w="1981200">
-                  <a:extLst>
-                    <a:ext uri="{9D8B030D-6E8A-4147-A177-3AD203B41FA5}">
-                      <a16:colId xmlns:a16="http://schemas.microsoft.com/office/drawing/2014/main" val="20003"/>
-                    </a:ext>
-                  </a:extLst>
-                </a:gridCol>
-              </a:tblGrid>
-              <a:tr h="479025">
-                <a:tc>
-                  <a:txBody>
-                    <a:bodyPr/>
-                    <a:lstStyle/>
-                    <a:p>
-                      <a:pPr marL="0" marR="0" algn="ctr">
-                        <a:lnSpc>
-                          <a:spcPct val="115000"/>
-                        </a:lnSpc>
-                        <a:spcBef>
-                          <a:spcPts val="0"/>
-                        </a:spcBef>
-                        <a:spcAft>
-                          <a:spcPts val="1000"/>
-                        </a:spcAft>
-                      </a:pPr>
-                      <a:r>
-                        <a:rPr lang="zh-CN" altLang="en-US" sz="1800" dirty="0">
-                          <a:effectLst/>
-                          <a:latin typeface="Times New Roman"/>
-                          <a:ea typeface="宋体"/>
-                          <a:cs typeface="Times New Roman"/>
-                        </a:rPr>
-                        <a:t>商品</a:t>
-                      </a:r>
-                      <a:endParaRPr lang="en-US" sz="1800" dirty="0">
-                        <a:effectLst/>
-                        <a:latin typeface="Calibri"/>
-                        <a:ea typeface="宋体"/>
-                        <a:cs typeface="Times New Roman"/>
-                      </a:endParaRPr>
-                    </a:p>
-                  </a:txBody>
-                  <a:tcPr marL="68580" marR="68580" marT="0" marB="0" anchor="ctr">
-                    <a:lnL w="12700" cap="flat" cmpd="sng" algn="ctr">
-                      <a:noFill/>
-                      <a:prstDash val="solid"/>
-                      <a:round/>
-                      <a:headEnd type="none" w="med" len="med"/>
-                      <a:tailEnd type="none" w="med" len="med"/>
-                    </a:lnL>
-                    <a:lnR w="12700" cap="flat" cmpd="sng" algn="ctr">
-                      <a:noFill/>
-                      <a:prstDash val="solid"/>
-                      <a:round/>
-                      <a:headEnd type="none" w="med" len="med"/>
-                      <a:tailEnd type="none" w="med" len="med"/>
-                    </a:lnR>
-                    <a:lnT w="12700" cap="flat" cmpd="sng" algn="ctr">
-                      <a:solidFill>
-                        <a:srgbClr val="000000"/>
-                      </a:solidFill>
-                      <a:prstDash val="solid"/>
-                      <a:round/>
-                      <a:headEnd type="none" w="med" len="med"/>
-                      <a:tailEnd type="none" w="med" len="med"/>
-                    </a:lnT>
-                    <a:lnB w="12700" cap="flat" cmpd="sng" algn="ctr">
-                      <a:solidFill>
-                        <a:srgbClr val="000000"/>
-                      </a:solidFill>
-                      <a:prstDash val="solid"/>
-                      <a:round/>
-                      <a:headEnd type="none" w="med" len="med"/>
-                      <a:tailEnd type="none" w="med" len="med"/>
-                    </a:lnB>
-                  </a:tcPr>
-                </a:tc>
-                <a:tc>
-                  <a:txBody>
-                    <a:bodyPr/>
-                    <a:lstStyle/>
-                    <a:p>
-                      <a:pPr marL="0" marR="0" algn="ctr">
-                        <a:lnSpc>
-                          <a:spcPct val="115000"/>
-                        </a:lnSpc>
-                        <a:spcBef>
-                          <a:spcPts val="0"/>
-                        </a:spcBef>
-                        <a:spcAft>
-                          <a:spcPts val="1000"/>
-                        </a:spcAft>
-                      </a:pPr>
-                      <a:r>
-                        <a:rPr lang="en-US" sz="1800" dirty="0">
-                          <a:effectLst/>
-                          <a:latin typeface="Times New Roman"/>
-                          <a:ea typeface="宋体"/>
-                          <a:cs typeface="Times New Roman"/>
-                        </a:rPr>
-                        <a:t>CPI</a:t>
-                      </a:r>
-                      <a:r>
-                        <a:rPr lang="en-US" sz="1800" baseline="0" dirty="0">
-                          <a:effectLst/>
-                          <a:latin typeface="Times New Roman"/>
-                          <a:ea typeface="宋体"/>
-                          <a:cs typeface="Times New Roman"/>
-                        </a:rPr>
-                        <a:t> </a:t>
-                      </a:r>
-                      <a:r>
-                        <a:rPr lang="zh-CN" altLang="en-US" sz="1800" baseline="0" dirty="0">
-                          <a:effectLst/>
-                          <a:latin typeface="Times New Roman"/>
-                          <a:ea typeface="宋体"/>
-                          <a:cs typeface="Times New Roman"/>
-                        </a:rPr>
-                        <a:t>“篮子”</a:t>
-                      </a:r>
-                      <a:r>
-                        <a:rPr lang="en-US" sz="1800" dirty="0">
-                          <a:effectLst/>
-                          <a:latin typeface="Times New Roman"/>
-                          <a:ea typeface="宋体"/>
-                          <a:cs typeface="Times New Roman"/>
-                        </a:rPr>
-                        <a:t> </a:t>
-                      </a:r>
-                      <a:endParaRPr lang="en-US" sz="1800" dirty="0">
-                        <a:effectLst/>
-                        <a:latin typeface="Calibri"/>
-                        <a:ea typeface="宋体"/>
-                        <a:cs typeface="Times New Roman"/>
-                      </a:endParaRPr>
-                    </a:p>
-                  </a:txBody>
-                  <a:tcPr marL="68580" marR="68580" marT="0" marB="0" anchor="ctr">
-                    <a:lnL w="12700" cap="flat" cmpd="sng" algn="ctr">
-                      <a:noFill/>
-                      <a:prstDash val="solid"/>
-                      <a:round/>
-                      <a:headEnd type="none" w="med" len="med"/>
-                      <a:tailEnd type="none" w="med" len="med"/>
-                    </a:lnL>
-                    <a:lnR w="12700" cap="flat" cmpd="sng" algn="ctr">
-                      <a:noFill/>
-                      <a:prstDash val="solid"/>
-                      <a:round/>
-                      <a:headEnd type="none" w="med" len="med"/>
-                      <a:tailEnd type="none" w="med" len="med"/>
-                    </a:lnR>
-                    <a:lnT w="12700" cap="flat" cmpd="sng" algn="ctr">
-                      <a:solidFill>
-                        <a:srgbClr val="000000"/>
-                      </a:solidFill>
-                      <a:prstDash val="solid"/>
-                      <a:round/>
-                      <a:headEnd type="none" w="med" len="med"/>
-                      <a:tailEnd type="none" w="med" len="med"/>
-                    </a:lnT>
-                    <a:lnB w="12700" cap="flat" cmpd="sng" algn="ctr">
-                      <a:solidFill>
-                        <a:srgbClr val="000000"/>
-                      </a:solidFill>
-                      <a:prstDash val="solid"/>
-                      <a:round/>
-                      <a:headEnd type="none" w="med" len="med"/>
-                      <a:tailEnd type="none" w="med" len="med"/>
-                    </a:lnB>
-                  </a:tcPr>
-                </a:tc>
-                <a:tc>
-                  <a:txBody>
-                    <a:bodyPr/>
-                    <a:lstStyle/>
-                    <a:p>
-                      <a:pPr marL="0" marR="0" algn="ctr">
-                        <a:lnSpc>
-                          <a:spcPct val="100000"/>
-                        </a:lnSpc>
-                        <a:spcBef>
-                          <a:spcPts val="0"/>
-                        </a:spcBef>
-                        <a:spcAft>
-                          <a:spcPts val="0"/>
-                        </a:spcAft>
-                      </a:pPr>
-                      <a:r>
-                        <a:rPr lang="zh-CN" altLang="en-US" sz="1800" baseline="0" dirty="0">
-                          <a:effectLst/>
-                          <a:latin typeface="Times New Roman"/>
-                          <a:ea typeface="宋体"/>
-                          <a:cs typeface="Times New Roman"/>
-                        </a:rPr>
-                        <a:t>第</a:t>
-                      </a:r>
-                      <a:r>
-                        <a:rPr lang="en-US" altLang="zh-CN" sz="1800" baseline="0" dirty="0">
-                          <a:effectLst/>
-                          <a:latin typeface="Times New Roman"/>
-                          <a:ea typeface="宋体"/>
-                          <a:cs typeface="Times New Roman"/>
-                        </a:rPr>
-                        <a:t>1</a:t>
-                      </a:r>
-                      <a:r>
-                        <a:rPr lang="zh-CN" altLang="en-US" sz="1800" baseline="0" dirty="0">
-                          <a:effectLst/>
-                          <a:latin typeface="Times New Roman"/>
-                          <a:ea typeface="宋体"/>
-                          <a:cs typeface="Times New Roman"/>
-                        </a:rPr>
-                        <a:t>年的价格</a:t>
-                      </a:r>
-                      <a:r>
-                        <a:rPr lang="en-US" sz="1800" baseline="0" dirty="0">
-                          <a:effectLst/>
-                          <a:latin typeface="Times New Roman"/>
-                          <a:ea typeface="宋体"/>
-                          <a:cs typeface="Times New Roman"/>
-                        </a:rPr>
-                        <a:t> </a:t>
-                      </a:r>
-                    </a:p>
-                    <a:p>
-                      <a:pPr marL="0" marR="0" algn="ctr">
-                        <a:lnSpc>
-                          <a:spcPct val="100000"/>
-                        </a:lnSpc>
-                        <a:spcBef>
-                          <a:spcPts val="0"/>
-                        </a:spcBef>
-                        <a:spcAft>
-                          <a:spcPts val="0"/>
-                        </a:spcAft>
-                      </a:pPr>
-                      <a:r>
-                        <a:rPr lang="en-US" sz="1800" b="1" dirty="0">
-                          <a:solidFill>
-                            <a:schemeClr val="tx1"/>
-                          </a:solidFill>
-                          <a:effectLst/>
-                          <a:latin typeface="Times New Roman"/>
-                          <a:ea typeface="宋体"/>
-                          <a:cs typeface="Times New Roman"/>
-                        </a:rPr>
-                        <a:t>(</a:t>
-                      </a:r>
-                      <a:r>
-                        <a:rPr lang="zh-CN" altLang="en-US" sz="1800" b="1" dirty="0">
-                          <a:solidFill>
-                            <a:schemeClr val="tx1"/>
-                          </a:solidFill>
-                          <a:effectLst/>
-                          <a:latin typeface="Times New Roman"/>
-                          <a:ea typeface="宋体"/>
-                          <a:cs typeface="Times New Roman"/>
-                        </a:rPr>
-                        <a:t>基期</a:t>
-                      </a:r>
-                      <a:r>
-                        <a:rPr lang="en-US" sz="1800" b="1" dirty="0">
-                          <a:solidFill>
-                            <a:schemeClr val="tx1"/>
-                          </a:solidFill>
-                          <a:effectLst/>
-                          <a:latin typeface="Times New Roman"/>
-                          <a:ea typeface="宋体"/>
-                          <a:cs typeface="Times New Roman"/>
-                        </a:rPr>
-                        <a:t>)</a:t>
-                      </a:r>
-                      <a:endParaRPr lang="en-US" sz="1800" b="1" dirty="0">
-                        <a:solidFill>
-                          <a:schemeClr val="tx1"/>
-                        </a:solidFill>
-                        <a:effectLst/>
-                        <a:latin typeface="Calibri"/>
-                        <a:ea typeface="宋体"/>
-                        <a:cs typeface="Times New Roman"/>
-                      </a:endParaRPr>
-                    </a:p>
-                  </a:txBody>
-                  <a:tcPr marL="68580" marR="68580" marT="0" marB="0" anchor="ctr">
-                    <a:lnL w="12700" cap="flat" cmpd="sng" algn="ctr">
-                      <a:noFill/>
-                      <a:prstDash val="solid"/>
-                      <a:round/>
-                      <a:headEnd type="none" w="med" len="med"/>
-                      <a:tailEnd type="none" w="med" len="med"/>
-                    </a:lnL>
-                    <a:lnR w="12700" cap="flat" cmpd="sng" algn="ctr">
-                      <a:noFill/>
-                      <a:prstDash val="solid"/>
-                      <a:round/>
-                      <a:headEnd type="none" w="med" len="med"/>
-                      <a:tailEnd type="none" w="med" len="med"/>
-                    </a:lnR>
-                    <a:lnT w="12700" cap="flat" cmpd="sng" algn="ctr">
-                      <a:solidFill>
-                        <a:srgbClr val="000000"/>
-                      </a:solidFill>
-                      <a:prstDash val="solid"/>
-                      <a:round/>
-                      <a:headEnd type="none" w="med" len="med"/>
-                      <a:tailEnd type="none" w="med" len="med"/>
-                    </a:lnT>
-                    <a:lnB w="12700" cap="flat" cmpd="sng" algn="ctr">
-                      <a:solidFill>
-                        <a:srgbClr val="000000"/>
-                      </a:solidFill>
-                      <a:prstDash val="solid"/>
-                      <a:round/>
-                      <a:headEnd type="none" w="med" len="med"/>
-                      <a:tailEnd type="none" w="med" len="med"/>
-                    </a:lnB>
-                  </a:tcPr>
-                </a:tc>
-                <a:tc>
-                  <a:txBody>
-                    <a:bodyPr/>
-                    <a:lstStyle/>
-                    <a:p>
-                      <a:pPr marL="0" marR="0" algn="ctr" defTabSz="914400" rtl="0" eaLnBrk="1" latinLnBrk="0" hangingPunct="1">
-                        <a:lnSpc>
-                          <a:spcPct val="100000"/>
-                        </a:lnSpc>
-                        <a:spcBef>
-                          <a:spcPts val="0"/>
-                        </a:spcBef>
-                        <a:spcAft>
-                          <a:spcPts val="0"/>
-                        </a:spcAft>
-                      </a:pPr>
-                      <a:r>
-                        <a:rPr lang="zh-CN" altLang="en-US" sz="1800" kern="1200" baseline="0" dirty="0">
-                          <a:solidFill>
-                            <a:schemeClr val="tx1"/>
-                          </a:solidFill>
-                          <a:effectLst/>
-                          <a:latin typeface="Times New Roman"/>
-                          <a:ea typeface="宋体"/>
-                          <a:cs typeface="Times New Roman"/>
-                        </a:rPr>
-                        <a:t>第</a:t>
-                      </a:r>
-                      <a:r>
-                        <a:rPr lang="en-US" altLang="zh-CN" sz="1800" kern="1200" baseline="0" dirty="0">
-                          <a:solidFill>
-                            <a:schemeClr val="tx1"/>
-                          </a:solidFill>
-                          <a:effectLst/>
-                          <a:latin typeface="Times New Roman"/>
-                          <a:ea typeface="宋体"/>
-                          <a:cs typeface="Times New Roman"/>
-                        </a:rPr>
-                        <a:t>2</a:t>
-                      </a:r>
-                      <a:r>
-                        <a:rPr lang="zh-CN" altLang="en-US" sz="1800" kern="1200" baseline="0" dirty="0">
-                          <a:solidFill>
-                            <a:schemeClr val="tx1"/>
-                          </a:solidFill>
-                          <a:effectLst/>
-                          <a:latin typeface="Times New Roman"/>
-                          <a:ea typeface="宋体"/>
-                          <a:cs typeface="Times New Roman"/>
-                        </a:rPr>
-                        <a:t>年的价格</a:t>
-                      </a:r>
-                      <a:endParaRPr lang="en-US" altLang="zh-CN" sz="1800" kern="1200" baseline="0" dirty="0">
-                        <a:solidFill>
-                          <a:schemeClr val="tx1"/>
-                        </a:solidFill>
-                        <a:effectLst/>
-                        <a:latin typeface="Times New Roman"/>
-                        <a:ea typeface="宋体"/>
-                        <a:cs typeface="Times New Roman"/>
-                      </a:endParaRPr>
-                    </a:p>
-                  </a:txBody>
-                  <a:tcPr marL="68580" marR="68580" marT="0" marB="0" anchor="ctr">
-                    <a:lnL w="12700" cap="flat" cmpd="sng" algn="ctr">
-                      <a:noFill/>
-                      <a:prstDash val="solid"/>
-                      <a:round/>
-                      <a:headEnd type="none" w="med" len="med"/>
-                      <a:tailEnd type="none" w="med" len="med"/>
-                    </a:lnL>
-                    <a:lnR w="12700" cap="flat" cmpd="sng" algn="ctr">
-                      <a:noFill/>
-                      <a:prstDash val="solid"/>
-                      <a:round/>
-                      <a:headEnd type="none" w="med" len="med"/>
-                      <a:tailEnd type="none" w="med" len="med"/>
-                    </a:lnR>
-                    <a:lnT w="12700" cap="flat" cmpd="sng" algn="ctr">
-                      <a:solidFill>
-                        <a:srgbClr val="000000"/>
-                      </a:solidFill>
-                      <a:prstDash val="solid"/>
-                      <a:round/>
-                      <a:headEnd type="none" w="med" len="med"/>
-                      <a:tailEnd type="none" w="med" len="med"/>
-                    </a:lnT>
-                    <a:lnB w="12700" cap="flat" cmpd="sng" algn="ctr">
-                      <a:solidFill>
-                        <a:srgbClr val="000000"/>
-                      </a:solidFill>
-                      <a:prstDash val="solid"/>
-                      <a:round/>
-                      <a:headEnd type="none" w="med" len="med"/>
-                      <a:tailEnd type="none" w="med" len="med"/>
-                    </a:lnB>
-                  </a:tcPr>
-                </a:tc>
-                <a:extLst>
-                  <a:ext uri="{0D108BD9-81ED-4DB2-BD59-A6C34878D82A}">
-                    <a16:rowId xmlns:a16="http://schemas.microsoft.com/office/drawing/2014/main" val="10000"/>
-                  </a:ext>
-                </a:extLst>
-              </a:tr>
-              <a:tr h="920754">
-                <a:tc>
-                  <a:txBody>
-                    <a:bodyPr/>
-                    <a:lstStyle/>
-                    <a:p>
-                      <a:pPr marL="0" marR="0" algn="ctr">
-                        <a:lnSpc>
-                          <a:spcPct val="115000"/>
-                        </a:lnSpc>
-                        <a:spcBef>
-                          <a:spcPts val="0"/>
-                        </a:spcBef>
-                        <a:spcAft>
-                          <a:spcPts val="1000"/>
-                        </a:spcAft>
-                      </a:pPr>
-                      <a:r>
-                        <a:rPr lang="zh-CN" altLang="en-US" sz="1800" dirty="0">
-                          <a:effectLst/>
-                          <a:latin typeface="Times New Roman"/>
-                          <a:ea typeface="宋体"/>
-                          <a:cs typeface="Times New Roman"/>
-                        </a:rPr>
-                        <a:t>橙子</a:t>
-                      </a:r>
-                      <a:r>
-                        <a:rPr lang="en-US" sz="1800" dirty="0">
-                          <a:effectLst/>
-                          <a:latin typeface="Times New Roman"/>
-                          <a:ea typeface="宋体"/>
-                          <a:cs typeface="Times New Roman"/>
-                        </a:rPr>
-                        <a:t> </a:t>
-                      </a:r>
-                      <a:endParaRPr lang="en-US" sz="1800" dirty="0">
-                        <a:effectLst/>
-                        <a:latin typeface="Calibri"/>
-                        <a:ea typeface="宋体"/>
-                        <a:cs typeface="Times New Roman"/>
-                      </a:endParaRPr>
-                    </a:p>
-                    <a:p>
-                      <a:pPr marL="0" marR="0" algn="ctr">
-                        <a:lnSpc>
-                          <a:spcPct val="115000"/>
-                        </a:lnSpc>
-                        <a:spcBef>
-                          <a:spcPts val="0"/>
-                        </a:spcBef>
-                        <a:spcAft>
-                          <a:spcPts val="1000"/>
-                        </a:spcAft>
-                      </a:pPr>
-                      <a:r>
-                        <a:rPr lang="zh-CN" altLang="en-US" sz="1800" dirty="0">
-                          <a:effectLst/>
-                          <a:latin typeface="Times New Roman"/>
-                          <a:ea typeface="宋体"/>
-                          <a:cs typeface="Times New Roman"/>
-                        </a:rPr>
-                        <a:t>西柚</a:t>
-                      </a:r>
-                      <a:endParaRPr lang="en-US" sz="1800" dirty="0">
-                        <a:effectLst/>
-                        <a:latin typeface="Calibri"/>
-                        <a:ea typeface="宋体"/>
-                        <a:cs typeface="Times New Roman"/>
-                      </a:endParaRPr>
-                    </a:p>
-                    <a:p>
-                      <a:pPr marL="0" marR="0" algn="ctr">
-                        <a:lnSpc>
-                          <a:spcPct val="115000"/>
-                        </a:lnSpc>
-                        <a:spcBef>
-                          <a:spcPts val="0"/>
-                        </a:spcBef>
-                        <a:spcAft>
-                          <a:spcPts val="1000"/>
-                        </a:spcAft>
-                      </a:pPr>
-                      <a:r>
-                        <a:rPr lang="zh-CN" altLang="en-US" sz="1800" dirty="0">
-                          <a:effectLst/>
-                          <a:latin typeface="Times New Roman"/>
-                          <a:ea typeface="宋体"/>
-                          <a:cs typeface="Times New Roman"/>
-                        </a:rPr>
-                        <a:t>柠檬</a:t>
-                      </a:r>
-                      <a:endParaRPr lang="en-US" sz="1800" dirty="0">
-                        <a:effectLst/>
-                        <a:latin typeface="Calibri"/>
-                        <a:ea typeface="宋体"/>
-                        <a:cs typeface="Times New Roman"/>
-                      </a:endParaRPr>
-                    </a:p>
-                  </a:txBody>
-                  <a:tcPr marL="68580" marR="68580" marT="0" marB="0" anchor="ctr">
-                    <a:lnL w="12700" cap="flat" cmpd="sng" algn="ctr">
-                      <a:noFill/>
-                      <a:prstDash val="solid"/>
-                      <a:round/>
-                      <a:headEnd type="none" w="med" len="med"/>
-                      <a:tailEnd type="none" w="med" len="med"/>
-                    </a:lnL>
-                    <a:lnR w="12700" cap="flat" cmpd="sng" algn="ctr">
-                      <a:noFill/>
-                      <a:prstDash val="solid"/>
-                      <a:round/>
-                      <a:headEnd type="none" w="med" len="med"/>
-                      <a:tailEnd type="none" w="med" len="med"/>
-                    </a:lnR>
-                    <a:lnT w="12700" cap="flat" cmpd="sng" algn="ctr">
-                      <a:solidFill>
-                        <a:srgbClr val="000000"/>
-                      </a:solidFill>
-                      <a:prstDash val="solid"/>
-                      <a:round/>
-                      <a:headEnd type="none" w="med" len="med"/>
-                      <a:tailEnd type="none" w="med" len="med"/>
-                    </a:lnT>
-                    <a:lnB w="12700" cap="flat" cmpd="sng" algn="ctr">
-                      <a:solidFill>
-                        <a:srgbClr val="000000"/>
-                      </a:solidFill>
-                      <a:prstDash val="solid"/>
-                      <a:round/>
-                      <a:headEnd type="none" w="med" len="med"/>
-                      <a:tailEnd type="none" w="med" len="med"/>
-                    </a:lnB>
-                  </a:tcPr>
-                </a:tc>
-                <a:tc>
-                  <a:txBody>
-                    <a:bodyPr/>
-                    <a:lstStyle/>
-                    <a:p>
-                      <a:pPr marL="0" marR="0" algn="ctr">
-                        <a:lnSpc>
-                          <a:spcPct val="115000"/>
-                        </a:lnSpc>
-                        <a:spcBef>
-                          <a:spcPts val="0"/>
-                        </a:spcBef>
-                        <a:spcAft>
-                          <a:spcPts val="1000"/>
-                        </a:spcAft>
-                      </a:pPr>
-                      <a:r>
-                        <a:rPr lang="en-US" sz="1800" dirty="0">
-                          <a:effectLst/>
-                          <a:latin typeface="Times New Roman"/>
-                          <a:ea typeface="宋体"/>
-                          <a:cs typeface="Times New Roman"/>
-                        </a:rPr>
-                        <a:t>10</a:t>
-                      </a:r>
-                      <a:endParaRPr lang="en-US" sz="1800" dirty="0">
-                        <a:effectLst/>
-                        <a:latin typeface="Calibri"/>
-                        <a:ea typeface="宋体"/>
-                        <a:cs typeface="Times New Roman"/>
-                      </a:endParaRPr>
-                    </a:p>
-                    <a:p>
-                      <a:pPr marL="0" marR="0" algn="ctr">
-                        <a:lnSpc>
-                          <a:spcPct val="115000"/>
-                        </a:lnSpc>
-                        <a:spcBef>
-                          <a:spcPts val="0"/>
-                        </a:spcBef>
-                        <a:spcAft>
-                          <a:spcPts val="1000"/>
-                        </a:spcAft>
-                      </a:pPr>
-                      <a:r>
-                        <a:rPr lang="en-US" sz="1800" dirty="0">
-                          <a:effectLst/>
-                          <a:latin typeface="Times New Roman"/>
-                          <a:ea typeface="宋体"/>
-                          <a:cs typeface="Times New Roman"/>
-                        </a:rPr>
-                        <a:t>5</a:t>
-                      </a:r>
-                      <a:endParaRPr lang="en-US" sz="1800" dirty="0">
-                        <a:effectLst/>
-                        <a:latin typeface="Calibri"/>
-                        <a:ea typeface="宋体"/>
-                        <a:cs typeface="Times New Roman"/>
-                      </a:endParaRPr>
-                    </a:p>
-                    <a:p>
-                      <a:pPr marL="0" marR="0" algn="ctr">
-                        <a:lnSpc>
-                          <a:spcPct val="115000"/>
-                        </a:lnSpc>
-                        <a:spcBef>
-                          <a:spcPts val="0"/>
-                        </a:spcBef>
-                        <a:spcAft>
-                          <a:spcPts val="1000"/>
-                        </a:spcAft>
-                      </a:pPr>
-                      <a:r>
-                        <a:rPr lang="en-US" sz="1800" dirty="0">
-                          <a:effectLst/>
-                          <a:latin typeface="Times New Roman"/>
-                          <a:ea typeface="宋体"/>
-                          <a:cs typeface="Times New Roman"/>
-                        </a:rPr>
-                        <a:t>2</a:t>
-                      </a:r>
-                      <a:endParaRPr lang="en-US" sz="1800" dirty="0">
-                        <a:effectLst/>
-                        <a:latin typeface="Calibri"/>
-                        <a:ea typeface="宋体"/>
-                        <a:cs typeface="Times New Roman"/>
-                      </a:endParaRPr>
-                    </a:p>
-                  </a:txBody>
-                  <a:tcPr marL="68580" marR="68580" marT="0" marB="0" anchor="ctr">
-                    <a:lnL w="12700" cap="flat" cmpd="sng" algn="ctr">
-                      <a:noFill/>
-                      <a:prstDash val="solid"/>
-                      <a:round/>
-                      <a:headEnd type="none" w="med" len="med"/>
-                      <a:tailEnd type="none" w="med" len="med"/>
-                    </a:lnL>
-                    <a:lnR w="12700" cap="flat" cmpd="sng" algn="ctr">
-                      <a:noFill/>
-                      <a:prstDash val="solid"/>
-                      <a:round/>
-                      <a:headEnd type="none" w="med" len="med"/>
-                      <a:tailEnd type="none" w="med" len="med"/>
-                    </a:lnR>
-                    <a:lnT w="12700" cap="flat" cmpd="sng" algn="ctr">
-                      <a:solidFill>
-                        <a:srgbClr val="000000"/>
-                      </a:solidFill>
-                      <a:prstDash val="solid"/>
-                      <a:round/>
-                      <a:headEnd type="none" w="med" len="med"/>
-                      <a:tailEnd type="none" w="med" len="med"/>
-                    </a:lnT>
-                    <a:lnB w="12700" cap="flat" cmpd="sng" algn="ctr">
-                      <a:solidFill>
-                        <a:srgbClr val="000000"/>
-                      </a:solidFill>
-                      <a:prstDash val="solid"/>
-                      <a:round/>
-                      <a:headEnd type="none" w="med" len="med"/>
-                      <a:tailEnd type="none" w="med" len="med"/>
-                    </a:lnB>
-                  </a:tcPr>
-                </a:tc>
-                <a:tc>
-                  <a:txBody>
-                    <a:bodyPr/>
-                    <a:lstStyle/>
-                    <a:p>
-                      <a:pPr marL="0" marR="0" algn="ctr">
-                        <a:lnSpc>
-                          <a:spcPct val="115000"/>
-                        </a:lnSpc>
-                        <a:spcBef>
-                          <a:spcPts val="0"/>
-                        </a:spcBef>
-                        <a:spcAft>
-                          <a:spcPts val="1000"/>
-                        </a:spcAft>
-                      </a:pPr>
-                      <a:r>
-                        <a:rPr lang="en-US" sz="1800" dirty="0">
-                          <a:effectLst/>
-                          <a:latin typeface="Times New Roman"/>
-                          <a:ea typeface="宋体"/>
-                          <a:cs typeface="Times New Roman"/>
-                        </a:rPr>
-                        <a:t>$1</a:t>
-                      </a:r>
-                      <a:endParaRPr lang="en-US" sz="1800" dirty="0">
-                        <a:effectLst/>
-                        <a:latin typeface="Calibri"/>
-                        <a:ea typeface="宋体"/>
-                        <a:cs typeface="Times New Roman"/>
-                      </a:endParaRPr>
-                    </a:p>
-                    <a:p>
-                      <a:pPr marL="0" marR="0" algn="ctr">
-                        <a:lnSpc>
-                          <a:spcPct val="115000"/>
-                        </a:lnSpc>
-                        <a:spcBef>
-                          <a:spcPts val="0"/>
-                        </a:spcBef>
-                        <a:spcAft>
-                          <a:spcPts val="1000"/>
-                        </a:spcAft>
-                      </a:pPr>
-                      <a:r>
-                        <a:rPr lang="en-US" sz="1800">
-                          <a:effectLst/>
-                          <a:latin typeface="Times New Roman"/>
-                          <a:ea typeface="宋体"/>
-                          <a:cs typeface="Times New Roman"/>
-                        </a:rPr>
-                        <a:t>$4</a:t>
-                      </a:r>
-                      <a:endParaRPr lang="en-US" sz="1800">
-                        <a:effectLst/>
-                        <a:latin typeface="Calibri"/>
-                        <a:ea typeface="宋体"/>
-                        <a:cs typeface="Times New Roman"/>
-                      </a:endParaRPr>
-                    </a:p>
-                    <a:p>
-                      <a:pPr marL="0" marR="0" algn="ctr">
-                        <a:lnSpc>
-                          <a:spcPct val="115000"/>
-                        </a:lnSpc>
-                        <a:spcBef>
-                          <a:spcPts val="0"/>
-                        </a:spcBef>
-                        <a:spcAft>
-                          <a:spcPts val="1000"/>
-                        </a:spcAft>
-                      </a:pPr>
-                      <a:r>
-                        <a:rPr lang="en-US" sz="1800" dirty="0">
-                          <a:effectLst/>
-                          <a:latin typeface="Times New Roman"/>
-                          <a:ea typeface="宋体"/>
-                          <a:cs typeface="Times New Roman"/>
-                        </a:rPr>
-                        <a:t>$10</a:t>
-                      </a:r>
-                      <a:endParaRPr lang="en-US" sz="1800" dirty="0">
-                        <a:effectLst/>
-                        <a:latin typeface="Calibri"/>
-                        <a:ea typeface="宋体"/>
-                        <a:cs typeface="Times New Roman"/>
-                      </a:endParaRPr>
-                    </a:p>
-                  </a:txBody>
-                  <a:tcPr marL="68580" marR="68580" marT="0" marB="0" anchor="ctr">
-                    <a:lnL w="12700" cap="flat" cmpd="sng" algn="ctr">
-                      <a:noFill/>
-                      <a:prstDash val="solid"/>
-                      <a:round/>
-                      <a:headEnd type="none" w="med" len="med"/>
-                      <a:tailEnd type="none" w="med" len="med"/>
-                    </a:lnL>
-                    <a:lnR w="12700" cap="flat" cmpd="sng" algn="ctr">
-                      <a:noFill/>
-                      <a:prstDash val="solid"/>
-                      <a:round/>
-                      <a:headEnd type="none" w="med" len="med"/>
-                      <a:tailEnd type="none" w="med" len="med"/>
-                    </a:lnR>
-                    <a:lnT w="12700" cap="flat" cmpd="sng" algn="ctr">
-                      <a:solidFill>
-                        <a:srgbClr val="000000"/>
-                      </a:solidFill>
-                      <a:prstDash val="solid"/>
-                      <a:round/>
-                      <a:headEnd type="none" w="med" len="med"/>
-                      <a:tailEnd type="none" w="med" len="med"/>
-                    </a:lnT>
-                    <a:lnB w="12700" cap="flat" cmpd="sng" algn="ctr">
-                      <a:solidFill>
-                        <a:srgbClr val="000000"/>
-                      </a:solidFill>
-                      <a:prstDash val="solid"/>
-                      <a:round/>
-                      <a:headEnd type="none" w="med" len="med"/>
-                      <a:tailEnd type="none" w="med" len="med"/>
-                    </a:lnB>
-                  </a:tcPr>
-                </a:tc>
-                <a:tc>
-                  <a:txBody>
-                    <a:bodyPr/>
-                    <a:lstStyle/>
-                    <a:p>
-                      <a:pPr marL="0" marR="0" algn="ctr">
-                        <a:lnSpc>
-                          <a:spcPct val="115000"/>
-                        </a:lnSpc>
-                        <a:spcBef>
-                          <a:spcPts val="0"/>
-                        </a:spcBef>
-                        <a:spcAft>
-                          <a:spcPts val="1000"/>
-                        </a:spcAft>
-                      </a:pPr>
-                      <a:r>
-                        <a:rPr lang="en-US" sz="1800" dirty="0">
-                          <a:effectLst/>
-                          <a:latin typeface="Times New Roman"/>
-                          <a:ea typeface="宋体"/>
-                          <a:cs typeface="Times New Roman"/>
-                        </a:rPr>
-                        <a:t>$1.5</a:t>
-                      </a:r>
-                      <a:endParaRPr lang="en-US" sz="1800" dirty="0">
-                        <a:effectLst/>
-                        <a:latin typeface="Calibri"/>
-                        <a:ea typeface="宋体"/>
-                        <a:cs typeface="Times New Roman"/>
-                      </a:endParaRPr>
-                    </a:p>
-                    <a:p>
-                      <a:pPr marL="0" marR="0" algn="ctr">
-                        <a:lnSpc>
-                          <a:spcPct val="115000"/>
-                        </a:lnSpc>
-                        <a:spcBef>
-                          <a:spcPts val="0"/>
-                        </a:spcBef>
-                        <a:spcAft>
-                          <a:spcPts val="1000"/>
-                        </a:spcAft>
-                      </a:pPr>
-                      <a:r>
-                        <a:rPr lang="en-US" sz="1800" dirty="0">
-                          <a:effectLst/>
-                          <a:latin typeface="Times New Roman"/>
-                          <a:ea typeface="宋体"/>
-                          <a:cs typeface="Times New Roman"/>
-                        </a:rPr>
-                        <a:t>$3</a:t>
-                      </a:r>
-                      <a:endParaRPr lang="en-US" sz="1800" dirty="0">
-                        <a:effectLst/>
-                        <a:latin typeface="Calibri"/>
-                        <a:ea typeface="宋体"/>
-                        <a:cs typeface="Times New Roman"/>
-                      </a:endParaRPr>
-                    </a:p>
-                    <a:p>
-                      <a:pPr marL="0" marR="0" algn="ctr">
-                        <a:lnSpc>
-                          <a:spcPct val="115000"/>
-                        </a:lnSpc>
-                        <a:spcBef>
-                          <a:spcPts val="0"/>
-                        </a:spcBef>
-                        <a:spcAft>
-                          <a:spcPts val="1000"/>
-                        </a:spcAft>
-                      </a:pPr>
-                      <a:r>
-                        <a:rPr lang="en-US" sz="1800" dirty="0">
-                          <a:effectLst/>
-                          <a:latin typeface="Times New Roman"/>
-                          <a:ea typeface="宋体"/>
-                          <a:cs typeface="Times New Roman"/>
-                        </a:rPr>
-                        <a:t>$12</a:t>
-                      </a:r>
-                      <a:endParaRPr lang="en-US" sz="1800" dirty="0">
-                        <a:effectLst/>
-                        <a:latin typeface="Calibri"/>
-                        <a:ea typeface="宋体"/>
-                        <a:cs typeface="Times New Roman"/>
-                      </a:endParaRPr>
-                    </a:p>
-                  </a:txBody>
-                  <a:tcPr marL="68580" marR="68580" marT="0" marB="0" anchor="ctr">
-                    <a:lnL w="12700" cap="flat" cmpd="sng" algn="ctr">
-                      <a:noFill/>
-                      <a:prstDash val="solid"/>
-                      <a:round/>
-                      <a:headEnd type="none" w="med" len="med"/>
-                      <a:tailEnd type="none" w="med" len="med"/>
-                    </a:lnL>
-                    <a:lnR w="12700" cap="flat" cmpd="sng" algn="ctr">
-                      <a:noFill/>
-                      <a:prstDash val="solid"/>
-                      <a:round/>
-                      <a:headEnd type="none" w="med" len="med"/>
-                      <a:tailEnd type="none" w="med" len="med"/>
-                    </a:lnR>
-                    <a:lnT w="12700" cap="flat" cmpd="sng" algn="ctr">
-                      <a:solidFill>
-                        <a:srgbClr val="000000"/>
-                      </a:solidFill>
-                      <a:prstDash val="solid"/>
-                      <a:round/>
-                      <a:headEnd type="none" w="med" len="med"/>
-                      <a:tailEnd type="none" w="med" len="med"/>
-                    </a:lnT>
-                    <a:lnB w="12700" cap="flat" cmpd="sng" algn="ctr">
-                      <a:solidFill>
-                        <a:srgbClr val="000000"/>
-                      </a:solidFill>
-                      <a:prstDash val="solid"/>
-                      <a:round/>
-                      <a:headEnd type="none" w="med" len="med"/>
-                      <a:tailEnd type="none" w="med" len="med"/>
-                    </a:lnB>
-                  </a:tcPr>
-                </a:tc>
-                <a:extLst>
-                  <a:ext uri="{0D108BD9-81ED-4DB2-BD59-A6C34878D82A}">
-                    <a16:rowId xmlns:a16="http://schemas.microsoft.com/office/drawing/2014/main" val="10001"/>
-                  </a:ext>
-                </a:extLst>
-              </a:tr>
-            </a:tbl>
-          </a:graphicData>
-        </a:graphic>
-      </p:graphicFrame>
-      <p:sp>
-        <p:nvSpPr>
-          <p:cNvPr id="6" name="Content Placeholder 6"/>
-          <p:cNvSpPr>
-            <a:spLocks noGrp="1"/>
-          </p:cNvSpPr>
-          <p:nvPr>
-            <p:ph idx="1"/>
-          </p:nvPr>
-        </p:nvSpPr>
-        <p:spPr>
-          <a:xfrm>
-            <a:off x="0" y="1006070"/>
-            <a:ext cx="9144000" cy="438150"/>
-          </a:xfrm>
-        </p:spPr>
-        <p:txBody>
-          <a:bodyPr>
-            <a:normAutofit/>
-          </a:bodyPr>
-          <a:lstStyle/>
-          <a:p>
-            <a:pPr marL="457200" indent="0">
-              <a:spcBef>
-                <a:spcPts val="600"/>
-              </a:spcBef>
-              <a:buNone/>
-            </a:pPr>
-            <a:r>
-              <a:rPr lang="zh-CN" altLang="en-US" sz="1800" b="1" dirty="0">
-                <a:latin typeface="Times New Roman" panose="02020603050405020304" pitchFamily="18" charset="0"/>
-                <a:cs typeface="Times New Roman" panose="02020603050405020304" pitchFamily="18" charset="0"/>
-              </a:rPr>
-              <a:t>例</a:t>
-            </a:r>
-            <a:r>
-              <a:rPr lang="zh-CN" altLang="en-US" sz="1800" dirty="0">
-                <a:latin typeface="Times New Roman" panose="02020603050405020304" pitchFamily="18" charset="0"/>
-                <a:cs typeface="Times New Roman" panose="02020603050405020304" pitchFamily="18" charset="0"/>
-              </a:rPr>
-              <a:t>：假设 </a:t>
-            </a:r>
-            <a:r>
-              <a:rPr lang="en-US" altLang="zh-CN" sz="1800" dirty="0">
-                <a:latin typeface="Times New Roman" panose="02020603050405020304" pitchFamily="18" charset="0"/>
-                <a:cs typeface="Times New Roman" panose="02020603050405020304" pitchFamily="18" charset="0"/>
-              </a:rPr>
-              <a:t>CPI </a:t>
-            </a:r>
-            <a:r>
-              <a:rPr lang="zh-CN" altLang="en-US" sz="1800" dirty="0">
-                <a:latin typeface="Times New Roman" panose="02020603050405020304" pitchFamily="18" charset="0"/>
-                <a:cs typeface="Times New Roman" panose="02020603050405020304" pitchFamily="18" charset="0"/>
-              </a:rPr>
-              <a:t>“篮子”里有</a:t>
-            </a:r>
-            <a:r>
-              <a:rPr lang="en-US" altLang="zh-CN" sz="1800" dirty="0">
-                <a:latin typeface="Times New Roman" panose="02020603050405020304" pitchFamily="18" charset="0"/>
-                <a:cs typeface="Times New Roman" panose="02020603050405020304" pitchFamily="18" charset="0"/>
-              </a:rPr>
-              <a:t>10</a:t>
-            </a:r>
-            <a:r>
-              <a:rPr lang="zh-CN" altLang="en-US" sz="1800" dirty="0">
-                <a:latin typeface="Times New Roman" panose="02020603050405020304" pitchFamily="18" charset="0"/>
-                <a:cs typeface="Times New Roman" panose="02020603050405020304" pitchFamily="18" charset="0"/>
-              </a:rPr>
-              <a:t>个橙子，</a:t>
-            </a:r>
-            <a:r>
-              <a:rPr lang="en-US" altLang="zh-CN" sz="1800" dirty="0">
-                <a:latin typeface="Times New Roman" panose="02020603050405020304" pitchFamily="18" charset="0"/>
-                <a:cs typeface="Times New Roman" panose="02020603050405020304" pitchFamily="18" charset="0"/>
-              </a:rPr>
-              <a:t>5</a:t>
-            </a:r>
-            <a:r>
-              <a:rPr lang="zh-CN" altLang="en-US" sz="1800" dirty="0">
-                <a:latin typeface="Times New Roman" panose="02020603050405020304" pitchFamily="18" charset="0"/>
-                <a:cs typeface="Times New Roman" panose="02020603050405020304" pitchFamily="18" charset="0"/>
-              </a:rPr>
-              <a:t>个西柚，</a:t>
-            </a:r>
-            <a:r>
-              <a:rPr lang="en-US" altLang="zh-CN" sz="1800" dirty="0">
-                <a:latin typeface="Times New Roman" panose="02020603050405020304" pitchFamily="18" charset="0"/>
-                <a:cs typeface="Times New Roman" panose="02020603050405020304" pitchFamily="18" charset="0"/>
-              </a:rPr>
-              <a:t>2</a:t>
-            </a:r>
-            <a:r>
-              <a:rPr lang="zh-CN" altLang="en-US" sz="1800" dirty="0">
-                <a:latin typeface="Times New Roman" panose="02020603050405020304" pitchFamily="18" charset="0"/>
-                <a:cs typeface="Times New Roman" panose="02020603050405020304" pitchFamily="18" charset="0"/>
-              </a:rPr>
-              <a:t>个柠檬</a:t>
-            </a:r>
-            <a:endParaRPr lang="en-US" sz="1800" b="1" dirty="0">
-              <a:latin typeface="Times New Roman" panose="02020603050405020304" pitchFamily="18" charset="0"/>
-              <a:cs typeface="Times New Roman" panose="02020603050405020304" pitchFamily="18" charset="0"/>
-            </a:endParaRPr>
-          </a:p>
-        </p:txBody>
-      </p:sp>
-      <mc:AlternateContent xmlns:mc="http://schemas.openxmlformats.org/markup-compatibility/2006" xmlns:a14="http://schemas.microsoft.com/office/drawing/2010/main">
-        <mc:Choice Requires="a14">
-          <p:sp>
-            <p:nvSpPr>
-              <p:cNvPr id="7" name="TextBox 6"/>
-              <p:cNvSpPr txBox="1"/>
-              <p:nvPr/>
-            </p:nvSpPr>
-            <p:spPr>
-              <a:xfrm>
-                <a:off x="0" y="3262082"/>
-                <a:ext cx="9144000" cy="1431161"/>
-              </a:xfrm>
-              <a:prstGeom prst="rect">
-                <a:avLst/>
-              </a:prstGeom>
-              <a:noFill/>
-            </p:spPr>
-            <p:txBody>
-              <a:bodyPr wrap="square" rtlCol="0">
-                <a:spAutoFit/>
-              </a:bodyPr>
-              <a:lstStyle/>
-              <a:p>
-                <a:pPr marL="342900" indent="-342900">
-                  <a:spcBef>
-                    <a:spcPts val="600"/>
-                  </a:spcBef>
-                  <a:buFont typeface="Arial" panose="020B0604020202020204" pitchFamily="34" charset="0"/>
-                  <a:buChar char="•"/>
-                </a:pPr>
-                <a:r>
-                  <a:rPr lang="zh-CN" altLang="en-US" dirty="0">
-                    <a:latin typeface="Times New Roman" panose="02020603050405020304" pitchFamily="18" charset="0"/>
-                    <a:cs typeface="Times New Roman" panose="02020603050405020304" pitchFamily="18" charset="0"/>
-                  </a:rPr>
-                  <a:t>第</a:t>
-                </a:r>
-                <a:r>
-                  <a:rPr lang="en-US" altLang="zh-CN" dirty="0">
-                    <a:latin typeface="Times New Roman" panose="02020603050405020304" pitchFamily="18" charset="0"/>
-                    <a:cs typeface="Times New Roman" panose="02020603050405020304" pitchFamily="18" charset="0"/>
-                  </a:rPr>
-                  <a:t>1</a:t>
-                </a:r>
-                <a:r>
-                  <a:rPr lang="zh-CN" altLang="en-US" dirty="0">
-                    <a:latin typeface="Times New Roman" panose="02020603050405020304" pitchFamily="18" charset="0"/>
-                    <a:cs typeface="Times New Roman" panose="02020603050405020304" pitchFamily="18" charset="0"/>
-                  </a:rPr>
-                  <a:t>年价格下“篮子”产品的成本是</a:t>
-                </a:r>
-                <a:r>
-                  <a:rPr lang="en-US" dirty="0">
-                    <a:latin typeface="Times New Roman" panose="02020603050405020304" pitchFamily="18" charset="0"/>
-                    <a:cs typeface="Times New Roman" panose="02020603050405020304" pitchFamily="18" charset="0"/>
-                  </a:rPr>
-                  <a:t> </a:t>
-                </a:r>
-              </a:p>
-              <a:p>
-                <a:pPr algn="ctr">
-                  <a:spcBef>
-                    <a:spcPts val="600"/>
-                  </a:spcBef>
-                </a:pPr>
-                <a:r>
-                  <a:rPr lang="en-US" dirty="0">
-                    <a:latin typeface="Times New Roman" panose="02020603050405020304" pitchFamily="18" charset="0"/>
-                    <a:cs typeface="Times New Roman" panose="02020603050405020304" pitchFamily="18" charset="0"/>
-                  </a:rPr>
-                  <a:t>10</a:t>
-                </a:r>
-                <a14:m>
-                  <m:oMath xmlns:m="http://schemas.openxmlformats.org/officeDocument/2006/math">
-                    <m:r>
-                      <a:rPr lang="en-US" i="1" smtClean="0">
-                        <a:latin typeface="Cambria Math"/>
-                        <a:ea typeface="Cambria Math"/>
-                        <a:cs typeface="Times New Roman" panose="02020603050405020304" pitchFamily="18" charset="0"/>
-                      </a:rPr>
-                      <m:t>×</m:t>
-                    </m:r>
-                  </m:oMath>
-                </a14:m>
-                <a:r>
-                  <a:rPr lang="en-US" dirty="0">
-                    <a:latin typeface="Times New Roman" panose="02020603050405020304" pitchFamily="18" charset="0"/>
-                    <a:cs typeface="Times New Roman" panose="02020603050405020304" pitchFamily="18" charset="0"/>
-                  </a:rPr>
-                  <a:t>1+5</a:t>
-                </a:r>
-                <a14:m>
-                  <m:oMath xmlns:m="http://schemas.openxmlformats.org/officeDocument/2006/math">
-                    <m:r>
-                      <a:rPr lang="en-US" i="1">
-                        <a:latin typeface="Cambria Math"/>
-                        <a:ea typeface="Cambria Math"/>
-                        <a:cs typeface="Times New Roman" panose="02020603050405020304" pitchFamily="18" charset="0"/>
-                      </a:rPr>
-                      <m:t>×</m:t>
-                    </m:r>
-                  </m:oMath>
-                </a14:m>
-                <a:r>
-                  <a:rPr lang="en-US" dirty="0">
-                    <a:latin typeface="Times New Roman" panose="02020603050405020304" pitchFamily="18" charset="0"/>
-                    <a:cs typeface="Times New Roman" panose="02020603050405020304" pitchFamily="18" charset="0"/>
-                  </a:rPr>
-                  <a:t>4+2</a:t>
-                </a:r>
-                <a14:m>
-                  <m:oMath xmlns:m="http://schemas.openxmlformats.org/officeDocument/2006/math">
-                    <m:r>
-                      <a:rPr lang="en-US" i="1">
-                        <a:latin typeface="Cambria Math"/>
-                        <a:ea typeface="Cambria Math"/>
-                        <a:cs typeface="Times New Roman" panose="02020603050405020304" pitchFamily="18" charset="0"/>
-                      </a:rPr>
-                      <m:t>×</m:t>
-                    </m:r>
-                  </m:oMath>
-                </a14:m>
-                <a:r>
-                  <a:rPr lang="en-US" dirty="0">
-                    <a:latin typeface="Times New Roman" panose="02020603050405020304" pitchFamily="18" charset="0"/>
-                    <a:cs typeface="Times New Roman" panose="02020603050405020304" pitchFamily="18" charset="0"/>
-                  </a:rPr>
-                  <a:t>10 = $50.</a:t>
-                </a:r>
-              </a:p>
-              <a:p>
-                <a:pPr marL="342900" indent="-342900">
-                  <a:spcBef>
-                    <a:spcPts val="600"/>
-                  </a:spcBef>
-                  <a:buFont typeface="Arial" panose="020B0604020202020204" pitchFamily="34" charset="0"/>
-                  <a:buChar char="•"/>
-                </a:pPr>
-                <a:r>
-                  <a:rPr lang="zh-CN" altLang="en-US" dirty="0">
-                    <a:latin typeface="Times New Roman" panose="02020603050405020304" pitchFamily="18" charset="0"/>
-                    <a:cs typeface="Times New Roman" panose="02020603050405020304" pitchFamily="18" charset="0"/>
-                  </a:rPr>
-                  <a:t>第</a:t>
-                </a:r>
-                <a:r>
-                  <a:rPr lang="en-US" altLang="zh-CN" dirty="0">
-                    <a:latin typeface="Times New Roman" panose="02020603050405020304" pitchFamily="18" charset="0"/>
-                    <a:cs typeface="Times New Roman" panose="02020603050405020304" pitchFamily="18" charset="0"/>
-                  </a:rPr>
-                  <a:t>2</a:t>
-                </a:r>
-                <a:r>
-                  <a:rPr lang="zh-CN" altLang="en-US" dirty="0">
-                    <a:latin typeface="Times New Roman" panose="02020603050405020304" pitchFamily="18" charset="0"/>
-                    <a:cs typeface="Times New Roman" panose="02020603050405020304" pitchFamily="18" charset="0"/>
-                  </a:rPr>
-                  <a:t>年价格下“篮子”产品的成本是</a:t>
-                </a:r>
-                <a:r>
-                  <a:rPr lang="en-US" dirty="0">
-                    <a:latin typeface="Times New Roman" panose="02020603050405020304" pitchFamily="18" charset="0"/>
-                    <a:cs typeface="Times New Roman" panose="02020603050405020304" pitchFamily="18" charset="0"/>
-                  </a:rPr>
-                  <a:t> </a:t>
-                </a:r>
-              </a:p>
-              <a:p>
-                <a:pPr algn="ctr">
-                  <a:spcBef>
-                    <a:spcPts val="600"/>
-                  </a:spcBef>
-                </a:pPr>
-                <a:r>
-                  <a:rPr lang="en-US" dirty="0">
-                    <a:latin typeface="Times New Roman" panose="02020603050405020304" pitchFamily="18" charset="0"/>
-                    <a:cs typeface="Times New Roman" panose="02020603050405020304" pitchFamily="18" charset="0"/>
-                  </a:rPr>
-                  <a:t>10</a:t>
-                </a:r>
-                <a14:m>
-                  <m:oMath xmlns:m="http://schemas.openxmlformats.org/officeDocument/2006/math">
-                    <m:r>
-                      <a:rPr lang="en-US" i="1">
-                        <a:latin typeface="Cambria Math"/>
-                        <a:ea typeface="Cambria Math"/>
-                        <a:cs typeface="Times New Roman" panose="02020603050405020304" pitchFamily="18" charset="0"/>
-                      </a:rPr>
-                      <m:t>×</m:t>
-                    </m:r>
-                  </m:oMath>
-                </a14:m>
-                <a:r>
-                  <a:rPr lang="en-US" dirty="0">
-                    <a:latin typeface="Times New Roman" panose="02020603050405020304" pitchFamily="18" charset="0"/>
-                    <a:cs typeface="Times New Roman" panose="02020603050405020304" pitchFamily="18" charset="0"/>
-                  </a:rPr>
-                  <a:t>1.5+5</a:t>
-                </a:r>
-                <a14:m>
-                  <m:oMath xmlns:m="http://schemas.openxmlformats.org/officeDocument/2006/math">
-                    <m:r>
-                      <a:rPr lang="en-US" i="1">
-                        <a:latin typeface="Cambria Math"/>
-                        <a:ea typeface="Cambria Math"/>
-                        <a:cs typeface="Times New Roman" panose="02020603050405020304" pitchFamily="18" charset="0"/>
-                      </a:rPr>
-                      <m:t>×</m:t>
-                    </m:r>
-                  </m:oMath>
-                </a14:m>
-                <a:r>
-                  <a:rPr lang="en-US" dirty="0">
-                    <a:latin typeface="Times New Roman" panose="02020603050405020304" pitchFamily="18" charset="0"/>
-                    <a:cs typeface="Times New Roman" panose="02020603050405020304" pitchFamily="18" charset="0"/>
-                  </a:rPr>
-                  <a:t>3+2</a:t>
-                </a:r>
-                <a14:m>
-                  <m:oMath xmlns:m="http://schemas.openxmlformats.org/officeDocument/2006/math">
-                    <m:r>
-                      <a:rPr lang="en-US" i="1">
-                        <a:latin typeface="Cambria Math"/>
-                        <a:ea typeface="Cambria Math"/>
-                        <a:cs typeface="Times New Roman" panose="02020603050405020304" pitchFamily="18" charset="0"/>
-                      </a:rPr>
-                      <m:t>×</m:t>
-                    </m:r>
-                  </m:oMath>
-                </a14:m>
-                <a:r>
-                  <a:rPr lang="en-US" dirty="0">
-                    <a:latin typeface="Times New Roman" panose="02020603050405020304" pitchFamily="18" charset="0"/>
-                    <a:cs typeface="Times New Roman" panose="02020603050405020304" pitchFamily="18" charset="0"/>
-                  </a:rPr>
-                  <a:t>12 = $54.</a:t>
-                </a:r>
-              </a:p>
-            </p:txBody>
-          </p:sp>
-        </mc:Choice>
-        <mc:Fallback xmlns="">
-          <p:sp>
-            <p:nvSpPr>
-              <p:cNvPr id="7" name="TextBox 6"/>
-              <p:cNvSpPr txBox="1">
-                <a:spLocks noRot="1" noChangeAspect="1" noMove="1" noResize="1" noEditPoints="1" noAdjustHandles="1" noChangeArrowheads="1" noChangeShapeType="1" noTextEdit="1"/>
-              </p:cNvSpPr>
-              <p:nvPr/>
-            </p:nvSpPr>
-            <p:spPr>
-              <a:xfrm>
-                <a:off x="0" y="3262082"/>
-                <a:ext cx="9144000" cy="1431161"/>
-              </a:xfrm>
-              <a:prstGeom prst="rect">
-                <a:avLst/>
-              </a:prstGeom>
-              <a:blipFill>
-                <a:blip r:embed="rId2"/>
-                <a:stretch>
-                  <a:fillRect l="-400" t="-2979" b="-5957"/>
-                </a:stretch>
-              </a:blipFill>
-            </p:spPr>
-            <p:txBody>
-              <a:bodyPr/>
-              <a:lstStyle/>
-              <a:p>
-                <a:r>
-                  <a:rPr lang="en-US">
-                    <a:noFill/>
-                  </a:rPr>
-                  <a:t> </a:t>
-                </a:r>
-              </a:p>
-            </p:txBody>
-          </p:sp>
-        </mc:Fallback>
-      </mc:AlternateContent>
-      <p:sp>
-        <p:nvSpPr>
-          <p:cNvPr id="9" name="Title 1">
-            <a:extLst>
-              <a:ext uri="{FF2B5EF4-FFF2-40B4-BE49-F238E27FC236}">
-                <a16:creationId xmlns:a16="http://schemas.microsoft.com/office/drawing/2014/main" id="{FFF5089A-3B38-4C8C-B0A9-F8F13F3BD669}"/>
-              </a:ext>
-            </a:extLst>
-          </p:cNvPr>
-          <p:cNvSpPr>
-            <a:spLocks noGrp="1"/>
-          </p:cNvSpPr>
-          <p:nvPr>
-            <p:ph type="title"/>
-          </p:nvPr>
-        </p:nvSpPr>
-        <p:spPr>
-          <a:xfrm>
-            <a:off x="457200" y="205978"/>
-            <a:ext cx="8229600" cy="857250"/>
-          </a:xfrm>
-        </p:spPr>
-        <p:txBody>
-          <a:bodyPr vert="horz" lIns="91440" tIns="45720" rIns="91440" bIns="45720" rtlCol="0" anchor="ctr">
-            <a:normAutofit/>
-          </a:bodyPr>
-          <a:lstStyle/>
-          <a:p>
-            <a:r>
-              <a:rPr lang="zh-CN" altLang="en-US" dirty="0"/>
-              <a:t>消费价格指数</a:t>
-            </a:r>
-            <a:r>
-              <a:rPr lang="en-US" altLang="zh-CN" dirty="0"/>
-              <a:t>(CPI)</a:t>
-            </a:r>
-            <a:endParaRPr lang="en-US" dirty="0"/>
-          </a:p>
-        </p:txBody>
-      </p:sp>
-    </p:spTree>
-    <p:extLst>
-      <p:ext uri="{BB962C8B-B14F-4D97-AF65-F5344CB8AC3E}">
-        <p14:creationId xmlns:p14="http://schemas.microsoft.com/office/powerpoint/2010/main" val="2893543343"/>
-      </p:ext>
-    </p:extLst>
-  </p:cSld>
-  <p:clrMapOvr>
-    <a:masterClrMapping/>
-  </p:clrMapOvr>
-  <p:timing>
-    <p:tnLst>
-      <p:par>
-        <p:cTn id="1" dur="indefinite" restart="never" nodeType="tmRoot">
-          <p:childTnLst>
-            <p:seq concurrent="1" nextAc="seek">
-              <p:cTn id="2" dur="indefinite" nodeType="mainSeq">
-                <p:childTnLst>
-                  <p:par>
-                    <p:cTn id="3" fill="hold">
-                      <p:stCondLst>
-                        <p:cond delay="indefinite"/>
-                      </p:stCondLst>
-                      <p:childTnLst>
-                        <p:par>
-                          <p:cTn id="4" fill="hold">
-                            <p:stCondLst>
-                              <p:cond delay="0"/>
-                            </p:stCondLst>
-                            <p:childTnLst>
-                              <p:par>
-                                <p:cTn id="5" presetID="1" presetClass="entr" presetSubtype="0" fill="hold" nodeType="clickEffect">
-                                  <p:stCondLst>
-                                    <p:cond delay="0"/>
-                                  </p:stCondLst>
-                                  <p:childTnLst>
-                                    <p:set>
-                                      <p:cBhvr>
-                                        <p:cTn id="6" dur="1" fill="hold">
-                                          <p:stCondLst>
-                                            <p:cond delay="0"/>
-                                          </p:stCondLst>
-                                        </p:cTn>
-                                        <p:tgtEl>
-                                          <p:spTgt spid="7">
-                                            <p:txEl>
-                                              <p:pRg st="1" end="1"/>
-                                            </p:txEl>
-                                          </p:spTgt>
-                                        </p:tgtEl>
-                                        <p:attrNameLst>
-                                          <p:attrName>style.visibility</p:attrName>
-                                        </p:attrNameLst>
-                                      </p:cBhvr>
-                                      <p:to>
-                                        <p:strVal val="visible"/>
-                                      </p:to>
-                                    </p:set>
-                                  </p:childTnLst>
-                                </p:cTn>
-                              </p:par>
-                            </p:childTnLst>
-                          </p:cTn>
-                        </p:par>
-                      </p:childTnLst>
-                    </p:cTn>
-                  </p:par>
-                  <p:par>
-                    <p:cTn id="7" fill="hold">
-                      <p:stCondLst>
-                        <p:cond delay="indefinite"/>
-                      </p:stCondLst>
-                      <p:childTnLst>
-                        <p:par>
-                          <p:cTn id="8" fill="hold">
-                            <p:stCondLst>
-                              <p:cond delay="0"/>
-                            </p:stCondLst>
-                            <p:childTnLst>
-                              <p:par>
-                                <p:cTn id="9" presetID="1" presetClass="entr" presetSubtype="0" fill="hold" nodeType="clickEffect">
-                                  <p:stCondLst>
-                                    <p:cond delay="0"/>
-                                  </p:stCondLst>
-                                  <p:childTnLst>
-                                    <p:set>
-                                      <p:cBhvr>
-                                        <p:cTn id="10" dur="1" fill="hold">
-                                          <p:stCondLst>
-                                            <p:cond delay="0"/>
-                                          </p:stCondLst>
-                                        </p:cTn>
-                                        <p:tgtEl>
-                                          <p:spTgt spid="7">
-                                            <p:txEl>
-                                              <p:pRg st="3" end="3"/>
-                                            </p:txEl>
-                                          </p:spTgt>
-                                        </p:tgtEl>
-                                        <p:attrNameLst>
-                                          <p:attrName>style.visibility</p:attrName>
-                                        </p:attrNameLst>
-                                      </p:cBhvr>
-                                      <p:to>
-                                        <p:strVal val="visible"/>
-                                      </p:to>
-                                    </p:set>
-                                  </p:childTnLst>
-                                </p:cTn>
-                              </p:par>
-                            </p:childTnLst>
-                          </p:cTn>
-                        </p:par>
-                      </p:childTnLst>
-                    </p:cTn>
-                  </p:par>
-                </p:childTnLst>
-              </p:cTn>
-              <p:prevCondLst>
-                <p:cond evt="onPrev" delay="0">
-                  <p:tgtEl>
-                    <p:sldTgt/>
-                  </p:tgtEl>
-                </p:cond>
-              </p:prevCondLst>
-              <p:nextCondLst>
-                <p:cond evt="onNext" delay="0">
-                  <p:tgtEl>
-                    <p:sldTgt/>
-                  </p:tgtEl>
-                </p:cond>
-              </p:nextCondLst>
-            </p:seq>
-          </p:childTnLst>
-        </p:cTn>
-      </p:par>
-    </p:tnLst>
-  </p:timing>
-</p:sld>
-</file>
-
-<file path=ppt/slides/slide13.xml><?xml version="1.0" encoding="utf-8"?>
-<p:sld xmlns:a="http://schemas.openxmlformats.org/drawingml/2006/main" xmlns:r="http://schemas.openxmlformats.org/officeDocument/2006/relationships" xmlns:p="http://schemas.openxmlformats.org/presentationml/2006/main">
-  <p:cSld>
-    <p:spTree>
-      <p:nvGrpSpPr>
-        <p:cNvPr id="1" name=""/>
-        <p:cNvGrpSpPr/>
-        <p:nvPr/>
-      </p:nvGrpSpPr>
-      <p:grpSpPr>
-        <a:xfrm>
-          <a:off x="0" y="0"/>
-          <a:ext cx="0" cy="0"/>
-          <a:chOff x="0" y="0"/>
-          <a:chExt cx="0" cy="0"/>
-        </a:xfrm>
-      </p:grpSpPr>
-      <p:sp>
-        <p:nvSpPr>
-          <p:cNvPr id="4" name="Slide Number Placeholder 3"/>
-          <p:cNvSpPr>
-            <a:spLocks noGrp="1"/>
-          </p:cNvSpPr>
-          <p:nvPr>
-            <p:ph type="sldNum" sz="quarter" idx="12"/>
-          </p:nvPr>
-        </p:nvSpPr>
-        <p:spPr/>
-        <p:txBody>
-          <a:bodyPr/>
-          <a:lstStyle/>
-          <a:p>
-            <a:fld id="{B6F15528-21DE-4FAA-801E-634DDDAF4B2B}" type="slidenum">
-              <a:rPr lang="en-US" smtClean="0"/>
-              <a:pPr/>
-              <a:t>13</a:t>
-            </a:fld>
-            <a:endParaRPr lang="en-US" dirty="0"/>
-          </a:p>
-        </p:txBody>
-      </p:sp>
-      <p:graphicFrame>
-        <p:nvGraphicFramePr>
-          <p:cNvPr id="5" name="Table 4"/>
-          <p:cNvGraphicFramePr>
-            <a:graphicFrameLocks noGrp="1"/>
-          </p:cNvGraphicFramePr>
-          <p:nvPr/>
-        </p:nvGraphicFramePr>
-        <p:xfrm>
-          <a:off x="381000" y="1452308"/>
-          <a:ext cx="8229600" cy="1729042"/>
-        </p:xfrm>
-        <a:graphic>
-          <a:graphicData uri="http://schemas.openxmlformats.org/drawingml/2006/table">
-            <a:tbl>
-              <a:tblPr firstRow="1" firstCol="1" bandRow="1"/>
-              <a:tblGrid>
-                <a:gridCol w="2057400">
-                  <a:extLst>
-                    <a:ext uri="{9D8B030D-6E8A-4147-A177-3AD203B41FA5}">
-                      <a16:colId xmlns:a16="http://schemas.microsoft.com/office/drawing/2014/main" val="20000"/>
-                    </a:ext>
-                  </a:extLst>
-                </a:gridCol>
-                <a:gridCol w="2057400">
-                  <a:extLst>
-                    <a:ext uri="{9D8B030D-6E8A-4147-A177-3AD203B41FA5}">
-                      <a16:colId xmlns:a16="http://schemas.microsoft.com/office/drawing/2014/main" val="20001"/>
-                    </a:ext>
-                  </a:extLst>
-                </a:gridCol>
-                <a:gridCol w="2133600">
-                  <a:extLst>
-                    <a:ext uri="{9D8B030D-6E8A-4147-A177-3AD203B41FA5}">
-                      <a16:colId xmlns:a16="http://schemas.microsoft.com/office/drawing/2014/main" val="20002"/>
-                    </a:ext>
-                  </a:extLst>
-                </a:gridCol>
-                <a:gridCol w="1981200">
-                  <a:extLst>
-                    <a:ext uri="{9D8B030D-6E8A-4147-A177-3AD203B41FA5}">
-                      <a16:colId xmlns:a16="http://schemas.microsoft.com/office/drawing/2014/main" val="20003"/>
-                    </a:ext>
-                  </a:extLst>
-                </a:gridCol>
-              </a:tblGrid>
-              <a:tr h="479025">
-                <a:tc>
-                  <a:txBody>
-                    <a:bodyPr/>
-                    <a:lstStyle/>
-                    <a:p>
-                      <a:pPr marL="0" marR="0" algn="ctr">
-                        <a:lnSpc>
-                          <a:spcPct val="115000"/>
-                        </a:lnSpc>
-                        <a:spcBef>
-                          <a:spcPts val="0"/>
-                        </a:spcBef>
-                        <a:spcAft>
-                          <a:spcPts val="1000"/>
-                        </a:spcAft>
-                      </a:pPr>
-                      <a:r>
-                        <a:rPr lang="zh-CN" altLang="en-US" sz="1800" dirty="0">
-                          <a:effectLst/>
-                          <a:latin typeface="Times New Roman"/>
-                          <a:ea typeface="宋体"/>
-                          <a:cs typeface="Times New Roman"/>
-                        </a:rPr>
-                        <a:t>商品</a:t>
-                      </a:r>
-                      <a:endParaRPr lang="en-US" sz="1800" dirty="0">
-                        <a:effectLst/>
-                        <a:latin typeface="Calibri"/>
-                        <a:ea typeface="宋体"/>
-                        <a:cs typeface="Times New Roman"/>
-                      </a:endParaRPr>
-                    </a:p>
-                  </a:txBody>
-                  <a:tcPr marL="68580" marR="68580" marT="0" marB="0" anchor="ctr">
-                    <a:lnL w="12700" cap="flat" cmpd="sng" algn="ctr">
-                      <a:noFill/>
-                      <a:prstDash val="solid"/>
-                      <a:round/>
-                      <a:headEnd type="none" w="med" len="med"/>
-                      <a:tailEnd type="none" w="med" len="med"/>
-                    </a:lnL>
-                    <a:lnR w="12700" cap="flat" cmpd="sng" algn="ctr">
-                      <a:noFill/>
-                      <a:prstDash val="solid"/>
-                      <a:round/>
-                      <a:headEnd type="none" w="med" len="med"/>
-                      <a:tailEnd type="none" w="med" len="med"/>
-                    </a:lnR>
-                    <a:lnT w="12700" cap="flat" cmpd="sng" algn="ctr">
-                      <a:solidFill>
-                        <a:srgbClr val="000000"/>
-                      </a:solidFill>
-                      <a:prstDash val="solid"/>
-                      <a:round/>
-                      <a:headEnd type="none" w="med" len="med"/>
-                      <a:tailEnd type="none" w="med" len="med"/>
-                    </a:lnT>
-                    <a:lnB w="12700" cap="flat" cmpd="sng" algn="ctr">
-                      <a:solidFill>
-                        <a:srgbClr val="000000"/>
-                      </a:solidFill>
-                      <a:prstDash val="solid"/>
-                      <a:round/>
-                      <a:headEnd type="none" w="med" len="med"/>
-                      <a:tailEnd type="none" w="med" len="med"/>
-                    </a:lnB>
-                  </a:tcPr>
-                </a:tc>
-                <a:tc>
-                  <a:txBody>
-                    <a:bodyPr/>
-                    <a:lstStyle/>
-                    <a:p>
-                      <a:pPr marL="0" marR="0" algn="ctr">
-                        <a:lnSpc>
-                          <a:spcPct val="115000"/>
-                        </a:lnSpc>
-                        <a:spcBef>
-                          <a:spcPts val="0"/>
-                        </a:spcBef>
-                        <a:spcAft>
-                          <a:spcPts val="1000"/>
-                        </a:spcAft>
-                      </a:pPr>
-                      <a:r>
-                        <a:rPr lang="en-US" sz="1800" dirty="0">
-                          <a:effectLst/>
-                          <a:latin typeface="Times New Roman"/>
-                          <a:ea typeface="宋体"/>
-                          <a:cs typeface="Times New Roman"/>
-                        </a:rPr>
-                        <a:t>CPI</a:t>
-                      </a:r>
-                      <a:r>
-                        <a:rPr lang="en-US" sz="1800" baseline="0" dirty="0">
-                          <a:effectLst/>
-                          <a:latin typeface="Times New Roman"/>
-                          <a:ea typeface="宋体"/>
-                          <a:cs typeface="Times New Roman"/>
-                        </a:rPr>
-                        <a:t> </a:t>
-                      </a:r>
-                      <a:r>
-                        <a:rPr lang="zh-CN" altLang="en-US" sz="1800" baseline="0" dirty="0">
-                          <a:effectLst/>
-                          <a:latin typeface="Times New Roman"/>
-                          <a:ea typeface="宋体"/>
-                          <a:cs typeface="Times New Roman"/>
-                        </a:rPr>
-                        <a:t>“篮子”</a:t>
-                      </a:r>
-                      <a:r>
-                        <a:rPr lang="en-US" sz="1800" dirty="0">
-                          <a:effectLst/>
-                          <a:latin typeface="Times New Roman"/>
-                          <a:ea typeface="宋体"/>
-                          <a:cs typeface="Times New Roman"/>
-                        </a:rPr>
-                        <a:t> </a:t>
-                      </a:r>
-                      <a:endParaRPr lang="en-US" sz="1800" dirty="0">
-                        <a:effectLst/>
-                        <a:latin typeface="Calibri"/>
-                        <a:ea typeface="宋体"/>
-                        <a:cs typeface="Times New Roman"/>
-                      </a:endParaRPr>
-                    </a:p>
-                  </a:txBody>
-                  <a:tcPr marL="68580" marR="68580" marT="0" marB="0" anchor="ctr">
-                    <a:lnL w="12700" cap="flat" cmpd="sng" algn="ctr">
-                      <a:noFill/>
-                      <a:prstDash val="solid"/>
-                      <a:round/>
-                      <a:headEnd type="none" w="med" len="med"/>
-                      <a:tailEnd type="none" w="med" len="med"/>
-                    </a:lnL>
-                    <a:lnR w="12700" cap="flat" cmpd="sng" algn="ctr">
-                      <a:noFill/>
-                      <a:prstDash val="solid"/>
-                      <a:round/>
-                      <a:headEnd type="none" w="med" len="med"/>
-                      <a:tailEnd type="none" w="med" len="med"/>
-                    </a:lnR>
-                    <a:lnT w="12700" cap="flat" cmpd="sng" algn="ctr">
-                      <a:solidFill>
-                        <a:srgbClr val="000000"/>
-                      </a:solidFill>
-                      <a:prstDash val="solid"/>
-                      <a:round/>
-                      <a:headEnd type="none" w="med" len="med"/>
-                      <a:tailEnd type="none" w="med" len="med"/>
-                    </a:lnT>
-                    <a:lnB w="12700" cap="flat" cmpd="sng" algn="ctr">
-                      <a:solidFill>
-                        <a:srgbClr val="000000"/>
-                      </a:solidFill>
-                      <a:prstDash val="solid"/>
-                      <a:round/>
-                      <a:headEnd type="none" w="med" len="med"/>
-                      <a:tailEnd type="none" w="med" len="med"/>
-                    </a:lnB>
-                  </a:tcPr>
-                </a:tc>
-                <a:tc>
-                  <a:txBody>
-                    <a:bodyPr/>
-                    <a:lstStyle/>
-                    <a:p>
-                      <a:pPr marL="0" marR="0" algn="ctr">
-                        <a:lnSpc>
-                          <a:spcPct val="100000"/>
-                        </a:lnSpc>
-                        <a:spcBef>
-                          <a:spcPts val="0"/>
-                        </a:spcBef>
-                        <a:spcAft>
-                          <a:spcPts val="0"/>
-                        </a:spcAft>
-                      </a:pPr>
-                      <a:r>
-                        <a:rPr lang="zh-CN" altLang="en-US" sz="1800" baseline="0" dirty="0">
-                          <a:effectLst/>
-                          <a:latin typeface="Times New Roman"/>
-                          <a:ea typeface="宋体"/>
-                          <a:cs typeface="Times New Roman"/>
-                        </a:rPr>
-                        <a:t>第</a:t>
-                      </a:r>
-                      <a:r>
-                        <a:rPr lang="en-US" altLang="zh-CN" sz="1800" baseline="0" dirty="0">
-                          <a:effectLst/>
-                          <a:latin typeface="Times New Roman"/>
-                          <a:ea typeface="宋体"/>
-                          <a:cs typeface="Times New Roman"/>
-                        </a:rPr>
-                        <a:t>1</a:t>
-                      </a:r>
-                      <a:r>
-                        <a:rPr lang="zh-CN" altLang="en-US" sz="1800" baseline="0" dirty="0">
-                          <a:effectLst/>
-                          <a:latin typeface="Times New Roman"/>
-                          <a:ea typeface="宋体"/>
-                          <a:cs typeface="Times New Roman"/>
-                        </a:rPr>
-                        <a:t>年的价格</a:t>
-                      </a:r>
-                      <a:r>
-                        <a:rPr lang="en-US" sz="1800" baseline="0" dirty="0">
-                          <a:effectLst/>
-                          <a:latin typeface="Times New Roman"/>
-                          <a:ea typeface="宋体"/>
-                          <a:cs typeface="Times New Roman"/>
-                        </a:rPr>
-                        <a:t> </a:t>
-                      </a:r>
-                    </a:p>
-                    <a:p>
-                      <a:pPr marL="0" marR="0" algn="ctr">
-                        <a:lnSpc>
-                          <a:spcPct val="100000"/>
-                        </a:lnSpc>
-                        <a:spcBef>
-                          <a:spcPts val="0"/>
-                        </a:spcBef>
-                        <a:spcAft>
-                          <a:spcPts val="0"/>
-                        </a:spcAft>
-                      </a:pPr>
-                      <a:r>
-                        <a:rPr lang="en-US" sz="1800" b="1" dirty="0">
-                          <a:solidFill>
-                            <a:schemeClr val="tx1"/>
-                          </a:solidFill>
-                          <a:effectLst/>
-                          <a:latin typeface="Times New Roman"/>
-                          <a:ea typeface="宋体"/>
-                          <a:cs typeface="Times New Roman"/>
-                        </a:rPr>
-                        <a:t>(</a:t>
-                      </a:r>
-                      <a:r>
-                        <a:rPr lang="zh-CN" altLang="en-US" sz="1800" b="1" dirty="0">
-                          <a:solidFill>
-                            <a:schemeClr val="tx1"/>
-                          </a:solidFill>
-                          <a:effectLst/>
-                          <a:latin typeface="Times New Roman"/>
-                          <a:ea typeface="宋体"/>
-                          <a:cs typeface="Times New Roman"/>
-                        </a:rPr>
-                        <a:t>基期</a:t>
-                      </a:r>
-                      <a:r>
-                        <a:rPr lang="en-US" sz="1800" b="1" dirty="0">
-                          <a:solidFill>
-                            <a:schemeClr val="tx1"/>
-                          </a:solidFill>
-                          <a:effectLst/>
-                          <a:latin typeface="Times New Roman"/>
-                          <a:ea typeface="宋体"/>
-                          <a:cs typeface="Times New Roman"/>
-                        </a:rPr>
-                        <a:t>)</a:t>
-                      </a:r>
-                      <a:endParaRPr lang="en-US" sz="1800" b="1" dirty="0">
-                        <a:solidFill>
-                          <a:schemeClr val="tx1"/>
-                        </a:solidFill>
-                        <a:effectLst/>
-                        <a:latin typeface="Calibri"/>
-                        <a:ea typeface="宋体"/>
-                        <a:cs typeface="Times New Roman"/>
-                      </a:endParaRPr>
-                    </a:p>
-                  </a:txBody>
-                  <a:tcPr marL="68580" marR="68580" marT="0" marB="0" anchor="ctr">
-                    <a:lnL w="12700" cap="flat" cmpd="sng" algn="ctr">
-                      <a:noFill/>
-                      <a:prstDash val="solid"/>
-                      <a:round/>
-                      <a:headEnd type="none" w="med" len="med"/>
-                      <a:tailEnd type="none" w="med" len="med"/>
-                    </a:lnL>
-                    <a:lnR w="12700" cap="flat" cmpd="sng" algn="ctr">
-                      <a:noFill/>
-                      <a:prstDash val="solid"/>
-                      <a:round/>
-                      <a:headEnd type="none" w="med" len="med"/>
-                      <a:tailEnd type="none" w="med" len="med"/>
-                    </a:lnR>
-                    <a:lnT w="12700" cap="flat" cmpd="sng" algn="ctr">
-                      <a:solidFill>
-                        <a:srgbClr val="000000"/>
-                      </a:solidFill>
-                      <a:prstDash val="solid"/>
-                      <a:round/>
-                      <a:headEnd type="none" w="med" len="med"/>
-                      <a:tailEnd type="none" w="med" len="med"/>
-                    </a:lnT>
-                    <a:lnB w="12700" cap="flat" cmpd="sng" algn="ctr">
-                      <a:solidFill>
-                        <a:srgbClr val="000000"/>
-                      </a:solidFill>
-                      <a:prstDash val="solid"/>
-                      <a:round/>
-                      <a:headEnd type="none" w="med" len="med"/>
-                      <a:tailEnd type="none" w="med" len="med"/>
-                    </a:lnB>
-                  </a:tcPr>
-                </a:tc>
-                <a:tc>
-                  <a:txBody>
-                    <a:bodyPr/>
-                    <a:lstStyle/>
-                    <a:p>
-                      <a:pPr marL="0" marR="0" algn="ctr" defTabSz="914400" rtl="0" eaLnBrk="1" latinLnBrk="0" hangingPunct="1">
-                        <a:lnSpc>
-                          <a:spcPct val="100000"/>
-                        </a:lnSpc>
-                        <a:spcBef>
-                          <a:spcPts val="0"/>
-                        </a:spcBef>
-                        <a:spcAft>
-                          <a:spcPts val="0"/>
-                        </a:spcAft>
-                      </a:pPr>
-                      <a:r>
-                        <a:rPr lang="zh-CN" altLang="en-US" sz="1800" kern="1200" baseline="0" dirty="0">
-                          <a:solidFill>
-                            <a:schemeClr val="tx1"/>
-                          </a:solidFill>
-                          <a:effectLst/>
-                          <a:latin typeface="Times New Roman"/>
-                          <a:ea typeface="宋体"/>
-                          <a:cs typeface="Times New Roman"/>
-                        </a:rPr>
-                        <a:t>第</a:t>
-                      </a:r>
-                      <a:r>
-                        <a:rPr lang="en-US" altLang="zh-CN" sz="1800" kern="1200" baseline="0" dirty="0">
-                          <a:solidFill>
-                            <a:schemeClr val="tx1"/>
-                          </a:solidFill>
-                          <a:effectLst/>
-                          <a:latin typeface="Times New Roman"/>
-                          <a:ea typeface="宋体"/>
-                          <a:cs typeface="Times New Roman"/>
-                        </a:rPr>
-                        <a:t>2</a:t>
-                      </a:r>
-                      <a:r>
-                        <a:rPr lang="zh-CN" altLang="en-US" sz="1800" kern="1200" baseline="0" dirty="0">
-                          <a:solidFill>
-                            <a:schemeClr val="tx1"/>
-                          </a:solidFill>
-                          <a:effectLst/>
-                          <a:latin typeface="Times New Roman"/>
-                          <a:ea typeface="宋体"/>
-                          <a:cs typeface="Times New Roman"/>
-                        </a:rPr>
-                        <a:t>年的价格</a:t>
-                      </a:r>
-                      <a:endParaRPr lang="en-US" altLang="zh-CN" sz="1800" kern="1200" baseline="0" dirty="0">
-                        <a:solidFill>
-                          <a:schemeClr val="tx1"/>
-                        </a:solidFill>
-                        <a:effectLst/>
-                        <a:latin typeface="Times New Roman"/>
-                        <a:ea typeface="宋体"/>
-                        <a:cs typeface="Times New Roman"/>
-                      </a:endParaRPr>
-                    </a:p>
-                  </a:txBody>
-                  <a:tcPr marL="68580" marR="68580" marT="0" marB="0" anchor="ctr">
-                    <a:lnL w="12700" cap="flat" cmpd="sng" algn="ctr">
-                      <a:noFill/>
-                      <a:prstDash val="solid"/>
-                      <a:round/>
-                      <a:headEnd type="none" w="med" len="med"/>
-                      <a:tailEnd type="none" w="med" len="med"/>
-                    </a:lnL>
-                    <a:lnR w="12700" cap="flat" cmpd="sng" algn="ctr">
-                      <a:noFill/>
-                      <a:prstDash val="solid"/>
-                      <a:round/>
-                      <a:headEnd type="none" w="med" len="med"/>
-                      <a:tailEnd type="none" w="med" len="med"/>
-                    </a:lnR>
-                    <a:lnT w="12700" cap="flat" cmpd="sng" algn="ctr">
-                      <a:solidFill>
-                        <a:srgbClr val="000000"/>
-                      </a:solidFill>
-                      <a:prstDash val="solid"/>
-                      <a:round/>
-                      <a:headEnd type="none" w="med" len="med"/>
-                      <a:tailEnd type="none" w="med" len="med"/>
-                    </a:lnT>
-                    <a:lnB w="12700" cap="flat" cmpd="sng" algn="ctr">
-                      <a:solidFill>
-                        <a:srgbClr val="000000"/>
-                      </a:solidFill>
-                      <a:prstDash val="solid"/>
-                      <a:round/>
-                      <a:headEnd type="none" w="med" len="med"/>
-                      <a:tailEnd type="none" w="med" len="med"/>
-                    </a:lnB>
-                  </a:tcPr>
-                </a:tc>
-                <a:extLst>
-                  <a:ext uri="{0D108BD9-81ED-4DB2-BD59-A6C34878D82A}">
-                    <a16:rowId xmlns:a16="http://schemas.microsoft.com/office/drawing/2014/main" val="10000"/>
-                  </a:ext>
-                </a:extLst>
-              </a:tr>
-              <a:tr h="920754">
-                <a:tc>
-                  <a:txBody>
-                    <a:bodyPr/>
-                    <a:lstStyle/>
-                    <a:p>
-                      <a:pPr marL="0" marR="0" algn="ctr">
-                        <a:lnSpc>
-                          <a:spcPct val="115000"/>
-                        </a:lnSpc>
-                        <a:spcBef>
-                          <a:spcPts val="0"/>
-                        </a:spcBef>
-                        <a:spcAft>
-                          <a:spcPts val="1000"/>
-                        </a:spcAft>
-                      </a:pPr>
-                      <a:r>
-                        <a:rPr lang="zh-CN" altLang="en-US" sz="1800" dirty="0">
-                          <a:effectLst/>
-                          <a:latin typeface="Times New Roman"/>
-                          <a:ea typeface="宋体"/>
-                          <a:cs typeface="Times New Roman"/>
-                        </a:rPr>
-                        <a:t>橙子</a:t>
-                      </a:r>
-                      <a:r>
-                        <a:rPr lang="en-US" sz="1800" dirty="0">
-                          <a:effectLst/>
-                          <a:latin typeface="Times New Roman"/>
-                          <a:ea typeface="宋体"/>
-                          <a:cs typeface="Times New Roman"/>
-                        </a:rPr>
-                        <a:t> </a:t>
-                      </a:r>
-                      <a:endParaRPr lang="en-US" sz="1800" dirty="0">
-                        <a:effectLst/>
-                        <a:latin typeface="Calibri"/>
-                        <a:ea typeface="宋体"/>
-                        <a:cs typeface="Times New Roman"/>
-                      </a:endParaRPr>
-                    </a:p>
-                    <a:p>
-                      <a:pPr marL="0" marR="0" algn="ctr">
-                        <a:lnSpc>
-                          <a:spcPct val="115000"/>
-                        </a:lnSpc>
-                        <a:spcBef>
-                          <a:spcPts val="0"/>
-                        </a:spcBef>
-                        <a:spcAft>
-                          <a:spcPts val="1000"/>
-                        </a:spcAft>
-                      </a:pPr>
-                      <a:r>
-                        <a:rPr lang="zh-CN" altLang="en-US" sz="1800" dirty="0">
-                          <a:effectLst/>
-                          <a:latin typeface="Times New Roman"/>
-                          <a:ea typeface="宋体"/>
-                          <a:cs typeface="Times New Roman"/>
-                        </a:rPr>
-                        <a:t>西柚</a:t>
-                      </a:r>
-                      <a:endParaRPr lang="en-US" sz="1800" dirty="0">
-                        <a:effectLst/>
-                        <a:latin typeface="Calibri"/>
-                        <a:ea typeface="宋体"/>
-                        <a:cs typeface="Times New Roman"/>
-                      </a:endParaRPr>
-                    </a:p>
-                    <a:p>
-                      <a:pPr marL="0" marR="0" algn="ctr">
-                        <a:lnSpc>
-                          <a:spcPct val="115000"/>
-                        </a:lnSpc>
-                        <a:spcBef>
-                          <a:spcPts val="0"/>
-                        </a:spcBef>
-                        <a:spcAft>
-                          <a:spcPts val="1000"/>
-                        </a:spcAft>
-                      </a:pPr>
-                      <a:r>
-                        <a:rPr lang="zh-CN" altLang="en-US" sz="1800" dirty="0">
-                          <a:effectLst/>
-                          <a:latin typeface="Times New Roman"/>
-                          <a:ea typeface="宋体"/>
-                          <a:cs typeface="Times New Roman"/>
-                        </a:rPr>
-                        <a:t>柠檬</a:t>
-                      </a:r>
-                      <a:endParaRPr lang="en-US" sz="1800" dirty="0">
-                        <a:effectLst/>
-                        <a:latin typeface="Calibri"/>
-                        <a:ea typeface="宋体"/>
-                        <a:cs typeface="Times New Roman"/>
-                      </a:endParaRPr>
-                    </a:p>
-                  </a:txBody>
-                  <a:tcPr marL="68580" marR="68580" marT="0" marB="0" anchor="ctr">
-                    <a:lnL w="12700" cap="flat" cmpd="sng" algn="ctr">
-                      <a:noFill/>
-                      <a:prstDash val="solid"/>
-                      <a:round/>
-                      <a:headEnd type="none" w="med" len="med"/>
-                      <a:tailEnd type="none" w="med" len="med"/>
-                    </a:lnL>
-                    <a:lnR w="12700" cap="flat" cmpd="sng" algn="ctr">
-                      <a:noFill/>
-                      <a:prstDash val="solid"/>
-                      <a:round/>
-                      <a:headEnd type="none" w="med" len="med"/>
-                      <a:tailEnd type="none" w="med" len="med"/>
-                    </a:lnR>
-                    <a:lnT w="12700" cap="flat" cmpd="sng" algn="ctr">
-                      <a:solidFill>
-                        <a:srgbClr val="000000"/>
-                      </a:solidFill>
-                      <a:prstDash val="solid"/>
-                      <a:round/>
-                      <a:headEnd type="none" w="med" len="med"/>
-                      <a:tailEnd type="none" w="med" len="med"/>
-                    </a:lnT>
-                    <a:lnB w="12700" cap="flat" cmpd="sng" algn="ctr">
-                      <a:solidFill>
-                        <a:srgbClr val="000000"/>
-                      </a:solidFill>
-                      <a:prstDash val="solid"/>
-                      <a:round/>
-                      <a:headEnd type="none" w="med" len="med"/>
-                      <a:tailEnd type="none" w="med" len="med"/>
-                    </a:lnB>
-                  </a:tcPr>
-                </a:tc>
-                <a:tc>
-                  <a:txBody>
-                    <a:bodyPr/>
-                    <a:lstStyle/>
-                    <a:p>
-                      <a:pPr marL="0" marR="0" algn="ctr">
-                        <a:lnSpc>
-                          <a:spcPct val="115000"/>
-                        </a:lnSpc>
-                        <a:spcBef>
-                          <a:spcPts val="0"/>
-                        </a:spcBef>
-                        <a:spcAft>
-                          <a:spcPts val="1000"/>
-                        </a:spcAft>
-                      </a:pPr>
-                      <a:r>
-                        <a:rPr lang="en-US" sz="1800" dirty="0">
-                          <a:effectLst/>
-                          <a:latin typeface="Times New Roman"/>
-                          <a:ea typeface="宋体"/>
-                          <a:cs typeface="Times New Roman"/>
-                        </a:rPr>
-                        <a:t>10</a:t>
-                      </a:r>
-                      <a:endParaRPr lang="en-US" sz="1800" dirty="0">
-                        <a:effectLst/>
-                        <a:latin typeface="Calibri"/>
-                        <a:ea typeface="宋体"/>
-                        <a:cs typeface="Times New Roman"/>
-                      </a:endParaRPr>
-                    </a:p>
-                    <a:p>
-                      <a:pPr marL="0" marR="0" algn="ctr">
-                        <a:lnSpc>
-                          <a:spcPct val="115000"/>
-                        </a:lnSpc>
-                        <a:spcBef>
-                          <a:spcPts val="0"/>
-                        </a:spcBef>
-                        <a:spcAft>
-                          <a:spcPts val="1000"/>
-                        </a:spcAft>
-                      </a:pPr>
-                      <a:r>
-                        <a:rPr lang="en-US" sz="1800" dirty="0">
-                          <a:effectLst/>
-                          <a:latin typeface="Times New Roman"/>
-                          <a:ea typeface="宋体"/>
-                          <a:cs typeface="Times New Roman"/>
-                        </a:rPr>
-                        <a:t>5</a:t>
-                      </a:r>
-                      <a:endParaRPr lang="en-US" sz="1800" dirty="0">
-                        <a:effectLst/>
-                        <a:latin typeface="Calibri"/>
-                        <a:ea typeface="宋体"/>
-                        <a:cs typeface="Times New Roman"/>
-                      </a:endParaRPr>
-                    </a:p>
-                    <a:p>
-                      <a:pPr marL="0" marR="0" algn="ctr">
-                        <a:lnSpc>
-                          <a:spcPct val="115000"/>
-                        </a:lnSpc>
-                        <a:spcBef>
-                          <a:spcPts val="0"/>
-                        </a:spcBef>
-                        <a:spcAft>
-                          <a:spcPts val="1000"/>
-                        </a:spcAft>
-                      </a:pPr>
-                      <a:r>
-                        <a:rPr lang="en-US" sz="1800" dirty="0">
-                          <a:effectLst/>
-                          <a:latin typeface="Times New Roman"/>
-                          <a:ea typeface="宋体"/>
-                          <a:cs typeface="Times New Roman"/>
-                        </a:rPr>
-                        <a:t>2</a:t>
-                      </a:r>
-                      <a:endParaRPr lang="en-US" sz="1800" dirty="0">
-                        <a:effectLst/>
-                        <a:latin typeface="Calibri"/>
-                        <a:ea typeface="宋体"/>
-                        <a:cs typeface="Times New Roman"/>
-                      </a:endParaRPr>
-                    </a:p>
-                  </a:txBody>
-                  <a:tcPr marL="68580" marR="68580" marT="0" marB="0" anchor="ctr">
-                    <a:lnL w="12700" cap="flat" cmpd="sng" algn="ctr">
-                      <a:noFill/>
-                      <a:prstDash val="solid"/>
-                      <a:round/>
-                      <a:headEnd type="none" w="med" len="med"/>
-                      <a:tailEnd type="none" w="med" len="med"/>
-                    </a:lnL>
-                    <a:lnR w="12700" cap="flat" cmpd="sng" algn="ctr">
-                      <a:noFill/>
-                      <a:prstDash val="solid"/>
-                      <a:round/>
-                      <a:headEnd type="none" w="med" len="med"/>
-                      <a:tailEnd type="none" w="med" len="med"/>
-                    </a:lnR>
-                    <a:lnT w="12700" cap="flat" cmpd="sng" algn="ctr">
-                      <a:solidFill>
-                        <a:srgbClr val="000000"/>
-                      </a:solidFill>
-                      <a:prstDash val="solid"/>
-                      <a:round/>
-                      <a:headEnd type="none" w="med" len="med"/>
-                      <a:tailEnd type="none" w="med" len="med"/>
-                    </a:lnT>
-                    <a:lnB w="12700" cap="flat" cmpd="sng" algn="ctr">
-                      <a:solidFill>
-                        <a:srgbClr val="000000"/>
-                      </a:solidFill>
-                      <a:prstDash val="solid"/>
-                      <a:round/>
-                      <a:headEnd type="none" w="med" len="med"/>
-                      <a:tailEnd type="none" w="med" len="med"/>
-                    </a:lnB>
-                  </a:tcPr>
-                </a:tc>
-                <a:tc>
-                  <a:txBody>
-                    <a:bodyPr/>
-                    <a:lstStyle/>
-                    <a:p>
-                      <a:pPr marL="0" marR="0" algn="ctr">
-                        <a:lnSpc>
-                          <a:spcPct val="115000"/>
-                        </a:lnSpc>
-                        <a:spcBef>
-                          <a:spcPts val="0"/>
-                        </a:spcBef>
-                        <a:spcAft>
-                          <a:spcPts val="1000"/>
-                        </a:spcAft>
-                      </a:pPr>
-                      <a:r>
-                        <a:rPr lang="en-US" sz="1800" dirty="0">
-                          <a:effectLst/>
-                          <a:latin typeface="Times New Roman"/>
-                          <a:ea typeface="宋体"/>
-                          <a:cs typeface="Times New Roman"/>
-                        </a:rPr>
-                        <a:t>$1</a:t>
-                      </a:r>
-                      <a:endParaRPr lang="en-US" sz="1800" dirty="0">
-                        <a:effectLst/>
-                        <a:latin typeface="Calibri"/>
-                        <a:ea typeface="宋体"/>
-                        <a:cs typeface="Times New Roman"/>
-                      </a:endParaRPr>
-                    </a:p>
-                    <a:p>
-                      <a:pPr marL="0" marR="0" algn="ctr">
-                        <a:lnSpc>
-                          <a:spcPct val="115000"/>
-                        </a:lnSpc>
-                        <a:spcBef>
-                          <a:spcPts val="0"/>
-                        </a:spcBef>
-                        <a:spcAft>
-                          <a:spcPts val="1000"/>
-                        </a:spcAft>
-                      </a:pPr>
-                      <a:r>
-                        <a:rPr lang="en-US" sz="1800">
-                          <a:effectLst/>
-                          <a:latin typeface="Times New Roman"/>
-                          <a:ea typeface="宋体"/>
-                          <a:cs typeface="Times New Roman"/>
-                        </a:rPr>
-                        <a:t>$4</a:t>
-                      </a:r>
-                      <a:endParaRPr lang="en-US" sz="1800">
-                        <a:effectLst/>
-                        <a:latin typeface="Calibri"/>
-                        <a:ea typeface="宋体"/>
-                        <a:cs typeface="Times New Roman"/>
-                      </a:endParaRPr>
-                    </a:p>
-                    <a:p>
-                      <a:pPr marL="0" marR="0" algn="ctr">
-                        <a:lnSpc>
-                          <a:spcPct val="115000"/>
-                        </a:lnSpc>
-                        <a:spcBef>
-                          <a:spcPts val="0"/>
-                        </a:spcBef>
-                        <a:spcAft>
-                          <a:spcPts val="1000"/>
-                        </a:spcAft>
-                      </a:pPr>
-                      <a:r>
-                        <a:rPr lang="en-US" sz="1800" dirty="0">
-                          <a:effectLst/>
-                          <a:latin typeface="Times New Roman"/>
-                          <a:ea typeface="宋体"/>
-                          <a:cs typeface="Times New Roman"/>
-                        </a:rPr>
-                        <a:t>$10</a:t>
-                      </a:r>
-                      <a:endParaRPr lang="en-US" sz="1800" dirty="0">
-                        <a:effectLst/>
-                        <a:latin typeface="Calibri"/>
-                        <a:ea typeface="宋体"/>
-                        <a:cs typeface="Times New Roman"/>
-                      </a:endParaRPr>
-                    </a:p>
-                  </a:txBody>
-                  <a:tcPr marL="68580" marR="68580" marT="0" marB="0" anchor="ctr">
-                    <a:lnL w="12700" cap="flat" cmpd="sng" algn="ctr">
-                      <a:noFill/>
-                      <a:prstDash val="solid"/>
-                      <a:round/>
-                      <a:headEnd type="none" w="med" len="med"/>
-                      <a:tailEnd type="none" w="med" len="med"/>
-                    </a:lnL>
-                    <a:lnR w="12700" cap="flat" cmpd="sng" algn="ctr">
-                      <a:noFill/>
-                      <a:prstDash val="solid"/>
-                      <a:round/>
-                      <a:headEnd type="none" w="med" len="med"/>
-                      <a:tailEnd type="none" w="med" len="med"/>
-                    </a:lnR>
-                    <a:lnT w="12700" cap="flat" cmpd="sng" algn="ctr">
-                      <a:solidFill>
-                        <a:srgbClr val="000000"/>
-                      </a:solidFill>
-                      <a:prstDash val="solid"/>
-                      <a:round/>
-                      <a:headEnd type="none" w="med" len="med"/>
-                      <a:tailEnd type="none" w="med" len="med"/>
-                    </a:lnT>
-                    <a:lnB w="12700" cap="flat" cmpd="sng" algn="ctr">
-                      <a:solidFill>
-                        <a:srgbClr val="000000"/>
-                      </a:solidFill>
-                      <a:prstDash val="solid"/>
-                      <a:round/>
-                      <a:headEnd type="none" w="med" len="med"/>
-                      <a:tailEnd type="none" w="med" len="med"/>
-                    </a:lnB>
-                  </a:tcPr>
-                </a:tc>
-                <a:tc>
-                  <a:txBody>
-                    <a:bodyPr/>
-                    <a:lstStyle/>
-                    <a:p>
-                      <a:pPr marL="0" marR="0" algn="ctr">
-                        <a:lnSpc>
-                          <a:spcPct val="115000"/>
-                        </a:lnSpc>
-                        <a:spcBef>
-                          <a:spcPts val="0"/>
-                        </a:spcBef>
-                        <a:spcAft>
-                          <a:spcPts val="1000"/>
-                        </a:spcAft>
-                      </a:pPr>
-                      <a:r>
-                        <a:rPr lang="en-US" sz="1800" dirty="0">
-                          <a:effectLst/>
-                          <a:latin typeface="Times New Roman"/>
-                          <a:ea typeface="宋体"/>
-                          <a:cs typeface="Times New Roman"/>
-                        </a:rPr>
-                        <a:t>$1.5</a:t>
-                      </a:r>
-                      <a:endParaRPr lang="en-US" sz="1800" dirty="0">
-                        <a:effectLst/>
-                        <a:latin typeface="Calibri"/>
-                        <a:ea typeface="宋体"/>
-                        <a:cs typeface="Times New Roman"/>
-                      </a:endParaRPr>
-                    </a:p>
-                    <a:p>
-                      <a:pPr marL="0" marR="0" algn="ctr">
-                        <a:lnSpc>
-                          <a:spcPct val="115000"/>
-                        </a:lnSpc>
-                        <a:spcBef>
-                          <a:spcPts val="0"/>
-                        </a:spcBef>
-                        <a:spcAft>
-                          <a:spcPts val="1000"/>
-                        </a:spcAft>
-                      </a:pPr>
-                      <a:r>
-                        <a:rPr lang="en-US" sz="1800" dirty="0">
-                          <a:effectLst/>
-                          <a:latin typeface="Times New Roman"/>
-                          <a:ea typeface="宋体"/>
-                          <a:cs typeface="Times New Roman"/>
-                        </a:rPr>
-                        <a:t>$3</a:t>
-                      </a:r>
-                      <a:endParaRPr lang="en-US" sz="1800" dirty="0">
-                        <a:effectLst/>
-                        <a:latin typeface="Calibri"/>
-                        <a:ea typeface="宋体"/>
-                        <a:cs typeface="Times New Roman"/>
-                      </a:endParaRPr>
-                    </a:p>
-                    <a:p>
-                      <a:pPr marL="0" marR="0" algn="ctr">
-                        <a:lnSpc>
-                          <a:spcPct val="115000"/>
-                        </a:lnSpc>
-                        <a:spcBef>
-                          <a:spcPts val="0"/>
-                        </a:spcBef>
-                        <a:spcAft>
-                          <a:spcPts val="1000"/>
-                        </a:spcAft>
-                      </a:pPr>
-                      <a:r>
-                        <a:rPr lang="en-US" sz="1800" dirty="0">
-                          <a:effectLst/>
-                          <a:latin typeface="Times New Roman"/>
-                          <a:ea typeface="宋体"/>
-                          <a:cs typeface="Times New Roman"/>
-                        </a:rPr>
-                        <a:t>$12</a:t>
-                      </a:r>
-                      <a:endParaRPr lang="en-US" sz="1800" dirty="0">
-                        <a:effectLst/>
-                        <a:latin typeface="Calibri"/>
-                        <a:ea typeface="宋体"/>
-                        <a:cs typeface="Times New Roman"/>
-                      </a:endParaRPr>
-                    </a:p>
-                  </a:txBody>
-                  <a:tcPr marL="68580" marR="68580" marT="0" marB="0" anchor="ctr">
-                    <a:lnL w="12700" cap="flat" cmpd="sng" algn="ctr">
-                      <a:noFill/>
-                      <a:prstDash val="solid"/>
-                      <a:round/>
-                      <a:headEnd type="none" w="med" len="med"/>
-                      <a:tailEnd type="none" w="med" len="med"/>
-                    </a:lnL>
-                    <a:lnR w="12700" cap="flat" cmpd="sng" algn="ctr">
-                      <a:noFill/>
-                      <a:prstDash val="solid"/>
-                      <a:round/>
-                      <a:headEnd type="none" w="med" len="med"/>
-                      <a:tailEnd type="none" w="med" len="med"/>
-                    </a:lnR>
-                    <a:lnT w="12700" cap="flat" cmpd="sng" algn="ctr">
-                      <a:solidFill>
-                        <a:srgbClr val="000000"/>
-                      </a:solidFill>
-                      <a:prstDash val="solid"/>
-                      <a:round/>
-                      <a:headEnd type="none" w="med" len="med"/>
-                      <a:tailEnd type="none" w="med" len="med"/>
-                    </a:lnT>
-                    <a:lnB w="12700" cap="flat" cmpd="sng" algn="ctr">
-                      <a:solidFill>
-                        <a:srgbClr val="000000"/>
-                      </a:solidFill>
-                      <a:prstDash val="solid"/>
-                      <a:round/>
-                      <a:headEnd type="none" w="med" len="med"/>
-                      <a:tailEnd type="none" w="med" len="med"/>
-                    </a:lnB>
-                  </a:tcPr>
-                </a:tc>
-                <a:extLst>
-                  <a:ext uri="{0D108BD9-81ED-4DB2-BD59-A6C34878D82A}">
-                    <a16:rowId xmlns:a16="http://schemas.microsoft.com/office/drawing/2014/main" val="10001"/>
-                  </a:ext>
-                </a:extLst>
-              </a:tr>
-            </a:tbl>
-          </a:graphicData>
-        </a:graphic>
-      </p:graphicFrame>
-      <p:sp>
-        <p:nvSpPr>
-          <p:cNvPr id="6" name="Content Placeholder 6"/>
-          <p:cNvSpPr>
-            <a:spLocks noGrp="1"/>
-          </p:cNvSpPr>
-          <p:nvPr>
-            <p:ph idx="1"/>
-          </p:nvPr>
-        </p:nvSpPr>
-        <p:spPr>
-          <a:xfrm>
-            <a:off x="0" y="1006070"/>
-            <a:ext cx="9144000" cy="438150"/>
-          </a:xfrm>
-        </p:spPr>
-        <p:txBody>
-          <a:bodyPr>
-            <a:normAutofit/>
-          </a:bodyPr>
-          <a:lstStyle/>
-          <a:p>
-            <a:pPr marL="457200" indent="0">
-              <a:spcBef>
-                <a:spcPts val="600"/>
-              </a:spcBef>
-              <a:buNone/>
-            </a:pPr>
-            <a:r>
-              <a:rPr lang="zh-CN" altLang="en-US" sz="1800" b="1" dirty="0">
-                <a:latin typeface="Times New Roman" panose="02020603050405020304" pitchFamily="18" charset="0"/>
-                <a:cs typeface="Times New Roman" panose="02020603050405020304" pitchFamily="18" charset="0"/>
-              </a:rPr>
-              <a:t>例</a:t>
-            </a:r>
-            <a:r>
-              <a:rPr lang="zh-CN" altLang="en-US" sz="1800" dirty="0">
-                <a:latin typeface="Times New Roman" panose="02020603050405020304" pitchFamily="18" charset="0"/>
-                <a:cs typeface="Times New Roman" panose="02020603050405020304" pitchFamily="18" charset="0"/>
-              </a:rPr>
-              <a:t>：假设 </a:t>
-            </a:r>
-            <a:r>
-              <a:rPr lang="en-US" altLang="zh-CN" sz="1800" dirty="0">
-                <a:latin typeface="Times New Roman" panose="02020603050405020304" pitchFamily="18" charset="0"/>
-                <a:cs typeface="Times New Roman" panose="02020603050405020304" pitchFamily="18" charset="0"/>
-              </a:rPr>
-              <a:t>CPI </a:t>
-            </a:r>
-            <a:r>
-              <a:rPr lang="zh-CN" altLang="en-US" sz="1800" dirty="0">
-                <a:latin typeface="Times New Roman" panose="02020603050405020304" pitchFamily="18" charset="0"/>
-                <a:cs typeface="Times New Roman" panose="02020603050405020304" pitchFamily="18" charset="0"/>
-              </a:rPr>
-              <a:t>“篮子”里有</a:t>
-            </a:r>
-            <a:r>
-              <a:rPr lang="en-US" altLang="zh-CN" sz="1800" dirty="0">
-                <a:latin typeface="Times New Roman" panose="02020603050405020304" pitchFamily="18" charset="0"/>
-                <a:cs typeface="Times New Roman" panose="02020603050405020304" pitchFamily="18" charset="0"/>
-              </a:rPr>
-              <a:t>10</a:t>
-            </a:r>
-            <a:r>
-              <a:rPr lang="zh-CN" altLang="en-US" sz="1800" dirty="0">
-                <a:latin typeface="Times New Roman" panose="02020603050405020304" pitchFamily="18" charset="0"/>
-                <a:cs typeface="Times New Roman" panose="02020603050405020304" pitchFamily="18" charset="0"/>
-              </a:rPr>
-              <a:t>个橙子，</a:t>
-            </a:r>
-            <a:r>
-              <a:rPr lang="en-US" altLang="zh-CN" sz="1800" dirty="0">
-                <a:latin typeface="Times New Roman" panose="02020603050405020304" pitchFamily="18" charset="0"/>
-                <a:cs typeface="Times New Roman" panose="02020603050405020304" pitchFamily="18" charset="0"/>
-              </a:rPr>
-              <a:t>5</a:t>
-            </a:r>
-            <a:r>
-              <a:rPr lang="zh-CN" altLang="en-US" sz="1800" dirty="0">
-                <a:latin typeface="Times New Roman" panose="02020603050405020304" pitchFamily="18" charset="0"/>
-                <a:cs typeface="Times New Roman" panose="02020603050405020304" pitchFamily="18" charset="0"/>
-              </a:rPr>
-              <a:t>个西柚，</a:t>
-            </a:r>
-            <a:r>
-              <a:rPr lang="en-US" altLang="zh-CN" sz="1800" dirty="0">
-                <a:latin typeface="Times New Roman" panose="02020603050405020304" pitchFamily="18" charset="0"/>
-                <a:cs typeface="Times New Roman" panose="02020603050405020304" pitchFamily="18" charset="0"/>
-              </a:rPr>
-              <a:t>2</a:t>
-            </a:r>
-            <a:r>
-              <a:rPr lang="zh-CN" altLang="en-US" sz="1800" dirty="0">
-                <a:latin typeface="Times New Roman" panose="02020603050405020304" pitchFamily="18" charset="0"/>
-                <a:cs typeface="Times New Roman" panose="02020603050405020304" pitchFamily="18" charset="0"/>
-              </a:rPr>
-              <a:t>个柠檬</a:t>
-            </a:r>
-            <a:endParaRPr lang="en-US" sz="1800" b="1" dirty="0">
-              <a:latin typeface="Times New Roman" panose="02020603050405020304" pitchFamily="18" charset="0"/>
-              <a:cs typeface="Times New Roman" panose="02020603050405020304" pitchFamily="18" charset="0"/>
-            </a:endParaRPr>
-          </a:p>
-        </p:txBody>
-      </p:sp>
-      <mc:AlternateContent xmlns:mc="http://schemas.openxmlformats.org/markup-compatibility/2006" xmlns:a14="http://schemas.microsoft.com/office/drawing/2010/main">
-        <mc:Choice Requires="a14">
-          <p:sp>
-            <p:nvSpPr>
-              <p:cNvPr id="7" name="TextBox 6"/>
-              <p:cNvSpPr txBox="1"/>
-              <p:nvPr/>
-            </p:nvSpPr>
-            <p:spPr>
-              <a:xfrm>
-                <a:off x="0" y="3262082"/>
-                <a:ext cx="9144000" cy="1671868"/>
-              </a:xfrm>
-              <a:prstGeom prst="rect">
-                <a:avLst/>
-              </a:prstGeom>
-              <a:noFill/>
-            </p:spPr>
-            <p:txBody>
-              <a:bodyPr wrap="square" rtlCol="0">
-                <a:spAutoFit/>
-              </a:bodyPr>
-              <a:lstStyle/>
-              <a:p>
-                <a:pPr marL="342900" indent="-342900">
-                  <a:spcBef>
-                    <a:spcPts val="600"/>
-                  </a:spcBef>
-                  <a:buFont typeface="Arial" panose="020B0604020202020204" pitchFamily="34" charset="0"/>
-                  <a:buChar char="•"/>
-                </a:pPr>
-                <a:r>
-                  <a:rPr lang="zh-CN" altLang="en-US" dirty="0">
-                    <a:latin typeface="Times New Roman" panose="02020603050405020304" pitchFamily="18" charset="0"/>
-                    <a:cs typeface="Times New Roman" panose="02020603050405020304" pitchFamily="18" charset="0"/>
-                  </a:rPr>
-                  <a:t>第</a:t>
-                </a:r>
-                <a:r>
-                  <a:rPr lang="en-US" altLang="zh-CN" dirty="0">
-                    <a:latin typeface="Times New Roman" panose="02020603050405020304" pitchFamily="18" charset="0"/>
-                    <a:cs typeface="Times New Roman" panose="02020603050405020304" pitchFamily="18" charset="0"/>
-                  </a:rPr>
-                  <a:t>1</a:t>
-                </a:r>
-                <a:r>
-                  <a:rPr lang="zh-CN" altLang="en-US" dirty="0">
-                    <a:latin typeface="Times New Roman" panose="02020603050405020304" pitchFamily="18" charset="0"/>
-                    <a:cs typeface="Times New Roman" panose="02020603050405020304" pitchFamily="18" charset="0"/>
-                  </a:rPr>
-                  <a:t>年的 </a:t>
-                </a:r>
-                <a:r>
-                  <a:rPr lang="en-US" altLang="zh-CN" dirty="0">
-                    <a:latin typeface="Times New Roman" panose="02020603050405020304" pitchFamily="18" charset="0"/>
-                    <a:cs typeface="Times New Roman" panose="02020603050405020304" pitchFamily="18" charset="0"/>
-                  </a:rPr>
-                  <a:t>CPI </a:t>
-                </a:r>
-                <a:r>
-                  <a:rPr lang="zh-CN" altLang="en-US" dirty="0">
-                    <a:latin typeface="Times New Roman" panose="02020603050405020304" pitchFamily="18" charset="0"/>
-                    <a:cs typeface="Times New Roman" panose="02020603050405020304" pitchFamily="18" charset="0"/>
-                  </a:rPr>
-                  <a:t>是</a:t>
-                </a:r>
-                <a:r>
-                  <a:rPr lang="en-US" dirty="0">
-                    <a:latin typeface="Times New Roman" panose="02020603050405020304" pitchFamily="18" charset="0"/>
-                    <a:cs typeface="Times New Roman" panose="02020603050405020304" pitchFamily="18" charset="0"/>
-                  </a:rPr>
-                  <a:t> </a:t>
-                </a:r>
-              </a:p>
-              <a:p>
-                <a:pPr algn="ctr">
-                  <a:spcBef>
-                    <a:spcPts val="600"/>
-                  </a:spcBef>
-                </a:pPr>
-                <a:r>
-                  <a:rPr lang="en-US" dirty="0">
-                    <a:latin typeface="Times New Roman" panose="02020603050405020304" pitchFamily="18" charset="0"/>
-                    <a:cs typeface="Times New Roman" panose="02020603050405020304" pitchFamily="18" charset="0"/>
-                  </a:rPr>
-                  <a:t>100 (</a:t>
-                </a:r>
-                <a:r>
-                  <a:rPr lang="zh-CN" altLang="en-US" dirty="0">
-                    <a:latin typeface="Times New Roman" panose="02020603050405020304" pitchFamily="18" charset="0"/>
-                    <a:cs typeface="Times New Roman" panose="02020603050405020304" pitchFamily="18" charset="0"/>
-                  </a:rPr>
-                  <a:t>因为第</a:t>
-                </a:r>
-                <a:r>
-                  <a:rPr lang="en-US" altLang="zh-CN" dirty="0">
-                    <a:latin typeface="Times New Roman" panose="02020603050405020304" pitchFamily="18" charset="0"/>
-                    <a:cs typeface="Times New Roman" panose="02020603050405020304" pitchFamily="18" charset="0"/>
-                  </a:rPr>
-                  <a:t>1</a:t>
-                </a:r>
-                <a:r>
-                  <a:rPr lang="zh-CN" altLang="en-US" dirty="0">
-                    <a:latin typeface="Times New Roman" panose="02020603050405020304" pitchFamily="18" charset="0"/>
-                    <a:cs typeface="Times New Roman" panose="02020603050405020304" pitchFamily="18" charset="0"/>
-                  </a:rPr>
-                  <a:t>年是基期，</a:t>
-                </a:r>
-                <a14:m>
-                  <m:oMath xmlns:m="http://schemas.openxmlformats.org/officeDocument/2006/math">
-                    <m:f>
-                      <m:fPr>
-                        <m:ctrlPr>
-                          <a:rPr lang="en-US" b="0" i="1" smtClean="0">
-                            <a:latin typeface="Cambria Math" panose="02040503050406030204" pitchFamily="18" charset="0"/>
-                            <a:ea typeface="Cambria Math"/>
-                            <a:cs typeface="Times New Roman" panose="02020603050405020304" pitchFamily="18" charset="0"/>
-                          </a:rPr>
-                        </m:ctrlPr>
-                      </m:fPr>
-                      <m:num>
-                        <m:r>
-                          <a:rPr lang="en-US" b="0" i="0" smtClean="0">
-                            <a:latin typeface="Cambria Math"/>
-                            <a:ea typeface="Cambria Math"/>
-                            <a:cs typeface="Times New Roman" panose="02020603050405020304" pitchFamily="18" charset="0"/>
-                          </a:rPr>
-                          <m:t>50</m:t>
-                        </m:r>
-                      </m:num>
-                      <m:den>
-                        <m:r>
-                          <a:rPr lang="en-US" b="0" i="0" smtClean="0">
-                            <a:latin typeface="Cambria Math"/>
-                            <a:ea typeface="Cambria Math"/>
-                            <a:cs typeface="Times New Roman" panose="02020603050405020304" pitchFamily="18" charset="0"/>
-                          </a:rPr>
-                          <m:t>50</m:t>
-                        </m:r>
-                      </m:den>
-                    </m:f>
-                    <m:r>
-                      <a:rPr lang="en-US" i="1">
-                        <a:latin typeface="Cambria Math"/>
-                        <a:ea typeface="Cambria Math"/>
-                        <a:cs typeface="Times New Roman" panose="02020603050405020304" pitchFamily="18" charset="0"/>
-                      </a:rPr>
-                      <m:t>×</m:t>
-                    </m:r>
-                  </m:oMath>
-                </a14:m>
-                <a:r>
-                  <a:rPr lang="en-US" dirty="0">
-                    <a:latin typeface="Times New Roman" panose="02020603050405020304" pitchFamily="18" charset="0"/>
-                    <a:cs typeface="Times New Roman" panose="02020603050405020304" pitchFamily="18" charset="0"/>
-                  </a:rPr>
-                  <a:t>100=100).</a:t>
-                </a:r>
-              </a:p>
-              <a:p>
-                <a:pPr marL="342900" indent="-342900">
-                  <a:spcBef>
-                    <a:spcPts val="600"/>
-                  </a:spcBef>
-                  <a:buFont typeface="Arial" panose="020B0604020202020204" pitchFamily="34" charset="0"/>
-                  <a:buChar char="•"/>
-                </a:pPr>
-                <a:r>
-                  <a:rPr lang="zh-CN" altLang="en-US" dirty="0">
-                    <a:latin typeface="Times New Roman" panose="02020603050405020304" pitchFamily="18" charset="0"/>
-                    <a:cs typeface="Times New Roman" panose="02020603050405020304" pitchFamily="18" charset="0"/>
-                  </a:rPr>
-                  <a:t>第</a:t>
-                </a:r>
-                <a:r>
-                  <a:rPr lang="en-US" altLang="zh-CN" dirty="0">
-                    <a:latin typeface="Times New Roman" panose="02020603050405020304" pitchFamily="18" charset="0"/>
-                    <a:cs typeface="Times New Roman" panose="02020603050405020304" pitchFamily="18" charset="0"/>
-                  </a:rPr>
-                  <a:t>2</a:t>
-                </a:r>
-                <a:r>
-                  <a:rPr lang="zh-CN" altLang="en-US" dirty="0">
-                    <a:latin typeface="Times New Roman" panose="02020603050405020304" pitchFamily="18" charset="0"/>
-                    <a:cs typeface="Times New Roman" panose="02020603050405020304" pitchFamily="18" charset="0"/>
-                  </a:rPr>
-                  <a:t>年的 </a:t>
-                </a:r>
-                <a:r>
-                  <a:rPr lang="en-US" altLang="zh-CN" dirty="0">
-                    <a:latin typeface="Times New Roman" panose="02020603050405020304" pitchFamily="18" charset="0"/>
-                    <a:cs typeface="Times New Roman" panose="02020603050405020304" pitchFamily="18" charset="0"/>
-                  </a:rPr>
-                  <a:t>CPI </a:t>
-                </a:r>
-                <a:r>
-                  <a:rPr lang="zh-CN" altLang="en-US" dirty="0">
-                    <a:latin typeface="Times New Roman" panose="02020603050405020304" pitchFamily="18" charset="0"/>
-                    <a:cs typeface="Times New Roman" panose="02020603050405020304" pitchFamily="18" charset="0"/>
-                  </a:rPr>
-                  <a:t>是</a:t>
-                </a:r>
-                <a:endParaRPr lang="en-US" altLang="zh-CN" dirty="0">
-                  <a:latin typeface="Times New Roman" panose="02020603050405020304" pitchFamily="18" charset="0"/>
-                  <a:cs typeface="Times New Roman" panose="02020603050405020304" pitchFamily="18" charset="0"/>
-                </a:endParaRPr>
-              </a:p>
-              <a:p>
-                <a:pPr algn="ctr">
-                  <a:spcBef>
-                    <a:spcPts val="600"/>
-                  </a:spcBef>
-                </a:pPr>
-                <a:r>
-                  <a:rPr lang="en-US" dirty="0">
-                    <a:latin typeface="Times New Roman" panose="02020603050405020304" pitchFamily="18" charset="0"/>
-                    <a:cs typeface="Times New Roman" panose="02020603050405020304" pitchFamily="18" charset="0"/>
-                  </a:rPr>
-                  <a:t> </a:t>
-                </a:r>
-                <a14:m>
-                  <m:oMath xmlns:m="http://schemas.openxmlformats.org/officeDocument/2006/math">
-                    <m:f>
-                      <m:fPr>
-                        <m:ctrlPr>
-                          <a:rPr lang="en-US" i="1">
-                            <a:latin typeface="Cambria Math" panose="02040503050406030204" pitchFamily="18" charset="0"/>
-                          </a:rPr>
-                        </m:ctrlPr>
-                      </m:fPr>
-                      <m:num>
-                        <m:r>
-                          <a:rPr lang="en-US">
-                            <a:latin typeface="Cambria Math"/>
-                          </a:rPr>
-                          <m:t>54</m:t>
-                        </m:r>
-                      </m:num>
-                      <m:den>
-                        <m:r>
-                          <a:rPr lang="en-US">
-                            <a:latin typeface="Cambria Math"/>
-                          </a:rPr>
-                          <m:t>50</m:t>
-                        </m:r>
-                      </m:den>
-                    </m:f>
-                    <m:r>
-                      <a:rPr lang="en-US" i="1">
-                        <a:latin typeface="Cambria Math"/>
-                      </a:rPr>
-                      <m:t>×</m:t>
-                    </m:r>
-                  </m:oMath>
-                </a14:m>
-                <a:r>
-                  <a:rPr lang="en-US" dirty="0">
-                    <a:latin typeface="Times New Roman" panose="02020603050405020304" pitchFamily="18" charset="0"/>
-                    <a:cs typeface="Times New Roman" panose="02020603050405020304" pitchFamily="18" charset="0"/>
-                  </a:rPr>
-                  <a:t>100=108.</a:t>
-                </a:r>
-              </a:p>
-            </p:txBody>
-          </p:sp>
-        </mc:Choice>
-        <mc:Fallback xmlns="">
-          <p:sp>
-            <p:nvSpPr>
-              <p:cNvPr id="7" name="TextBox 6"/>
-              <p:cNvSpPr txBox="1">
-                <a:spLocks noRot="1" noChangeAspect="1" noMove="1" noResize="1" noEditPoints="1" noAdjustHandles="1" noChangeArrowheads="1" noChangeShapeType="1" noTextEdit="1"/>
-              </p:cNvSpPr>
-              <p:nvPr/>
-            </p:nvSpPr>
-            <p:spPr>
-              <a:xfrm>
-                <a:off x="0" y="3262082"/>
-                <a:ext cx="9144000" cy="1671868"/>
-              </a:xfrm>
-              <a:prstGeom prst="rect">
-                <a:avLst/>
-              </a:prstGeom>
-              <a:blipFill>
-                <a:blip r:embed="rId2"/>
-                <a:stretch>
-                  <a:fillRect l="-400" t="-2555" b="-1095"/>
-                </a:stretch>
-              </a:blipFill>
-            </p:spPr>
-            <p:txBody>
-              <a:bodyPr/>
-              <a:lstStyle/>
-              <a:p>
-                <a:r>
-                  <a:rPr lang="en-US">
-                    <a:noFill/>
-                  </a:rPr>
-                  <a:t> </a:t>
-                </a:r>
-              </a:p>
-            </p:txBody>
-          </p:sp>
-        </mc:Fallback>
-      </mc:AlternateContent>
-      <p:sp>
-        <p:nvSpPr>
-          <p:cNvPr id="9" name="Title 1">
-            <a:extLst>
-              <a:ext uri="{FF2B5EF4-FFF2-40B4-BE49-F238E27FC236}">
-                <a16:creationId xmlns:a16="http://schemas.microsoft.com/office/drawing/2014/main" id="{FFF5089A-3B38-4C8C-B0A9-F8F13F3BD669}"/>
-              </a:ext>
-            </a:extLst>
-          </p:cNvPr>
-          <p:cNvSpPr>
-            <a:spLocks noGrp="1"/>
-          </p:cNvSpPr>
-          <p:nvPr>
-            <p:ph type="title"/>
-          </p:nvPr>
-        </p:nvSpPr>
-        <p:spPr>
-          <a:xfrm>
-            <a:off x="457200" y="205978"/>
-            <a:ext cx="8229600" cy="857250"/>
-          </a:xfrm>
-        </p:spPr>
-        <p:txBody>
-          <a:bodyPr vert="horz" lIns="91440" tIns="45720" rIns="91440" bIns="45720" rtlCol="0" anchor="ctr">
-            <a:normAutofit/>
-          </a:bodyPr>
-          <a:lstStyle/>
-          <a:p>
-            <a:r>
-              <a:rPr lang="zh-CN" altLang="en-US" dirty="0"/>
-              <a:t>消费价格指数</a:t>
-            </a:r>
-            <a:r>
-              <a:rPr lang="en-US" altLang="zh-CN" dirty="0"/>
-              <a:t>(CPI)</a:t>
-            </a:r>
-            <a:endParaRPr lang="en-US" dirty="0"/>
-          </a:p>
-        </p:txBody>
-      </p:sp>
-    </p:spTree>
-    <p:extLst>
-      <p:ext uri="{BB962C8B-B14F-4D97-AF65-F5344CB8AC3E}">
-        <p14:creationId xmlns:p14="http://schemas.microsoft.com/office/powerpoint/2010/main" val="2000798189"/>
-      </p:ext>
-    </p:extLst>
-  </p:cSld>
-  <p:clrMapOvr>
-    <a:masterClrMapping/>
-  </p:clrMapOvr>
-  <p:timing>
-    <p:tnLst>
-      <p:par>
-        <p:cTn id="1" dur="indefinite" restart="never" nodeType="tmRoot">
-          <p:childTnLst>
-            <p:seq concurrent="1" nextAc="seek">
-              <p:cTn id="2" dur="indefinite" nodeType="mainSeq">
-                <p:childTnLst>
-                  <p:par>
-                    <p:cTn id="3" fill="hold">
-                      <p:stCondLst>
-                        <p:cond delay="indefinite"/>
-                      </p:stCondLst>
-                      <p:childTnLst>
-                        <p:par>
-                          <p:cTn id="4" fill="hold">
-                            <p:stCondLst>
-                              <p:cond delay="0"/>
-                            </p:stCondLst>
-                            <p:childTnLst>
-                              <p:par>
-                                <p:cTn id="5" presetID="1" presetClass="entr" presetSubtype="0" fill="hold" nodeType="clickEffect">
-                                  <p:stCondLst>
-                                    <p:cond delay="0"/>
-                                  </p:stCondLst>
-                                  <p:childTnLst>
-                                    <p:set>
-                                      <p:cBhvr>
-                                        <p:cTn id="6" dur="1" fill="hold">
-                                          <p:stCondLst>
-                                            <p:cond delay="0"/>
-                                          </p:stCondLst>
-                                        </p:cTn>
-                                        <p:tgtEl>
-                                          <p:spTgt spid="7">
-                                            <p:txEl>
-                                              <p:pRg st="1" end="1"/>
-                                            </p:txEl>
-                                          </p:spTgt>
-                                        </p:tgtEl>
-                                        <p:attrNameLst>
-                                          <p:attrName>style.visibility</p:attrName>
-                                        </p:attrNameLst>
-                                      </p:cBhvr>
-                                      <p:to>
-                                        <p:strVal val="visible"/>
-                                      </p:to>
-                                    </p:set>
-                                  </p:childTnLst>
-                                </p:cTn>
-                              </p:par>
-                            </p:childTnLst>
-                          </p:cTn>
-                        </p:par>
-                      </p:childTnLst>
-                    </p:cTn>
-                  </p:par>
-                  <p:par>
-                    <p:cTn id="7" fill="hold">
-                      <p:stCondLst>
-                        <p:cond delay="indefinite"/>
-                      </p:stCondLst>
-                      <p:childTnLst>
-                        <p:par>
-                          <p:cTn id="8" fill="hold">
-                            <p:stCondLst>
-                              <p:cond delay="0"/>
-                            </p:stCondLst>
-                            <p:childTnLst>
-                              <p:par>
-                                <p:cTn id="9" presetID="1" presetClass="entr" presetSubtype="0" fill="hold" nodeType="clickEffect">
-                                  <p:stCondLst>
-                                    <p:cond delay="0"/>
-                                  </p:stCondLst>
-                                  <p:childTnLst>
-                                    <p:set>
-                                      <p:cBhvr>
-                                        <p:cTn id="10" dur="1" fill="hold">
-                                          <p:stCondLst>
-                                            <p:cond delay="0"/>
-                                          </p:stCondLst>
-                                        </p:cTn>
-                                        <p:tgtEl>
-                                          <p:spTgt spid="7">
-                                            <p:txEl>
-                                              <p:pRg st="3" end="3"/>
-                                            </p:txEl>
-                                          </p:spTgt>
-                                        </p:tgtEl>
-                                        <p:attrNameLst>
-                                          <p:attrName>style.visibility</p:attrName>
-                                        </p:attrNameLst>
-                                      </p:cBhvr>
-                                      <p:to>
-                                        <p:strVal val="visible"/>
-                                      </p:to>
-                                    </p:set>
-                                  </p:childTnLst>
-                                </p:cTn>
-                              </p:par>
-                            </p:childTnLst>
-                          </p:cTn>
-                        </p:par>
-                      </p:childTnLst>
-                    </p:cTn>
-                  </p:par>
-                </p:childTnLst>
-              </p:cTn>
-              <p:prevCondLst>
-                <p:cond evt="onPrev" delay="0">
-                  <p:tgtEl>
-                    <p:sldTgt/>
-                  </p:tgtEl>
-                </p:cond>
-              </p:prevCondLst>
-              <p:nextCondLst>
-                <p:cond evt="onNext" delay="0">
-                  <p:tgtEl>
-                    <p:sldTgt/>
-                  </p:tgtEl>
-                </p:cond>
-              </p:nextCondLst>
-            </p:seq>
-          </p:childTnLst>
-        </p:cTn>
-      </p:par>
-    </p:tnLst>
-  </p:timing>
-</p:sld>
-</file>
-
-<file path=ppt/slides/slide14.xml><?xml version="1.0" encoding="utf-8"?>
-<p:sld xmlns:a="http://schemas.openxmlformats.org/drawingml/2006/main" xmlns:r="http://schemas.openxmlformats.org/officeDocument/2006/relationships" xmlns:p="http://schemas.openxmlformats.org/presentationml/2006/main">
-  <p:cSld>
-    <p:spTree>
-      <p:nvGrpSpPr>
-        <p:cNvPr id="1" name=""/>
-        <p:cNvGrpSpPr/>
-        <p:nvPr/>
-      </p:nvGrpSpPr>
-      <p:grpSpPr>
-        <a:xfrm>
-          <a:off x="0" y="0"/>
-          <a:ext cx="0" cy="0"/>
-          <a:chOff x="0" y="0"/>
-          <a:chExt cx="0" cy="0"/>
-        </a:xfrm>
-      </p:grpSpPr>
-      <p:sp>
-        <p:nvSpPr>
-          <p:cNvPr id="4" name="Slide Number Placeholder 3"/>
-          <p:cNvSpPr>
-            <a:spLocks noGrp="1"/>
-          </p:cNvSpPr>
-          <p:nvPr>
-            <p:ph type="sldNum" sz="quarter" idx="12"/>
-          </p:nvPr>
-        </p:nvSpPr>
-        <p:spPr/>
-        <p:txBody>
-          <a:bodyPr/>
-          <a:lstStyle/>
-          <a:p>
-            <a:fld id="{B6F15528-21DE-4FAA-801E-634DDDAF4B2B}" type="slidenum">
-              <a:rPr lang="en-US" smtClean="0">
-                <a:latin typeface="Times New Roman" panose="02020603050405020304" pitchFamily="18" charset="0"/>
-                <a:cs typeface="Times New Roman" panose="02020603050405020304" pitchFamily="18" charset="0"/>
-              </a:rPr>
-              <a:pPr/>
-              <a:t>14</a:t>
-            </a:fld>
-            <a:endParaRPr lang="en-US">
-              <a:latin typeface="Times New Roman" panose="02020603050405020304" pitchFamily="18" charset="0"/>
-              <a:cs typeface="Times New Roman" panose="02020603050405020304" pitchFamily="18" charset="0"/>
-            </a:endParaRPr>
-          </a:p>
-        </p:txBody>
-      </p:sp>
-      <p:graphicFrame>
-        <p:nvGraphicFramePr>
-          <p:cNvPr id="5" name="Table 4"/>
-          <p:cNvGraphicFramePr>
-            <a:graphicFrameLocks noGrp="1"/>
-          </p:cNvGraphicFramePr>
-          <p:nvPr/>
-        </p:nvGraphicFramePr>
-        <p:xfrm>
-          <a:off x="838200" y="514350"/>
-          <a:ext cx="7391400" cy="2225040"/>
-        </p:xfrm>
-        <a:graphic>
-          <a:graphicData uri="http://schemas.openxmlformats.org/drawingml/2006/table">
-            <a:tbl>
-              <a:tblPr firstRow="1" bandRow="1">
-                <a:tableStyleId>{2D5ABB26-0587-4C30-8999-92F81FD0307C}</a:tableStyleId>
-              </a:tblPr>
-              <a:tblGrid>
-                <a:gridCol w="1478280">
-                  <a:extLst>
-                    <a:ext uri="{9D8B030D-6E8A-4147-A177-3AD203B41FA5}">
-                      <a16:colId xmlns:a16="http://schemas.microsoft.com/office/drawing/2014/main" val="20000"/>
-                    </a:ext>
-                  </a:extLst>
-                </a:gridCol>
-                <a:gridCol w="1478280">
-                  <a:extLst>
-                    <a:ext uri="{9D8B030D-6E8A-4147-A177-3AD203B41FA5}">
-                      <a16:colId xmlns:a16="http://schemas.microsoft.com/office/drawing/2014/main" val="20001"/>
-                    </a:ext>
-                  </a:extLst>
-                </a:gridCol>
-                <a:gridCol w="1478280">
-                  <a:extLst>
-                    <a:ext uri="{9D8B030D-6E8A-4147-A177-3AD203B41FA5}">
-                      <a16:colId xmlns:a16="http://schemas.microsoft.com/office/drawing/2014/main" val="20002"/>
-                    </a:ext>
-                  </a:extLst>
-                </a:gridCol>
-                <a:gridCol w="1478280">
-                  <a:extLst>
-                    <a:ext uri="{9D8B030D-6E8A-4147-A177-3AD203B41FA5}">
-                      <a16:colId xmlns:a16="http://schemas.microsoft.com/office/drawing/2014/main" val="20003"/>
-                    </a:ext>
-                  </a:extLst>
-                </a:gridCol>
-                <a:gridCol w="1478280">
-                  <a:extLst>
-                    <a:ext uri="{9D8B030D-6E8A-4147-A177-3AD203B41FA5}">
-                      <a16:colId xmlns:a16="http://schemas.microsoft.com/office/drawing/2014/main" val="20004"/>
-                    </a:ext>
-                  </a:extLst>
-                </a:gridCol>
-              </a:tblGrid>
-              <a:tr h="370840">
-                <a:tc gridSpan="5">
-                  <a:txBody>
-                    <a:bodyPr/>
-                    <a:lstStyle/>
-                    <a:p>
-                      <a:pPr algn="ctr"/>
-                      <a:r>
-                        <a:rPr lang="en-US" altLang="zh-CN" dirty="0">
-                          <a:latin typeface="Times New Roman" panose="02020603050405020304" pitchFamily="18" charset="0"/>
-                          <a:cs typeface="Times New Roman" panose="02020603050405020304" pitchFamily="18" charset="0"/>
-                        </a:rPr>
-                        <a:t>GDP</a:t>
-                      </a:r>
-                      <a:r>
-                        <a:rPr lang="zh-CN" altLang="en-US" dirty="0">
-                          <a:latin typeface="Times New Roman" panose="02020603050405020304" pitchFamily="18" charset="0"/>
-                          <a:cs typeface="Times New Roman" panose="02020603050405020304" pitchFamily="18" charset="0"/>
-                        </a:rPr>
-                        <a:t>平减指数</a:t>
-                      </a:r>
-                      <a:r>
-                        <a:rPr lang="en-US" altLang="zh-CN" dirty="0">
-                          <a:latin typeface="Times New Roman" panose="02020603050405020304" pitchFamily="18" charset="0"/>
-                          <a:cs typeface="Times New Roman" panose="02020603050405020304" pitchFamily="18" charset="0"/>
-                        </a:rPr>
-                        <a:t>—</a:t>
-                      </a:r>
-                      <a:r>
-                        <a:rPr lang="zh-CN" altLang="en-US" dirty="0">
-                          <a:latin typeface="Times New Roman" panose="02020603050405020304" pitchFamily="18" charset="0"/>
-                          <a:cs typeface="Times New Roman" panose="02020603050405020304" pitchFamily="18" charset="0"/>
-                        </a:rPr>
-                        <a:t>例题：某经济社会生产的产品</a:t>
-                      </a:r>
-                      <a:endParaRPr lang="en-US" dirty="0">
-                        <a:latin typeface="Times New Roman" panose="02020603050405020304" pitchFamily="18" charset="0"/>
-                        <a:cs typeface="Times New Roman" panose="02020603050405020304" pitchFamily="18" charset="0"/>
-                      </a:endParaRPr>
-                    </a:p>
-                  </a:txBody>
-                  <a:tcPr anchor="ctr">
-                    <a:lnT w="19050" cap="flat" cmpd="sng" algn="ctr">
-                      <a:noFill/>
-                      <a:prstDash val="solid"/>
-                      <a:round/>
-                      <a:headEnd type="none" w="med" len="med"/>
-                      <a:tailEnd type="none" w="med" len="med"/>
-                    </a:lnT>
-                    <a:lnB w="19050" cap="flat" cmpd="sng" algn="ctr">
-                      <a:solidFill>
-                        <a:schemeClr val="tx1"/>
-                      </a:solidFill>
-                      <a:prstDash val="solid"/>
-                      <a:round/>
-                      <a:headEnd type="none" w="med" len="med"/>
-                      <a:tailEnd type="none" w="med" len="med"/>
-                    </a:lnB>
-                  </a:tcPr>
-                </a:tc>
-                <a:tc hMerge="1">
-                  <a:txBody>
-                    <a:bodyPr/>
-                    <a:lstStyle/>
-                    <a:p>
-                      <a:pPr algn="ctr"/>
-                      <a:endParaRPr lang="en-US" dirty="0"/>
-                    </a:p>
-                  </a:txBody>
-                  <a:tcPr anchor="ctr">
-                    <a:lnR w="12700" cap="flat" cmpd="sng" algn="ctr">
-                      <a:solidFill>
-                        <a:schemeClr val="tx1"/>
-                      </a:solidFill>
-                      <a:prstDash val="solid"/>
-                      <a:round/>
-                      <a:headEnd type="none" w="med" len="med"/>
-                      <a:tailEnd type="none" w="med" len="med"/>
-                    </a:lnR>
-                    <a:lnT w="19050" cap="flat" cmpd="sng" algn="ctr">
-                      <a:solidFill>
-                        <a:schemeClr val="tx1"/>
-                      </a:solidFill>
-                      <a:prstDash val="solid"/>
-                      <a:round/>
-                      <a:headEnd type="none" w="med" len="med"/>
-                      <a:tailEnd type="none" w="med" len="med"/>
-                    </a:lnT>
-                    <a:lnB w="19050" cap="flat" cmpd="sng" algn="ctr">
-                      <a:solidFill>
-                        <a:schemeClr val="tx1"/>
-                      </a:solidFill>
-                      <a:prstDash val="solid"/>
-                      <a:round/>
-                      <a:headEnd type="none" w="med" len="med"/>
-                      <a:tailEnd type="none" w="med" len="med"/>
-                    </a:lnB>
-                  </a:tcPr>
-                </a:tc>
-                <a:tc hMerge="1">
-                  <a:txBody>
-                    <a:bodyPr/>
-                    <a:lstStyle/>
-                    <a:p>
-                      <a:endParaRPr lang="en-US"/>
-                    </a:p>
-                  </a:txBody>
-                  <a:tcPr/>
-                </a:tc>
-                <a:tc hMerge="1">
-                  <a:txBody>
-                    <a:bodyPr/>
-                    <a:lstStyle/>
-                    <a:p>
-                      <a:pPr algn="ctr"/>
-                      <a:endParaRPr lang="en-US" dirty="0"/>
-                    </a:p>
-                  </a:txBody>
-                  <a:tcPr anchor="ctr">
-                    <a:lnL w="12700" cap="flat" cmpd="sng" algn="ctr">
-                      <a:solidFill>
-                        <a:schemeClr val="tx1"/>
-                      </a:solidFill>
-                      <a:prstDash val="solid"/>
-                      <a:round/>
-                      <a:headEnd type="none" w="med" len="med"/>
-                      <a:tailEnd type="none" w="med" len="med"/>
-                    </a:lnL>
-                    <a:lnT w="19050" cap="flat" cmpd="sng" algn="ctr">
-                      <a:solidFill>
-                        <a:schemeClr val="tx1"/>
-                      </a:solidFill>
-                      <a:prstDash val="solid"/>
-                      <a:round/>
-                      <a:headEnd type="none" w="med" len="med"/>
-                      <a:tailEnd type="none" w="med" len="med"/>
-                    </a:lnT>
-                    <a:lnB w="19050" cap="flat" cmpd="sng" algn="ctr">
-                      <a:solidFill>
-                        <a:schemeClr val="tx1"/>
-                      </a:solidFill>
-                      <a:prstDash val="solid"/>
-                      <a:round/>
-                      <a:headEnd type="none" w="med" len="med"/>
-                      <a:tailEnd type="none" w="med" len="med"/>
-                    </a:lnB>
-                  </a:tcPr>
-                </a:tc>
-                <a:tc hMerge="1">
-                  <a:txBody>
-                    <a:bodyPr/>
-                    <a:lstStyle/>
-                    <a:p>
-                      <a:endParaRPr lang="en-US"/>
-                    </a:p>
-                  </a:txBody>
-                  <a:tcPr/>
-                </a:tc>
-                <a:extLst>
-                  <a:ext uri="{0D108BD9-81ED-4DB2-BD59-A6C34878D82A}">
-                    <a16:rowId xmlns:a16="http://schemas.microsoft.com/office/drawing/2014/main" val="10000"/>
-                  </a:ext>
-                </a:extLst>
-              </a:tr>
-              <a:tr h="370840">
-                <a:tc rowSpan="2">
-                  <a:txBody>
-                    <a:bodyPr/>
-                    <a:lstStyle/>
-                    <a:p>
-                      <a:pPr algn="ctr"/>
-                      <a:endParaRPr lang="en-US" dirty="0">
-                        <a:latin typeface="Times New Roman" panose="02020603050405020304" pitchFamily="18" charset="0"/>
-                        <a:cs typeface="Times New Roman" panose="02020603050405020304" pitchFamily="18" charset="0"/>
-                      </a:endParaRPr>
-                    </a:p>
-                  </a:txBody>
-                  <a:tcPr anchor="ctr">
-                    <a:lnT w="19050" cap="flat" cmpd="sng" algn="ctr">
-                      <a:solidFill>
-                        <a:schemeClr val="tx1"/>
-                      </a:solidFill>
-                      <a:prstDash val="solid"/>
-                      <a:round/>
-                      <a:headEnd type="none" w="med" len="med"/>
-                      <a:tailEnd type="none" w="med" len="med"/>
-                    </a:lnT>
-                    <a:lnB w="12700" cap="flat" cmpd="sng" algn="ctr">
-                      <a:solidFill>
-                        <a:schemeClr val="tx1"/>
-                      </a:solidFill>
-                      <a:prstDash val="solid"/>
-                      <a:round/>
-                      <a:headEnd type="none" w="med" len="med"/>
-                      <a:tailEnd type="none" w="med" len="med"/>
-                    </a:lnB>
-                  </a:tcPr>
-                </a:tc>
-                <a:tc gridSpan="2">
-                  <a:txBody>
-                    <a:bodyPr/>
-                    <a:lstStyle/>
-                    <a:p>
-                      <a:pPr algn="ctr"/>
-                      <a:r>
-                        <a:rPr lang="en-US" altLang="zh-CN" dirty="0">
-                          <a:latin typeface="Times New Roman" panose="02020603050405020304" pitchFamily="18" charset="0"/>
-                          <a:cs typeface="Times New Roman" panose="02020603050405020304" pitchFamily="18" charset="0"/>
-                        </a:rPr>
-                        <a:t>1998</a:t>
-                      </a:r>
-                      <a:r>
-                        <a:rPr lang="zh-CN" altLang="en-US" dirty="0">
-                          <a:latin typeface="Times New Roman" panose="02020603050405020304" pitchFamily="18" charset="0"/>
-                          <a:cs typeface="Times New Roman" panose="02020603050405020304" pitchFamily="18" charset="0"/>
-                        </a:rPr>
-                        <a:t>年</a:t>
-                      </a:r>
-                      <a:endParaRPr lang="en-US" dirty="0">
-                        <a:latin typeface="Times New Roman" panose="02020603050405020304" pitchFamily="18" charset="0"/>
-                        <a:cs typeface="Times New Roman" panose="02020603050405020304" pitchFamily="18" charset="0"/>
-                      </a:endParaRPr>
-                    </a:p>
-                  </a:txBody>
-                  <a:tcPr anchor="ctr">
-                    <a:lnR w="12700" cap="flat" cmpd="sng" algn="ctr">
-                      <a:solidFill>
-                        <a:schemeClr val="tx1"/>
-                      </a:solidFill>
-                      <a:prstDash val="solid"/>
-                      <a:round/>
-                      <a:headEnd type="none" w="med" len="med"/>
-                      <a:tailEnd type="none" w="med" len="med"/>
-                    </a:lnR>
-                    <a:lnT w="19050" cap="flat" cmpd="sng" algn="ctr">
-                      <a:solidFill>
-                        <a:schemeClr val="tx1"/>
-                      </a:solidFill>
-                      <a:prstDash val="solid"/>
-                      <a:round/>
-                      <a:headEnd type="none" w="med" len="med"/>
-                      <a:tailEnd type="none" w="med" len="med"/>
-                    </a:lnT>
-                    <a:lnB w="19050" cap="flat" cmpd="sng" algn="ctr">
-                      <a:solidFill>
-                        <a:schemeClr val="tx1"/>
-                      </a:solidFill>
-                      <a:prstDash val="solid"/>
-                      <a:round/>
-                      <a:headEnd type="none" w="med" len="med"/>
-                      <a:tailEnd type="none" w="med" len="med"/>
-                    </a:lnB>
-                  </a:tcPr>
-                </a:tc>
-                <a:tc hMerge="1">
-                  <a:txBody>
-                    <a:bodyPr/>
-                    <a:lstStyle/>
-                    <a:p>
-                      <a:endParaRPr lang="en-US" dirty="0"/>
-                    </a:p>
-                  </a:txBody>
-                  <a:tcPr/>
-                </a:tc>
-                <a:tc gridSpan="2">
-                  <a:txBody>
-                    <a:bodyPr/>
-                    <a:lstStyle/>
-                    <a:p>
-                      <a:pPr algn="ctr"/>
-                      <a:r>
-                        <a:rPr lang="en-US" altLang="zh-CN" dirty="0">
-                          <a:latin typeface="Times New Roman" panose="02020603050405020304" pitchFamily="18" charset="0"/>
-                          <a:cs typeface="Times New Roman" panose="02020603050405020304" pitchFamily="18" charset="0"/>
-                        </a:rPr>
-                        <a:t>1999</a:t>
-                      </a:r>
-                      <a:r>
-                        <a:rPr lang="zh-CN" altLang="en-US" dirty="0">
-                          <a:latin typeface="Times New Roman" panose="02020603050405020304" pitchFamily="18" charset="0"/>
-                          <a:cs typeface="Times New Roman" panose="02020603050405020304" pitchFamily="18" charset="0"/>
-                        </a:rPr>
-                        <a:t>年</a:t>
-                      </a:r>
-                      <a:endParaRPr lang="en-US" dirty="0">
-                        <a:latin typeface="Times New Roman" panose="02020603050405020304" pitchFamily="18" charset="0"/>
-                        <a:cs typeface="Times New Roman" panose="02020603050405020304" pitchFamily="18" charset="0"/>
-                      </a:endParaRPr>
-                    </a:p>
-                  </a:txBody>
-                  <a:tcPr anchor="ctr">
-                    <a:lnL w="12700" cap="flat" cmpd="sng" algn="ctr">
-                      <a:solidFill>
-                        <a:schemeClr val="tx1"/>
-                      </a:solidFill>
-                      <a:prstDash val="solid"/>
-                      <a:round/>
-                      <a:headEnd type="none" w="med" len="med"/>
-                      <a:tailEnd type="none" w="med" len="med"/>
-                    </a:lnL>
-                    <a:lnT w="19050" cap="flat" cmpd="sng" algn="ctr">
-                      <a:solidFill>
-                        <a:schemeClr val="tx1"/>
-                      </a:solidFill>
-                      <a:prstDash val="solid"/>
-                      <a:round/>
-                      <a:headEnd type="none" w="med" len="med"/>
-                      <a:tailEnd type="none" w="med" len="med"/>
-                    </a:lnT>
-                    <a:lnB w="19050" cap="flat" cmpd="sng" algn="ctr">
-                      <a:solidFill>
-                        <a:schemeClr val="tx1"/>
-                      </a:solidFill>
-                      <a:prstDash val="solid"/>
-                      <a:round/>
-                      <a:headEnd type="none" w="med" len="med"/>
-                      <a:tailEnd type="none" w="med" len="med"/>
-                    </a:lnB>
-                  </a:tcPr>
-                </a:tc>
-                <a:tc hMerge="1">
-                  <a:txBody>
-                    <a:bodyPr/>
-                    <a:lstStyle/>
-                    <a:p>
-                      <a:endParaRPr lang="en-US" dirty="0"/>
-                    </a:p>
-                  </a:txBody>
-                  <a:tcPr/>
-                </a:tc>
-                <a:extLst>
-                  <a:ext uri="{0D108BD9-81ED-4DB2-BD59-A6C34878D82A}">
-                    <a16:rowId xmlns:a16="http://schemas.microsoft.com/office/drawing/2014/main" val="10001"/>
-                  </a:ext>
-                </a:extLst>
-              </a:tr>
-              <a:tr h="370840">
-                <a:tc vMerge="1">
-                  <a:txBody>
-                    <a:bodyPr/>
-                    <a:lstStyle/>
-                    <a:p>
-                      <a:endParaRPr lang="en-US" dirty="0"/>
-                    </a:p>
-                  </a:txBody>
-                  <a:tcPr/>
-                </a:tc>
-                <a:tc>
-                  <a:txBody>
-                    <a:bodyPr/>
-                    <a:lstStyle/>
-                    <a:p>
-                      <a:pPr algn="ctr"/>
-                      <a:r>
-                        <a:rPr lang="zh-CN" altLang="en-US" dirty="0">
-                          <a:latin typeface="Times New Roman" panose="02020603050405020304" pitchFamily="18" charset="0"/>
-                          <a:cs typeface="Times New Roman" panose="02020603050405020304" pitchFamily="18" charset="0"/>
-                        </a:rPr>
-                        <a:t>数量</a:t>
-                      </a:r>
-                      <a:endParaRPr lang="en-US" dirty="0">
-                        <a:latin typeface="Times New Roman" panose="02020603050405020304" pitchFamily="18" charset="0"/>
-                        <a:cs typeface="Times New Roman" panose="02020603050405020304" pitchFamily="18" charset="0"/>
-                      </a:endParaRPr>
-                    </a:p>
-                  </a:txBody>
-                  <a:tcPr anchor="ctr">
-                    <a:lnT w="19050" cap="flat" cmpd="sng" algn="ctr">
-                      <a:solidFill>
-                        <a:schemeClr val="tx1"/>
-                      </a:solidFill>
-                      <a:prstDash val="solid"/>
-                      <a:round/>
-                      <a:headEnd type="none" w="med" len="med"/>
-                      <a:tailEnd type="none" w="med" len="med"/>
-                    </a:lnT>
-                    <a:lnB w="12700" cap="flat" cmpd="sng" algn="ctr">
-                      <a:solidFill>
-                        <a:schemeClr val="tx1"/>
-                      </a:solidFill>
-                      <a:prstDash val="solid"/>
-                      <a:round/>
-                      <a:headEnd type="none" w="med" len="med"/>
-                      <a:tailEnd type="none" w="med" len="med"/>
-                    </a:lnB>
-                  </a:tcPr>
-                </a:tc>
-                <a:tc>
-                  <a:txBody>
-                    <a:bodyPr/>
-                    <a:lstStyle/>
-                    <a:p>
-                      <a:pPr algn="ctr"/>
-                      <a:r>
-                        <a:rPr lang="zh-CN" altLang="en-US" dirty="0">
-                          <a:latin typeface="Times New Roman" panose="02020603050405020304" pitchFamily="18" charset="0"/>
-                          <a:cs typeface="Times New Roman" panose="02020603050405020304" pitchFamily="18" charset="0"/>
-                        </a:rPr>
-                        <a:t>价格</a:t>
-                      </a:r>
-                      <a:endParaRPr lang="en-US" dirty="0">
-                        <a:latin typeface="Times New Roman" panose="02020603050405020304" pitchFamily="18" charset="0"/>
-                        <a:cs typeface="Times New Roman" panose="02020603050405020304" pitchFamily="18" charset="0"/>
-                      </a:endParaRPr>
-                    </a:p>
-                  </a:txBody>
-                  <a:tcPr anchor="ctr">
-                    <a:lnR w="12700" cap="flat" cmpd="sng" algn="ctr">
-                      <a:solidFill>
-                        <a:schemeClr val="tx1"/>
-                      </a:solidFill>
-                      <a:prstDash val="solid"/>
-                      <a:round/>
-                      <a:headEnd type="none" w="med" len="med"/>
-                      <a:tailEnd type="none" w="med" len="med"/>
-                    </a:lnR>
-                    <a:lnT w="19050" cap="flat" cmpd="sng" algn="ctr">
-                      <a:solidFill>
-                        <a:schemeClr val="tx1"/>
-                      </a:solidFill>
-                      <a:prstDash val="solid"/>
-                      <a:round/>
-                      <a:headEnd type="none" w="med" len="med"/>
-                      <a:tailEnd type="none" w="med" len="med"/>
-                    </a:lnT>
-                    <a:lnB w="12700" cap="flat" cmpd="sng" algn="ctr">
-                      <a:solidFill>
-                        <a:schemeClr val="tx1"/>
-                      </a:solidFill>
-                      <a:prstDash val="solid"/>
-                      <a:round/>
-                      <a:headEnd type="none" w="med" len="med"/>
-                      <a:tailEnd type="none" w="med" len="med"/>
-                    </a:lnB>
-                  </a:tcPr>
-                </a:tc>
-                <a:tc>
-                  <a:txBody>
-                    <a:bodyPr/>
-                    <a:lstStyle/>
-                    <a:p>
-                      <a:pPr algn="ctr"/>
-                      <a:r>
-                        <a:rPr lang="zh-CN" altLang="en-US" dirty="0">
-                          <a:latin typeface="Times New Roman" panose="02020603050405020304" pitchFamily="18" charset="0"/>
-                          <a:cs typeface="Times New Roman" panose="02020603050405020304" pitchFamily="18" charset="0"/>
-                        </a:rPr>
-                        <a:t>数量</a:t>
-                      </a:r>
-                      <a:endParaRPr lang="en-US" dirty="0">
-                        <a:latin typeface="Times New Roman" panose="02020603050405020304" pitchFamily="18" charset="0"/>
-                        <a:cs typeface="Times New Roman" panose="02020603050405020304" pitchFamily="18" charset="0"/>
-                      </a:endParaRPr>
-                    </a:p>
-                  </a:txBody>
-                  <a:tcPr anchor="ctr">
-                    <a:lnL w="12700" cap="flat" cmpd="sng" algn="ctr">
-                      <a:solidFill>
-                        <a:schemeClr val="tx1"/>
-                      </a:solidFill>
-                      <a:prstDash val="solid"/>
-                      <a:round/>
-                      <a:headEnd type="none" w="med" len="med"/>
-                      <a:tailEnd type="none" w="med" len="med"/>
-                    </a:lnL>
-                    <a:lnT w="19050" cap="flat" cmpd="sng" algn="ctr">
-                      <a:solidFill>
-                        <a:schemeClr val="tx1"/>
-                      </a:solidFill>
-                      <a:prstDash val="solid"/>
-                      <a:round/>
-                      <a:headEnd type="none" w="med" len="med"/>
-                      <a:tailEnd type="none" w="med" len="med"/>
-                    </a:lnT>
-                    <a:lnB w="12700" cap="flat" cmpd="sng" algn="ctr">
-                      <a:solidFill>
-                        <a:schemeClr val="tx1"/>
-                      </a:solidFill>
-                      <a:prstDash val="solid"/>
-                      <a:round/>
-                      <a:headEnd type="none" w="med" len="med"/>
-                      <a:tailEnd type="none" w="med" len="med"/>
-                    </a:lnB>
-                  </a:tcPr>
-                </a:tc>
-                <a:tc>
-                  <a:txBody>
-                    <a:bodyPr/>
-                    <a:lstStyle/>
-                    <a:p>
-                      <a:pPr algn="ctr"/>
-                      <a:r>
-                        <a:rPr lang="zh-CN" altLang="en-US" dirty="0">
-                          <a:latin typeface="Times New Roman" panose="02020603050405020304" pitchFamily="18" charset="0"/>
-                          <a:cs typeface="Times New Roman" panose="02020603050405020304" pitchFamily="18" charset="0"/>
-                        </a:rPr>
-                        <a:t>价格</a:t>
-                      </a:r>
-                      <a:endParaRPr lang="en-US" dirty="0">
-                        <a:latin typeface="Times New Roman" panose="02020603050405020304" pitchFamily="18" charset="0"/>
-                        <a:cs typeface="Times New Roman" panose="02020603050405020304" pitchFamily="18" charset="0"/>
-                      </a:endParaRPr>
-                    </a:p>
-                  </a:txBody>
-                  <a:tcPr anchor="ctr">
-                    <a:lnT w="19050" cap="flat" cmpd="sng" algn="ctr">
-                      <a:solidFill>
-                        <a:schemeClr val="tx1"/>
-                      </a:solidFill>
-                      <a:prstDash val="solid"/>
-                      <a:round/>
-                      <a:headEnd type="none" w="med" len="med"/>
-                      <a:tailEnd type="none" w="med" len="med"/>
-                    </a:lnT>
-                    <a:lnB w="12700" cap="flat" cmpd="sng" algn="ctr">
-                      <a:solidFill>
-                        <a:schemeClr val="tx1"/>
-                      </a:solidFill>
-                      <a:prstDash val="solid"/>
-                      <a:round/>
-                      <a:headEnd type="none" w="med" len="med"/>
-                      <a:tailEnd type="none" w="med" len="med"/>
-                    </a:lnB>
-                  </a:tcPr>
-                </a:tc>
-                <a:extLst>
-                  <a:ext uri="{0D108BD9-81ED-4DB2-BD59-A6C34878D82A}">
-                    <a16:rowId xmlns:a16="http://schemas.microsoft.com/office/drawing/2014/main" val="10002"/>
-                  </a:ext>
-                </a:extLst>
-              </a:tr>
-              <a:tr h="370840">
-                <a:tc>
-                  <a:txBody>
-                    <a:bodyPr/>
-                    <a:lstStyle/>
-                    <a:p>
-                      <a:pPr algn="ctr"/>
-                      <a:r>
-                        <a:rPr lang="zh-CN" altLang="en-US" dirty="0">
-                          <a:latin typeface="Times New Roman" panose="02020603050405020304" pitchFamily="18" charset="0"/>
-                          <a:cs typeface="Times New Roman" panose="02020603050405020304" pitchFamily="18" charset="0"/>
-                        </a:rPr>
-                        <a:t>书本</a:t>
-                      </a:r>
-                      <a:endParaRPr lang="en-US" dirty="0">
-                        <a:latin typeface="Times New Roman" panose="02020603050405020304" pitchFamily="18" charset="0"/>
-                        <a:cs typeface="Times New Roman" panose="02020603050405020304" pitchFamily="18" charset="0"/>
-                      </a:endParaRPr>
-                    </a:p>
-                  </a:txBody>
-                  <a:tcPr anchor="ctr">
-                    <a:lnT w="12700" cap="flat" cmpd="sng" algn="ctr">
-                      <a:solidFill>
-                        <a:schemeClr val="tx1"/>
-                      </a:solidFill>
-                      <a:prstDash val="solid"/>
-                      <a:round/>
-                      <a:headEnd type="none" w="med" len="med"/>
-                      <a:tailEnd type="none" w="med" len="med"/>
-                    </a:lnT>
-                  </a:tcPr>
-                </a:tc>
-                <a:tc>
-                  <a:txBody>
-                    <a:bodyPr/>
-                    <a:lstStyle/>
-                    <a:p>
-                      <a:pPr algn="ctr"/>
-                      <a:r>
-                        <a:rPr lang="en-US" altLang="zh-CN" dirty="0">
-                          <a:latin typeface="Times New Roman" panose="02020603050405020304" pitchFamily="18" charset="0"/>
-                          <a:cs typeface="Times New Roman" panose="02020603050405020304" pitchFamily="18" charset="0"/>
-                        </a:rPr>
-                        <a:t>100</a:t>
-                      </a:r>
-                      <a:endParaRPr lang="en-US" dirty="0">
-                        <a:latin typeface="Times New Roman" panose="02020603050405020304" pitchFamily="18" charset="0"/>
-                        <a:cs typeface="Times New Roman" panose="02020603050405020304" pitchFamily="18" charset="0"/>
-                      </a:endParaRPr>
-                    </a:p>
-                  </a:txBody>
-                  <a:tcPr anchor="ctr">
-                    <a:lnT w="12700" cap="flat" cmpd="sng" algn="ctr">
-                      <a:solidFill>
-                        <a:schemeClr val="tx1"/>
-                      </a:solidFill>
-                      <a:prstDash val="solid"/>
-                      <a:round/>
-                      <a:headEnd type="none" w="med" len="med"/>
-                      <a:tailEnd type="none" w="med" len="med"/>
-                    </a:lnT>
-                  </a:tcPr>
-                </a:tc>
-                <a:tc>
-                  <a:txBody>
-                    <a:bodyPr/>
-                    <a:lstStyle/>
-                    <a:p>
-                      <a:pPr algn="ctr"/>
-                      <a:r>
-                        <a:rPr lang="en-US" dirty="0">
-                          <a:latin typeface="Times New Roman" panose="02020603050405020304" pitchFamily="18" charset="0"/>
-                          <a:cs typeface="Times New Roman" panose="02020603050405020304" pitchFamily="18" charset="0"/>
-                        </a:rPr>
-                        <a:t>10</a:t>
-                      </a:r>
-                      <a:r>
-                        <a:rPr lang="zh-CN" altLang="en-US" dirty="0">
-                          <a:latin typeface="Times New Roman" panose="02020603050405020304" pitchFamily="18" charset="0"/>
-                          <a:cs typeface="Times New Roman" panose="02020603050405020304" pitchFamily="18" charset="0"/>
-                        </a:rPr>
-                        <a:t>元</a:t>
-                      </a:r>
-                      <a:endParaRPr lang="en-US" dirty="0">
-                        <a:latin typeface="Times New Roman" panose="02020603050405020304" pitchFamily="18" charset="0"/>
-                        <a:cs typeface="Times New Roman" panose="02020603050405020304" pitchFamily="18" charset="0"/>
-                      </a:endParaRPr>
-                    </a:p>
-                  </a:txBody>
-                  <a:tcPr anchor="ctr">
-                    <a:lnR w="12700" cap="flat" cmpd="sng" algn="ctr">
-                      <a:solidFill>
-                        <a:schemeClr val="tx1"/>
-                      </a:solidFill>
-                      <a:prstDash val="solid"/>
-                      <a:round/>
-                      <a:headEnd type="none" w="med" len="med"/>
-                      <a:tailEnd type="none" w="med" len="med"/>
-                    </a:lnR>
-                    <a:lnT w="12700" cap="flat" cmpd="sng" algn="ctr">
-                      <a:solidFill>
-                        <a:schemeClr val="tx1"/>
-                      </a:solidFill>
-                      <a:prstDash val="solid"/>
-                      <a:round/>
-                      <a:headEnd type="none" w="med" len="med"/>
-                      <a:tailEnd type="none" w="med" len="med"/>
-                    </a:lnT>
-                  </a:tcPr>
-                </a:tc>
-                <a:tc>
-                  <a:txBody>
-                    <a:bodyPr/>
-                    <a:lstStyle/>
-                    <a:p>
-                      <a:pPr algn="ctr"/>
-                      <a:r>
-                        <a:rPr lang="en-US" altLang="zh-CN" dirty="0">
-                          <a:latin typeface="Times New Roman" panose="02020603050405020304" pitchFamily="18" charset="0"/>
-                          <a:cs typeface="Times New Roman" panose="02020603050405020304" pitchFamily="18" charset="0"/>
-                        </a:rPr>
-                        <a:t>110</a:t>
-                      </a:r>
-                      <a:endParaRPr lang="en-US" dirty="0">
-                        <a:latin typeface="Times New Roman" panose="02020603050405020304" pitchFamily="18" charset="0"/>
-                        <a:cs typeface="Times New Roman" panose="02020603050405020304" pitchFamily="18" charset="0"/>
-                      </a:endParaRPr>
-                    </a:p>
-                  </a:txBody>
-                  <a:tcPr anchor="ctr">
-                    <a:lnL w="12700" cap="flat" cmpd="sng" algn="ctr">
-                      <a:solidFill>
-                        <a:schemeClr val="tx1"/>
-                      </a:solidFill>
-                      <a:prstDash val="solid"/>
-                      <a:round/>
-                      <a:headEnd type="none" w="med" len="med"/>
-                      <a:tailEnd type="none" w="med" len="med"/>
-                    </a:lnL>
-                    <a:lnT w="12700" cap="flat" cmpd="sng" algn="ctr">
-                      <a:solidFill>
-                        <a:schemeClr val="tx1"/>
-                      </a:solidFill>
-                      <a:prstDash val="solid"/>
-                      <a:round/>
-                      <a:headEnd type="none" w="med" len="med"/>
-                      <a:tailEnd type="none" w="med" len="med"/>
-                    </a:lnT>
-                  </a:tcPr>
-                </a:tc>
-                <a:tc>
-                  <a:txBody>
-                    <a:bodyPr/>
-                    <a:lstStyle/>
-                    <a:p>
-                      <a:pPr algn="ctr"/>
-                      <a:r>
-                        <a:rPr lang="en-US" altLang="zh-CN" dirty="0">
-                          <a:latin typeface="Times New Roman" panose="02020603050405020304" pitchFamily="18" charset="0"/>
-                          <a:cs typeface="Times New Roman" panose="02020603050405020304" pitchFamily="18" charset="0"/>
-                        </a:rPr>
-                        <a:t>10</a:t>
-                      </a:r>
-                      <a:r>
-                        <a:rPr lang="zh-CN" altLang="en-US" dirty="0">
-                          <a:latin typeface="Times New Roman" panose="02020603050405020304" pitchFamily="18" charset="0"/>
-                          <a:cs typeface="Times New Roman" panose="02020603050405020304" pitchFamily="18" charset="0"/>
-                        </a:rPr>
-                        <a:t>元</a:t>
-                      </a:r>
-                      <a:endParaRPr lang="en-US" dirty="0">
-                        <a:latin typeface="Times New Roman" panose="02020603050405020304" pitchFamily="18" charset="0"/>
-                        <a:cs typeface="Times New Roman" panose="02020603050405020304" pitchFamily="18" charset="0"/>
-                      </a:endParaRPr>
-                    </a:p>
-                  </a:txBody>
-                  <a:tcPr anchor="ctr">
-                    <a:lnT w="12700" cap="flat" cmpd="sng" algn="ctr">
-                      <a:solidFill>
-                        <a:schemeClr val="tx1"/>
-                      </a:solidFill>
-                      <a:prstDash val="solid"/>
-                      <a:round/>
-                      <a:headEnd type="none" w="med" len="med"/>
-                      <a:tailEnd type="none" w="med" len="med"/>
-                    </a:lnT>
-                  </a:tcPr>
-                </a:tc>
-                <a:extLst>
-                  <a:ext uri="{0D108BD9-81ED-4DB2-BD59-A6C34878D82A}">
-                    <a16:rowId xmlns:a16="http://schemas.microsoft.com/office/drawing/2014/main" val="10003"/>
-                  </a:ext>
-                </a:extLst>
-              </a:tr>
-              <a:tr h="370840">
-                <a:tc>
-                  <a:txBody>
-                    <a:bodyPr/>
-                    <a:lstStyle/>
-                    <a:p>
-                      <a:pPr algn="ctr"/>
-                      <a:r>
-                        <a:rPr lang="zh-CN" altLang="en-US" dirty="0">
-                          <a:latin typeface="Times New Roman" panose="02020603050405020304" pitchFamily="18" charset="0"/>
-                          <a:cs typeface="Times New Roman" panose="02020603050405020304" pitchFamily="18" charset="0"/>
-                        </a:rPr>
-                        <a:t>面包（条）</a:t>
-                      </a:r>
-                      <a:endParaRPr lang="en-US" dirty="0">
-                        <a:latin typeface="Times New Roman" panose="02020603050405020304" pitchFamily="18" charset="0"/>
-                        <a:cs typeface="Times New Roman" panose="02020603050405020304" pitchFamily="18" charset="0"/>
-                      </a:endParaRPr>
-                    </a:p>
-                  </a:txBody>
-                  <a:tcPr anchor="ctr"/>
-                </a:tc>
-                <a:tc>
-                  <a:txBody>
-                    <a:bodyPr/>
-                    <a:lstStyle/>
-                    <a:p>
-                      <a:pPr algn="ctr"/>
-                      <a:r>
-                        <a:rPr lang="en-US" altLang="zh-CN" dirty="0">
-                          <a:latin typeface="Times New Roman" panose="02020603050405020304" pitchFamily="18" charset="0"/>
-                          <a:cs typeface="Times New Roman" panose="02020603050405020304" pitchFamily="18" charset="0"/>
-                        </a:rPr>
-                        <a:t>200</a:t>
-                      </a:r>
-                      <a:endParaRPr lang="en-US" dirty="0">
-                        <a:latin typeface="Times New Roman" panose="02020603050405020304" pitchFamily="18" charset="0"/>
-                        <a:cs typeface="Times New Roman" panose="02020603050405020304" pitchFamily="18" charset="0"/>
-                      </a:endParaRPr>
-                    </a:p>
-                  </a:txBody>
-                  <a:tcPr anchor="ctr"/>
-                </a:tc>
-                <a:tc>
-                  <a:txBody>
-                    <a:bodyPr/>
-                    <a:lstStyle/>
-                    <a:p>
-                      <a:pPr algn="ctr"/>
-                      <a:r>
-                        <a:rPr lang="en-US" altLang="zh-CN" dirty="0">
-                          <a:latin typeface="Times New Roman" panose="02020603050405020304" pitchFamily="18" charset="0"/>
-                          <a:cs typeface="Times New Roman" panose="02020603050405020304" pitchFamily="18" charset="0"/>
-                        </a:rPr>
-                        <a:t>1</a:t>
-                      </a:r>
-                      <a:r>
-                        <a:rPr lang="zh-CN" altLang="en-US" dirty="0">
-                          <a:latin typeface="Times New Roman" panose="02020603050405020304" pitchFamily="18" charset="0"/>
-                          <a:cs typeface="Times New Roman" panose="02020603050405020304" pitchFamily="18" charset="0"/>
-                        </a:rPr>
-                        <a:t>元</a:t>
-                      </a:r>
-                      <a:endParaRPr lang="en-US" dirty="0">
-                        <a:latin typeface="Times New Roman" panose="02020603050405020304" pitchFamily="18" charset="0"/>
-                        <a:cs typeface="Times New Roman" panose="02020603050405020304" pitchFamily="18" charset="0"/>
-                      </a:endParaRPr>
-                    </a:p>
-                  </a:txBody>
-                  <a:tcPr anchor="ctr">
-                    <a:lnR w="12700" cap="flat" cmpd="sng" algn="ctr">
-                      <a:solidFill>
-                        <a:schemeClr val="tx1"/>
-                      </a:solidFill>
-                      <a:prstDash val="solid"/>
-                      <a:round/>
-                      <a:headEnd type="none" w="med" len="med"/>
-                      <a:tailEnd type="none" w="med" len="med"/>
-                    </a:lnR>
-                  </a:tcPr>
-                </a:tc>
-                <a:tc>
-                  <a:txBody>
-                    <a:bodyPr/>
-                    <a:lstStyle/>
-                    <a:p>
-                      <a:pPr algn="ctr"/>
-                      <a:r>
-                        <a:rPr lang="en-US" altLang="zh-CN" dirty="0">
-                          <a:latin typeface="Times New Roman" panose="02020603050405020304" pitchFamily="18" charset="0"/>
-                          <a:cs typeface="Times New Roman" panose="02020603050405020304" pitchFamily="18" charset="0"/>
-                        </a:rPr>
-                        <a:t>200</a:t>
-                      </a:r>
-                      <a:endParaRPr lang="en-US" dirty="0">
-                        <a:latin typeface="Times New Roman" panose="02020603050405020304" pitchFamily="18" charset="0"/>
-                        <a:cs typeface="Times New Roman" panose="02020603050405020304" pitchFamily="18" charset="0"/>
-                      </a:endParaRPr>
-                    </a:p>
-                  </a:txBody>
-                  <a:tcPr anchor="ctr">
-                    <a:lnL w="12700" cap="flat" cmpd="sng" algn="ctr">
-                      <a:solidFill>
-                        <a:schemeClr val="tx1"/>
-                      </a:solidFill>
-                      <a:prstDash val="solid"/>
-                      <a:round/>
-                      <a:headEnd type="none" w="med" len="med"/>
-                      <a:tailEnd type="none" w="med" len="med"/>
-                    </a:lnL>
-                  </a:tcPr>
-                </a:tc>
-                <a:tc>
-                  <a:txBody>
-                    <a:bodyPr/>
-                    <a:lstStyle/>
-                    <a:p>
-                      <a:pPr algn="ctr"/>
-                      <a:r>
-                        <a:rPr lang="en-US" altLang="zh-CN" dirty="0">
-                          <a:latin typeface="Times New Roman" panose="02020603050405020304" pitchFamily="18" charset="0"/>
-                          <a:cs typeface="Times New Roman" panose="02020603050405020304" pitchFamily="18" charset="0"/>
-                        </a:rPr>
-                        <a:t>1.5</a:t>
-                      </a:r>
-                      <a:r>
-                        <a:rPr lang="zh-CN" altLang="en-US" dirty="0">
-                          <a:latin typeface="Times New Roman" panose="02020603050405020304" pitchFamily="18" charset="0"/>
-                          <a:cs typeface="Times New Roman" panose="02020603050405020304" pitchFamily="18" charset="0"/>
-                        </a:rPr>
-                        <a:t>元</a:t>
-                      </a:r>
-                      <a:endParaRPr lang="en-US" dirty="0">
-                        <a:latin typeface="Times New Roman" panose="02020603050405020304" pitchFamily="18" charset="0"/>
-                        <a:cs typeface="Times New Roman" panose="02020603050405020304" pitchFamily="18" charset="0"/>
-                      </a:endParaRPr>
-                    </a:p>
-                  </a:txBody>
-                  <a:tcPr anchor="ctr"/>
-                </a:tc>
-                <a:extLst>
-                  <a:ext uri="{0D108BD9-81ED-4DB2-BD59-A6C34878D82A}">
-                    <a16:rowId xmlns:a16="http://schemas.microsoft.com/office/drawing/2014/main" val="10004"/>
-                  </a:ext>
-                </a:extLst>
-              </a:tr>
-              <a:tr h="370840">
-                <a:tc>
-                  <a:txBody>
-                    <a:bodyPr/>
-                    <a:lstStyle/>
-                    <a:p>
-                      <a:pPr algn="ctr"/>
-                      <a:r>
-                        <a:rPr lang="zh-CN" altLang="en-US" dirty="0">
-                          <a:latin typeface="Times New Roman" panose="02020603050405020304" pitchFamily="18" charset="0"/>
-                          <a:cs typeface="Times New Roman" panose="02020603050405020304" pitchFamily="18" charset="0"/>
-                        </a:rPr>
-                        <a:t>菜豆（千克）</a:t>
-                      </a:r>
-                      <a:endParaRPr lang="en-US" dirty="0">
-                        <a:latin typeface="Times New Roman" panose="02020603050405020304" pitchFamily="18" charset="0"/>
-                        <a:cs typeface="Times New Roman" panose="02020603050405020304" pitchFamily="18" charset="0"/>
-                      </a:endParaRPr>
-                    </a:p>
-                  </a:txBody>
-                  <a:tcPr anchor="ctr">
-                    <a:lnB w="19050" cap="flat" cmpd="sng" algn="ctr">
-                      <a:solidFill>
-                        <a:schemeClr val="tx1"/>
-                      </a:solidFill>
-                      <a:prstDash val="solid"/>
-                      <a:round/>
-                      <a:headEnd type="none" w="med" len="med"/>
-                      <a:tailEnd type="none" w="med" len="med"/>
-                    </a:lnB>
-                  </a:tcPr>
-                </a:tc>
-                <a:tc>
-                  <a:txBody>
-                    <a:bodyPr/>
-                    <a:lstStyle/>
-                    <a:p>
-                      <a:pPr algn="ctr"/>
-                      <a:r>
-                        <a:rPr lang="en-US" altLang="zh-CN" dirty="0">
-                          <a:latin typeface="Times New Roman" panose="02020603050405020304" pitchFamily="18" charset="0"/>
-                          <a:cs typeface="Times New Roman" panose="02020603050405020304" pitchFamily="18" charset="0"/>
-                        </a:rPr>
-                        <a:t>500</a:t>
-                      </a:r>
-                      <a:endParaRPr lang="en-US" dirty="0">
-                        <a:latin typeface="Times New Roman" panose="02020603050405020304" pitchFamily="18" charset="0"/>
-                        <a:cs typeface="Times New Roman" panose="02020603050405020304" pitchFamily="18" charset="0"/>
-                      </a:endParaRPr>
-                    </a:p>
-                  </a:txBody>
-                  <a:tcPr anchor="ctr">
-                    <a:lnB w="19050" cap="flat" cmpd="sng" algn="ctr">
-                      <a:solidFill>
-                        <a:schemeClr val="tx1"/>
-                      </a:solidFill>
-                      <a:prstDash val="solid"/>
-                      <a:round/>
-                      <a:headEnd type="none" w="med" len="med"/>
-                      <a:tailEnd type="none" w="med" len="med"/>
-                    </a:lnB>
-                  </a:tcPr>
-                </a:tc>
-                <a:tc>
-                  <a:txBody>
-                    <a:bodyPr/>
-                    <a:lstStyle/>
-                    <a:p>
-                      <a:pPr algn="ctr"/>
-                      <a:r>
-                        <a:rPr lang="en-US" altLang="zh-CN" dirty="0">
-                          <a:latin typeface="Times New Roman" panose="02020603050405020304" pitchFamily="18" charset="0"/>
-                          <a:cs typeface="Times New Roman" panose="02020603050405020304" pitchFamily="18" charset="0"/>
-                        </a:rPr>
-                        <a:t>0.5</a:t>
-                      </a:r>
-                      <a:r>
-                        <a:rPr lang="zh-CN" altLang="en-US" dirty="0">
-                          <a:latin typeface="Times New Roman" panose="02020603050405020304" pitchFamily="18" charset="0"/>
-                          <a:cs typeface="Times New Roman" panose="02020603050405020304" pitchFamily="18" charset="0"/>
-                        </a:rPr>
-                        <a:t>元</a:t>
-                      </a:r>
-                      <a:endParaRPr lang="en-US" dirty="0">
-                        <a:latin typeface="Times New Roman" panose="02020603050405020304" pitchFamily="18" charset="0"/>
-                        <a:cs typeface="Times New Roman" panose="02020603050405020304" pitchFamily="18" charset="0"/>
-                      </a:endParaRPr>
-                    </a:p>
-                  </a:txBody>
-                  <a:tcPr anchor="ctr">
-                    <a:lnR w="12700" cap="flat" cmpd="sng" algn="ctr">
-                      <a:solidFill>
-                        <a:schemeClr val="tx1"/>
-                      </a:solidFill>
-                      <a:prstDash val="solid"/>
-                      <a:round/>
-                      <a:headEnd type="none" w="med" len="med"/>
-                      <a:tailEnd type="none" w="med" len="med"/>
-                    </a:lnR>
-                    <a:lnB w="19050" cap="flat" cmpd="sng" algn="ctr">
-                      <a:solidFill>
-                        <a:schemeClr val="tx1"/>
-                      </a:solidFill>
-                      <a:prstDash val="solid"/>
-                      <a:round/>
-                      <a:headEnd type="none" w="med" len="med"/>
-                      <a:tailEnd type="none" w="med" len="med"/>
-                    </a:lnB>
-                  </a:tcPr>
-                </a:tc>
-                <a:tc>
-                  <a:txBody>
-                    <a:bodyPr/>
-                    <a:lstStyle/>
-                    <a:p>
-                      <a:pPr algn="ctr"/>
-                      <a:r>
-                        <a:rPr lang="en-US" altLang="zh-CN" dirty="0">
-                          <a:latin typeface="Times New Roman" panose="02020603050405020304" pitchFamily="18" charset="0"/>
-                          <a:cs typeface="Times New Roman" panose="02020603050405020304" pitchFamily="18" charset="0"/>
-                        </a:rPr>
-                        <a:t>450</a:t>
-                      </a:r>
-                      <a:endParaRPr lang="en-US" dirty="0">
-                        <a:latin typeface="Times New Roman" panose="02020603050405020304" pitchFamily="18" charset="0"/>
-                        <a:cs typeface="Times New Roman" panose="02020603050405020304" pitchFamily="18" charset="0"/>
-                      </a:endParaRPr>
-                    </a:p>
-                  </a:txBody>
-                  <a:tcPr anchor="ctr">
-                    <a:lnL w="12700" cap="flat" cmpd="sng" algn="ctr">
-                      <a:solidFill>
-                        <a:schemeClr val="tx1"/>
-                      </a:solidFill>
-                      <a:prstDash val="solid"/>
-                      <a:round/>
-                      <a:headEnd type="none" w="med" len="med"/>
-                      <a:tailEnd type="none" w="med" len="med"/>
-                    </a:lnL>
-                    <a:lnB w="19050" cap="flat" cmpd="sng" algn="ctr">
-                      <a:solidFill>
-                        <a:schemeClr val="tx1"/>
-                      </a:solidFill>
-                      <a:prstDash val="solid"/>
-                      <a:round/>
-                      <a:headEnd type="none" w="med" len="med"/>
-                      <a:tailEnd type="none" w="med" len="med"/>
-                    </a:lnB>
-                  </a:tcPr>
-                </a:tc>
-                <a:tc>
-                  <a:txBody>
-                    <a:bodyPr/>
-                    <a:lstStyle/>
-                    <a:p>
-                      <a:pPr algn="ctr"/>
-                      <a:r>
-                        <a:rPr lang="en-US" altLang="zh-CN" dirty="0">
-                          <a:latin typeface="Times New Roman" panose="02020603050405020304" pitchFamily="18" charset="0"/>
-                          <a:cs typeface="Times New Roman" panose="02020603050405020304" pitchFamily="18" charset="0"/>
-                        </a:rPr>
-                        <a:t>1</a:t>
-                      </a:r>
-                      <a:r>
-                        <a:rPr lang="zh-CN" altLang="en-US" dirty="0">
-                          <a:latin typeface="Times New Roman" panose="02020603050405020304" pitchFamily="18" charset="0"/>
-                          <a:cs typeface="Times New Roman" panose="02020603050405020304" pitchFamily="18" charset="0"/>
-                        </a:rPr>
-                        <a:t>元</a:t>
-                      </a:r>
-                      <a:endParaRPr lang="en-US" dirty="0">
-                        <a:latin typeface="Times New Roman" panose="02020603050405020304" pitchFamily="18" charset="0"/>
-                        <a:cs typeface="Times New Roman" panose="02020603050405020304" pitchFamily="18" charset="0"/>
-                      </a:endParaRPr>
-                    </a:p>
-                  </a:txBody>
-                  <a:tcPr anchor="ctr">
-                    <a:lnB w="19050" cap="flat" cmpd="sng" algn="ctr">
-                      <a:solidFill>
-                        <a:schemeClr val="tx1"/>
-                      </a:solidFill>
-                      <a:prstDash val="solid"/>
-                      <a:round/>
-                      <a:headEnd type="none" w="med" len="med"/>
-                      <a:tailEnd type="none" w="med" len="med"/>
-                    </a:lnB>
-                  </a:tcPr>
-                </a:tc>
-                <a:extLst>
-                  <a:ext uri="{0D108BD9-81ED-4DB2-BD59-A6C34878D82A}">
-                    <a16:rowId xmlns:a16="http://schemas.microsoft.com/office/drawing/2014/main" val="10005"/>
-                  </a:ext>
-                </a:extLst>
-              </a:tr>
-            </a:tbl>
-          </a:graphicData>
-        </a:graphic>
-      </p:graphicFrame>
-      <p:sp>
-        <p:nvSpPr>
-          <p:cNvPr id="10" name="TextBox 9"/>
-          <p:cNvSpPr txBox="1"/>
-          <p:nvPr/>
-        </p:nvSpPr>
-        <p:spPr>
-          <a:xfrm>
-            <a:off x="0" y="2936974"/>
-            <a:ext cx="9144000" cy="1631216"/>
-          </a:xfrm>
-          <a:prstGeom prst="rect">
-            <a:avLst/>
-          </a:prstGeom>
-          <a:noFill/>
-        </p:spPr>
-        <p:txBody>
-          <a:bodyPr wrap="square" rtlCol="0">
-            <a:spAutoFit/>
-          </a:bodyPr>
-          <a:lstStyle/>
-          <a:p>
-            <a:pPr marL="457200" indent="-342900">
-              <a:spcBef>
-                <a:spcPts val="600"/>
-              </a:spcBef>
-              <a:buFont typeface="+mj-lt"/>
-              <a:buAutoNum type="arabicPeriod"/>
-            </a:pPr>
-            <a:r>
-              <a:rPr lang="en-US" altLang="zh-CN" sz="1600" dirty="0">
-                <a:latin typeface="Times New Roman" panose="02020603050405020304" pitchFamily="18" charset="0"/>
-                <a:cs typeface="Times New Roman" panose="02020603050405020304" pitchFamily="18" charset="0"/>
-              </a:rPr>
-              <a:t>1998</a:t>
-            </a:r>
-            <a:r>
-              <a:rPr lang="zh-CN" altLang="en-US" sz="1600" dirty="0">
-                <a:latin typeface="Times New Roman" panose="02020603050405020304" pitchFamily="18" charset="0"/>
-                <a:cs typeface="Times New Roman" panose="02020603050405020304" pitchFamily="18" charset="0"/>
-              </a:rPr>
-              <a:t>年名义 </a:t>
-            </a:r>
-            <a:r>
-              <a:rPr lang="en-US" altLang="zh-CN" sz="1600" dirty="0">
-                <a:latin typeface="Times New Roman" panose="02020603050405020304" pitchFamily="18" charset="0"/>
-                <a:cs typeface="Times New Roman" panose="02020603050405020304" pitchFamily="18" charset="0"/>
-              </a:rPr>
-              <a:t>GDP</a:t>
-            </a:r>
-          </a:p>
-          <a:p>
-            <a:pPr marL="457200" indent="-342900">
-              <a:spcBef>
-                <a:spcPts val="600"/>
-              </a:spcBef>
-              <a:buFont typeface="+mj-lt"/>
-              <a:buAutoNum type="arabicPeriod"/>
-            </a:pPr>
-            <a:r>
-              <a:rPr lang="en-US" sz="1600" dirty="0">
-                <a:latin typeface="Times New Roman" panose="02020603050405020304" pitchFamily="18" charset="0"/>
-                <a:cs typeface="Times New Roman" panose="02020603050405020304" pitchFamily="18" charset="0"/>
-              </a:rPr>
-              <a:t>1999</a:t>
-            </a:r>
-            <a:r>
-              <a:rPr lang="zh-CN" altLang="en-US" sz="1600" dirty="0">
-                <a:latin typeface="Times New Roman" panose="02020603050405020304" pitchFamily="18" charset="0"/>
-                <a:cs typeface="Times New Roman" panose="02020603050405020304" pitchFamily="18" charset="0"/>
-              </a:rPr>
-              <a:t>年名义 </a:t>
-            </a:r>
-            <a:r>
-              <a:rPr lang="en-US" altLang="zh-CN" sz="1600" dirty="0">
-                <a:latin typeface="Times New Roman" panose="02020603050405020304" pitchFamily="18" charset="0"/>
-                <a:cs typeface="Times New Roman" panose="02020603050405020304" pitchFamily="18" charset="0"/>
-              </a:rPr>
-              <a:t>GDP</a:t>
-            </a:r>
-          </a:p>
-          <a:p>
-            <a:pPr marL="457200" indent="-342900">
-              <a:spcBef>
-                <a:spcPts val="600"/>
-              </a:spcBef>
-              <a:buFont typeface="+mj-lt"/>
-              <a:buAutoNum type="arabicPeriod"/>
-            </a:pPr>
-            <a:r>
-              <a:rPr lang="zh-CN" altLang="en-US" sz="1600" dirty="0">
-                <a:latin typeface="Times New Roman" panose="02020603050405020304" pitchFamily="18" charset="0"/>
-                <a:cs typeface="Times New Roman" panose="02020603050405020304" pitchFamily="18" charset="0"/>
-              </a:rPr>
-              <a:t>以</a:t>
-            </a:r>
-            <a:r>
-              <a:rPr lang="en-US" altLang="zh-CN" sz="1600" dirty="0">
-                <a:latin typeface="Times New Roman" panose="02020603050405020304" pitchFamily="18" charset="0"/>
-                <a:cs typeface="Times New Roman" panose="02020603050405020304" pitchFamily="18" charset="0"/>
-              </a:rPr>
-              <a:t>1998</a:t>
-            </a:r>
-            <a:r>
-              <a:rPr lang="zh-CN" altLang="en-US" sz="1600" dirty="0">
-                <a:latin typeface="Times New Roman" panose="02020603050405020304" pitchFamily="18" charset="0"/>
-                <a:cs typeface="Times New Roman" panose="02020603050405020304" pitchFamily="18" charset="0"/>
-              </a:rPr>
-              <a:t>年为基期，</a:t>
-            </a:r>
-            <a:r>
-              <a:rPr lang="en-US" altLang="zh-CN" sz="1600" dirty="0">
-                <a:latin typeface="Times New Roman" panose="02020603050405020304" pitchFamily="18" charset="0"/>
-                <a:cs typeface="Times New Roman" panose="02020603050405020304" pitchFamily="18" charset="0"/>
-              </a:rPr>
-              <a:t>1998</a:t>
-            </a:r>
-            <a:r>
-              <a:rPr lang="zh-CN" altLang="en-US" sz="1600" dirty="0">
-                <a:latin typeface="Times New Roman" panose="02020603050405020304" pitchFamily="18" charset="0"/>
-                <a:cs typeface="Times New Roman" panose="02020603050405020304" pitchFamily="18" charset="0"/>
-              </a:rPr>
-              <a:t>年和</a:t>
-            </a:r>
-            <a:r>
-              <a:rPr lang="en-US" altLang="zh-CN" sz="1600" dirty="0">
-                <a:latin typeface="Times New Roman" panose="02020603050405020304" pitchFamily="18" charset="0"/>
-                <a:cs typeface="Times New Roman" panose="02020603050405020304" pitchFamily="18" charset="0"/>
-              </a:rPr>
-              <a:t>1999</a:t>
-            </a:r>
-            <a:r>
-              <a:rPr lang="zh-CN" altLang="en-US" sz="1600" dirty="0">
-                <a:latin typeface="Times New Roman" panose="02020603050405020304" pitchFamily="18" charset="0"/>
-                <a:cs typeface="Times New Roman" panose="02020603050405020304" pitchFamily="18" charset="0"/>
-              </a:rPr>
-              <a:t>年的实际</a:t>
-            </a:r>
-            <a:r>
-              <a:rPr lang="en-US" altLang="zh-CN" sz="1600" dirty="0">
-                <a:latin typeface="Times New Roman" panose="02020603050405020304" pitchFamily="18" charset="0"/>
-                <a:cs typeface="Times New Roman" panose="02020603050405020304" pitchFamily="18" charset="0"/>
-              </a:rPr>
-              <a:t> GDP </a:t>
-            </a:r>
-            <a:r>
-              <a:rPr lang="zh-CN" altLang="en-US" sz="1600" dirty="0">
-                <a:latin typeface="Times New Roman" panose="02020603050405020304" pitchFamily="18" charset="0"/>
-                <a:cs typeface="Times New Roman" panose="02020603050405020304" pitchFamily="18" charset="0"/>
-              </a:rPr>
-              <a:t>是多少，这两年实际</a:t>
-            </a:r>
-            <a:r>
-              <a:rPr lang="en-US" altLang="zh-CN" sz="1600" dirty="0">
-                <a:latin typeface="Times New Roman" panose="02020603050405020304" pitchFamily="18" charset="0"/>
-                <a:cs typeface="Times New Roman" panose="02020603050405020304" pitchFamily="18" charset="0"/>
-              </a:rPr>
-              <a:t>GDP </a:t>
-            </a:r>
-            <a:r>
-              <a:rPr lang="zh-CN" altLang="en-US" sz="1600" dirty="0">
-                <a:latin typeface="Times New Roman" panose="02020603050405020304" pitchFamily="18" charset="0"/>
-                <a:cs typeface="Times New Roman" panose="02020603050405020304" pitchFamily="18" charset="0"/>
-              </a:rPr>
-              <a:t>变化多少百分比？</a:t>
-            </a:r>
-            <a:endParaRPr lang="en-US" altLang="zh-CN" sz="1600" dirty="0">
-              <a:latin typeface="Times New Roman" panose="02020603050405020304" pitchFamily="18" charset="0"/>
-              <a:cs typeface="Times New Roman" panose="02020603050405020304" pitchFamily="18" charset="0"/>
-            </a:endParaRPr>
-          </a:p>
-          <a:p>
-            <a:pPr marL="457200" indent="-342900">
-              <a:spcBef>
-                <a:spcPts val="600"/>
-              </a:spcBef>
-              <a:buFont typeface="+mj-lt"/>
-              <a:buAutoNum type="arabicPeriod"/>
-            </a:pPr>
-            <a:r>
-              <a:rPr lang="zh-CN" altLang="en-US" sz="1600" dirty="0">
-                <a:latin typeface="Times New Roman" panose="02020603050405020304" pitchFamily="18" charset="0"/>
-                <a:cs typeface="Times New Roman" panose="02020603050405020304" pitchFamily="18" charset="0"/>
-              </a:rPr>
-              <a:t>以</a:t>
-            </a:r>
-            <a:r>
-              <a:rPr lang="en-US" altLang="zh-CN" sz="1600" dirty="0">
-                <a:latin typeface="Times New Roman" panose="02020603050405020304" pitchFamily="18" charset="0"/>
-                <a:cs typeface="Times New Roman" panose="02020603050405020304" pitchFamily="18" charset="0"/>
-              </a:rPr>
-              <a:t>1999</a:t>
-            </a:r>
-            <a:r>
-              <a:rPr lang="zh-CN" altLang="en-US" sz="1600" dirty="0">
-                <a:latin typeface="Times New Roman" panose="02020603050405020304" pitchFamily="18" charset="0"/>
-                <a:cs typeface="Times New Roman" panose="02020603050405020304" pitchFamily="18" charset="0"/>
-              </a:rPr>
-              <a:t>年为基期，</a:t>
-            </a:r>
-            <a:r>
-              <a:rPr lang="en-US" altLang="zh-CN" sz="1600" dirty="0">
-                <a:latin typeface="Times New Roman" panose="02020603050405020304" pitchFamily="18" charset="0"/>
-                <a:cs typeface="Times New Roman" panose="02020603050405020304" pitchFamily="18" charset="0"/>
-              </a:rPr>
-              <a:t>1998</a:t>
-            </a:r>
-            <a:r>
-              <a:rPr lang="zh-CN" altLang="en-US" sz="1600" dirty="0">
-                <a:latin typeface="Times New Roman" panose="02020603050405020304" pitchFamily="18" charset="0"/>
-                <a:cs typeface="Times New Roman" panose="02020603050405020304" pitchFamily="18" charset="0"/>
-              </a:rPr>
-              <a:t>年和</a:t>
-            </a:r>
-            <a:r>
-              <a:rPr lang="en-US" altLang="zh-CN" sz="1600" dirty="0">
-                <a:latin typeface="Times New Roman" panose="02020603050405020304" pitchFamily="18" charset="0"/>
-                <a:cs typeface="Times New Roman" panose="02020603050405020304" pitchFamily="18" charset="0"/>
-              </a:rPr>
-              <a:t>1999</a:t>
-            </a:r>
-            <a:r>
-              <a:rPr lang="zh-CN" altLang="en-US" sz="1600" dirty="0">
-                <a:latin typeface="Times New Roman" panose="02020603050405020304" pitchFamily="18" charset="0"/>
-                <a:cs typeface="Times New Roman" panose="02020603050405020304" pitchFamily="18" charset="0"/>
-              </a:rPr>
-              <a:t>年的实际</a:t>
-            </a:r>
-            <a:r>
-              <a:rPr lang="en-US" altLang="zh-CN" sz="1600" dirty="0">
-                <a:latin typeface="Times New Roman" panose="02020603050405020304" pitchFamily="18" charset="0"/>
-                <a:cs typeface="Times New Roman" panose="02020603050405020304" pitchFamily="18" charset="0"/>
-              </a:rPr>
-              <a:t> GDP </a:t>
-            </a:r>
-            <a:r>
-              <a:rPr lang="zh-CN" altLang="en-US" sz="1600" dirty="0">
-                <a:latin typeface="Times New Roman" panose="02020603050405020304" pitchFamily="18" charset="0"/>
-                <a:cs typeface="Times New Roman" panose="02020603050405020304" pitchFamily="18" charset="0"/>
-              </a:rPr>
-              <a:t>是多少，这两年实际 </a:t>
-            </a:r>
-            <a:r>
-              <a:rPr lang="en-US" altLang="zh-CN" sz="1600" dirty="0">
-                <a:latin typeface="Times New Roman" panose="02020603050405020304" pitchFamily="18" charset="0"/>
-                <a:cs typeface="Times New Roman" panose="02020603050405020304" pitchFamily="18" charset="0"/>
-              </a:rPr>
-              <a:t>GDP </a:t>
-            </a:r>
-            <a:r>
-              <a:rPr lang="zh-CN" altLang="en-US" sz="1600" dirty="0">
-                <a:latin typeface="Times New Roman" panose="02020603050405020304" pitchFamily="18" charset="0"/>
-                <a:cs typeface="Times New Roman" panose="02020603050405020304" pitchFamily="18" charset="0"/>
-              </a:rPr>
-              <a:t>变化多少百分比？</a:t>
-            </a:r>
-            <a:endParaRPr lang="en-US" altLang="zh-CN" sz="1600" dirty="0">
-              <a:latin typeface="Times New Roman" panose="02020603050405020304" pitchFamily="18" charset="0"/>
-              <a:cs typeface="Times New Roman" panose="02020603050405020304" pitchFamily="18" charset="0"/>
-            </a:endParaRPr>
-          </a:p>
-          <a:p>
-            <a:pPr marL="457200" indent="-342900">
-              <a:spcBef>
-                <a:spcPts val="600"/>
-              </a:spcBef>
-              <a:buFont typeface="+mj-lt"/>
-              <a:buAutoNum type="arabicPeriod"/>
-            </a:pPr>
-            <a:r>
-              <a:rPr lang="zh-CN" altLang="en-US" sz="1600" dirty="0">
-                <a:latin typeface="Times New Roman" panose="02020603050405020304" pitchFamily="18" charset="0"/>
-                <a:cs typeface="Times New Roman" panose="02020603050405020304" pitchFamily="18" charset="0"/>
-              </a:rPr>
-              <a:t>用</a:t>
-            </a:r>
-            <a:r>
-              <a:rPr lang="en-US" altLang="zh-CN" sz="1600" dirty="0">
-                <a:latin typeface="Times New Roman" panose="02020603050405020304" pitchFamily="18" charset="0"/>
-                <a:cs typeface="Times New Roman" panose="02020603050405020304" pitchFamily="18" charset="0"/>
-              </a:rPr>
-              <a:t>1998</a:t>
-            </a:r>
-            <a:r>
-              <a:rPr lang="zh-CN" altLang="en-US" sz="1600" dirty="0">
-                <a:latin typeface="Times New Roman" panose="02020603050405020304" pitchFamily="18" charset="0"/>
-                <a:cs typeface="Times New Roman" panose="02020603050405020304" pitchFamily="18" charset="0"/>
-              </a:rPr>
-              <a:t>年作为基期，计算</a:t>
-            </a:r>
-            <a:r>
-              <a:rPr lang="en-US" altLang="zh-CN" sz="1600" dirty="0">
-                <a:latin typeface="Times New Roman" panose="02020603050405020304" pitchFamily="18" charset="0"/>
-                <a:cs typeface="Times New Roman" panose="02020603050405020304" pitchFamily="18" charset="0"/>
-              </a:rPr>
-              <a:t>1998</a:t>
-            </a:r>
-            <a:r>
-              <a:rPr lang="zh-CN" altLang="en-US" sz="1600" dirty="0">
-                <a:latin typeface="Times New Roman" panose="02020603050405020304" pitchFamily="18" charset="0"/>
-                <a:cs typeface="Times New Roman" panose="02020603050405020304" pitchFamily="18" charset="0"/>
-              </a:rPr>
-              <a:t>年和</a:t>
-            </a:r>
-            <a:r>
-              <a:rPr lang="en-US" altLang="zh-CN" sz="1600" dirty="0">
-                <a:latin typeface="Times New Roman" panose="02020603050405020304" pitchFamily="18" charset="0"/>
-                <a:cs typeface="Times New Roman" panose="02020603050405020304" pitchFamily="18" charset="0"/>
-              </a:rPr>
-              <a:t>1999</a:t>
-            </a:r>
-            <a:r>
-              <a:rPr lang="zh-CN" altLang="en-US" sz="1600" dirty="0">
-                <a:latin typeface="Times New Roman" panose="02020603050405020304" pitchFamily="18" charset="0"/>
-                <a:cs typeface="Times New Roman" panose="02020603050405020304" pitchFamily="18" charset="0"/>
-              </a:rPr>
-              <a:t>年的 </a:t>
-            </a:r>
-            <a:r>
-              <a:rPr lang="en-US" altLang="zh-CN" sz="1600" dirty="0">
-                <a:latin typeface="Times New Roman" panose="02020603050405020304" pitchFamily="18" charset="0"/>
-                <a:cs typeface="Times New Roman" panose="02020603050405020304" pitchFamily="18" charset="0"/>
-              </a:rPr>
-              <a:t>GDP </a:t>
-            </a:r>
-            <a:r>
-              <a:rPr lang="zh-CN" altLang="en-US" sz="1600" dirty="0">
-                <a:latin typeface="Times New Roman" panose="02020603050405020304" pitchFamily="18" charset="0"/>
-                <a:cs typeface="Times New Roman" panose="02020603050405020304" pitchFamily="18" charset="0"/>
-              </a:rPr>
-              <a:t>平减指数</a:t>
-            </a:r>
-            <a:endParaRPr lang="en-US" altLang="zh-CN" sz="1600" dirty="0">
-              <a:latin typeface="Times New Roman" panose="02020603050405020304" pitchFamily="18" charset="0"/>
-              <a:cs typeface="Times New Roman" panose="02020603050405020304" pitchFamily="18" charset="0"/>
-            </a:endParaRPr>
-          </a:p>
-        </p:txBody>
-      </p:sp>
-    </p:spTree>
-    <p:extLst>
-      <p:ext uri="{BB962C8B-B14F-4D97-AF65-F5344CB8AC3E}">
-        <p14:creationId xmlns:p14="http://schemas.microsoft.com/office/powerpoint/2010/main" val="1022949043"/>
-      </p:ext>
-    </p:extLst>
-  </p:cSld>
-  <p:clrMapOvr>
-    <a:masterClrMapping/>
-  </p:clrMapOvr>
-</p:sld>
-</file>
-
-<file path=ppt/slides/slide15.xml><?xml version="1.0" encoding="utf-8"?>
-<p:sld xmlns:a="http://schemas.openxmlformats.org/drawingml/2006/main" xmlns:r="http://schemas.openxmlformats.org/officeDocument/2006/relationships" xmlns:p="http://schemas.openxmlformats.org/presentationml/2006/main">
-  <p:cSld>
-    <p:spTree>
-      <p:nvGrpSpPr>
-        <p:cNvPr id="1" name=""/>
-        <p:cNvGrpSpPr/>
-        <p:nvPr/>
-      </p:nvGrpSpPr>
-      <p:grpSpPr>
-        <a:xfrm>
-          <a:off x="0" y="0"/>
-          <a:ext cx="0" cy="0"/>
-          <a:chOff x="0" y="0"/>
-          <a:chExt cx="0" cy="0"/>
-        </a:xfrm>
-      </p:grpSpPr>
-      <p:sp>
-        <p:nvSpPr>
-          <p:cNvPr id="4" name="Slide Number Placeholder 3"/>
-          <p:cNvSpPr>
-            <a:spLocks noGrp="1"/>
-          </p:cNvSpPr>
-          <p:nvPr>
-            <p:ph type="sldNum" sz="quarter" idx="12"/>
-          </p:nvPr>
-        </p:nvSpPr>
-        <p:spPr/>
-        <p:txBody>
-          <a:bodyPr/>
-          <a:lstStyle/>
-          <a:p>
-            <a:fld id="{B6F15528-21DE-4FAA-801E-634DDDAF4B2B}" type="slidenum">
-              <a:rPr lang="en-US" smtClean="0">
-                <a:latin typeface="Times New Roman" panose="02020603050405020304" pitchFamily="18" charset="0"/>
-                <a:cs typeface="Times New Roman" panose="02020603050405020304" pitchFamily="18" charset="0"/>
-              </a:rPr>
-              <a:pPr/>
-              <a:t>15</a:t>
-            </a:fld>
-            <a:endParaRPr lang="en-US">
-              <a:latin typeface="Times New Roman" panose="02020603050405020304" pitchFamily="18" charset="0"/>
-              <a:cs typeface="Times New Roman" panose="02020603050405020304" pitchFamily="18" charset="0"/>
-            </a:endParaRPr>
-          </a:p>
-        </p:txBody>
-      </p:sp>
-      <p:graphicFrame>
-        <p:nvGraphicFramePr>
-          <p:cNvPr id="5" name="Table 4"/>
-          <p:cNvGraphicFramePr>
-            <a:graphicFrameLocks noGrp="1"/>
-          </p:cNvGraphicFramePr>
-          <p:nvPr/>
-        </p:nvGraphicFramePr>
-        <p:xfrm>
-          <a:off x="838200" y="514350"/>
-          <a:ext cx="7391400" cy="2225040"/>
-        </p:xfrm>
-        <a:graphic>
-          <a:graphicData uri="http://schemas.openxmlformats.org/drawingml/2006/table">
-            <a:tbl>
-              <a:tblPr firstRow="1" bandRow="1">
-                <a:tableStyleId>{2D5ABB26-0587-4C30-8999-92F81FD0307C}</a:tableStyleId>
-              </a:tblPr>
-              <a:tblGrid>
-                <a:gridCol w="1478280">
-                  <a:extLst>
-                    <a:ext uri="{9D8B030D-6E8A-4147-A177-3AD203B41FA5}">
-                      <a16:colId xmlns:a16="http://schemas.microsoft.com/office/drawing/2014/main" val="20000"/>
-                    </a:ext>
-                  </a:extLst>
-                </a:gridCol>
-                <a:gridCol w="1478280">
-                  <a:extLst>
-                    <a:ext uri="{9D8B030D-6E8A-4147-A177-3AD203B41FA5}">
-                      <a16:colId xmlns:a16="http://schemas.microsoft.com/office/drawing/2014/main" val="20001"/>
-                    </a:ext>
-                  </a:extLst>
-                </a:gridCol>
-                <a:gridCol w="1478280">
-                  <a:extLst>
-                    <a:ext uri="{9D8B030D-6E8A-4147-A177-3AD203B41FA5}">
-                      <a16:colId xmlns:a16="http://schemas.microsoft.com/office/drawing/2014/main" val="20002"/>
-                    </a:ext>
-                  </a:extLst>
-                </a:gridCol>
-                <a:gridCol w="1478280">
-                  <a:extLst>
-                    <a:ext uri="{9D8B030D-6E8A-4147-A177-3AD203B41FA5}">
-                      <a16:colId xmlns:a16="http://schemas.microsoft.com/office/drawing/2014/main" val="20003"/>
-                    </a:ext>
-                  </a:extLst>
-                </a:gridCol>
-                <a:gridCol w="1478280">
-                  <a:extLst>
-                    <a:ext uri="{9D8B030D-6E8A-4147-A177-3AD203B41FA5}">
-                      <a16:colId xmlns:a16="http://schemas.microsoft.com/office/drawing/2014/main" val="20004"/>
-                    </a:ext>
-                  </a:extLst>
-                </a:gridCol>
-              </a:tblGrid>
-              <a:tr h="370840">
-                <a:tc gridSpan="5">
-                  <a:txBody>
-                    <a:bodyPr/>
-                    <a:lstStyle/>
-                    <a:p>
-                      <a:pPr algn="ctr"/>
-                      <a:r>
-                        <a:rPr lang="en-US" altLang="zh-CN" dirty="0">
-                          <a:latin typeface="Times New Roman" panose="02020603050405020304" pitchFamily="18" charset="0"/>
-                          <a:cs typeface="Times New Roman" panose="02020603050405020304" pitchFamily="18" charset="0"/>
-                        </a:rPr>
-                        <a:t>GDP</a:t>
-                      </a:r>
-                      <a:r>
-                        <a:rPr lang="zh-CN" altLang="en-US" dirty="0">
-                          <a:latin typeface="Times New Roman" panose="02020603050405020304" pitchFamily="18" charset="0"/>
-                          <a:cs typeface="Times New Roman" panose="02020603050405020304" pitchFamily="18" charset="0"/>
-                        </a:rPr>
-                        <a:t>平减指数</a:t>
-                      </a:r>
-                      <a:r>
-                        <a:rPr lang="en-US" altLang="zh-CN" dirty="0">
-                          <a:latin typeface="Times New Roman" panose="02020603050405020304" pitchFamily="18" charset="0"/>
-                          <a:cs typeface="Times New Roman" panose="02020603050405020304" pitchFamily="18" charset="0"/>
-                        </a:rPr>
-                        <a:t>—</a:t>
-                      </a:r>
-                      <a:r>
-                        <a:rPr lang="zh-CN" altLang="en-US" dirty="0">
-                          <a:latin typeface="Times New Roman" panose="02020603050405020304" pitchFamily="18" charset="0"/>
-                          <a:cs typeface="Times New Roman" panose="02020603050405020304" pitchFamily="18" charset="0"/>
-                        </a:rPr>
-                        <a:t>例题：</a:t>
-                      </a:r>
-                      <a:r>
-                        <a:rPr lang="zh-CN" altLang="en-US" dirty="0"/>
-                        <a:t>某经济社会生产的产品</a:t>
-                      </a:r>
-                      <a:endParaRPr lang="en-US" dirty="0"/>
-                    </a:p>
-                  </a:txBody>
-                  <a:tcPr anchor="ctr">
-                    <a:lnT w="19050" cap="flat" cmpd="sng" algn="ctr">
-                      <a:noFill/>
-                      <a:prstDash val="solid"/>
-                      <a:round/>
-                      <a:headEnd type="none" w="med" len="med"/>
-                      <a:tailEnd type="none" w="med" len="med"/>
-                    </a:lnT>
-                    <a:lnB w="19050" cap="flat" cmpd="sng" algn="ctr">
-                      <a:solidFill>
-                        <a:schemeClr val="tx1"/>
-                      </a:solidFill>
-                      <a:prstDash val="solid"/>
-                      <a:round/>
-                      <a:headEnd type="none" w="med" len="med"/>
-                      <a:tailEnd type="none" w="med" len="med"/>
-                    </a:lnB>
-                  </a:tcPr>
-                </a:tc>
-                <a:tc hMerge="1">
-                  <a:txBody>
-                    <a:bodyPr/>
-                    <a:lstStyle/>
-                    <a:p>
-                      <a:pPr algn="ctr"/>
-                      <a:endParaRPr lang="en-US" dirty="0"/>
-                    </a:p>
-                  </a:txBody>
-                  <a:tcPr anchor="ctr">
-                    <a:lnR w="12700" cap="flat" cmpd="sng" algn="ctr">
-                      <a:solidFill>
-                        <a:schemeClr val="tx1"/>
-                      </a:solidFill>
-                      <a:prstDash val="solid"/>
-                      <a:round/>
-                      <a:headEnd type="none" w="med" len="med"/>
-                      <a:tailEnd type="none" w="med" len="med"/>
-                    </a:lnR>
-                    <a:lnT w="19050" cap="flat" cmpd="sng" algn="ctr">
-                      <a:solidFill>
-                        <a:schemeClr val="tx1"/>
-                      </a:solidFill>
-                      <a:prstDash val="solid"/>
-                      <a:round/>
-                      <a:headEnd type="none" w="med" len="med"/>
-                      <a:tailEnd type="none" w="med" len="med"/>
-                    </a:lnT>
-                    <a:lnB w="19050" cap="flat" cmpd="sng" algn="ctr">
-                      <a:solidFill>
-                        <a:schemeClr val="tx1"/>
-                      </a:solidFill>
-                      <a:prstDash val="solid"/>
-                      <a:round/>
-                      <a:headEnd type="none" w="med" len="med"/>
-                      <a:tailEnd type="none" w="med" len="med"/>
-                    </a:lnB>
-                  </a:tcPr>
-                </a:tc>
-                <a:tc hMerge="1">
-                  <a:txBody>
-                    <a:bodyPr/>
-                    <a:lstStyle/>
-                    <a:p>
-                      <a:endParaRPr lang="en-US"/>
-                    </a:p>
-                  </a:txBody>
-                  <a:tcPr/>
-                </a:tc>
-                <a:tc hMerge="1">
-                  <a:txBody>
-                    <a:bodyPr/>
-                    <a:lstStyle/>
-                    <a:p>
-                      <a:pPr algn="ctr"/>
-                      <a:endParaRPr lang="en-US" dirty="0"/>
-                    </a:p>
-                  </a:txBody>
-                  <a:tcPr anchor="ctr">
-                    <a:lnL w="12700" cap="flat" cmpd="sng" algn="ctr">
-                      <a:solidFill>
-                        <a:schemeClr val="tx1"/>
-                      </a:solidFill>
-                      <a:prstDash val="solid"/>
-                      <a:round/>
-                      <a:headEnd type="none" w="med" len="med"/>
-                      <a:tailEnd type="none" w="med" len="med"/>
-                    </a:lnL>
-                    <a:lnT w="19050" cap="flat" cmpd="sng" algn="ctr">
-                      <a:solidFill>
-                        <a:schemeClr val="tx1"/>
-                      </a:solidFill>
-                      <a:prstDash val="solid"/>
-                      <a:round/>
-                      <a:headEnd type="none" w="med" len="med"/>
-                      <a:tailEnd type="none" w="med" len="med"/>
-                    </a:lnT>
-                    <a:lnB w="19050" cap="flat" cmpd="sng" algn="ctr">
-                      <a:solidFill>
-                        <a:schemeClr val="tx1"/>
-                      </a:solidFill>
-                      <a:prstDash val="solid"/>
-                      <a:round/>
-                      <a:headEnd type="none" w="med" len="med"/>
-                      <a:tailEnd type="none" w="med" len="med"/>
-                    </a:lnB>
-                  </a:tcPr>
-                </a:tc>
-                <a:tc hMerge="1">
-                  <a:txBody>
-                    <a:bodyPr/>
-                    <a:lstStyle/>
-                    <a:p>
-                      <a:endParaRPr lang="en-US"/>
-                    </a:p>
-                  </a:txBody>
-                  <a:tcPr/>
-                </a:tc>
-                <a:extLst>
-                  <a:ext uri="{0D108BD9-81ED-4DB2-BD59-A6C34878D82A}">
-                    <a16:rowId xmlns:a16="http://schemas.microsoft.com/office/drawing/2014/main" val="10000"/>
-                  </a:ext>
-                </a:extLst>
-              </a:tr>
-              <a:tr h="370840">
-                <a:tc rowSpan="2">
-                  <a:txBody>
-                    <a:bodyPr/>
-                    <a:lstStyle/>
-                    <a:p>
-                      <a:pPr algn="ctr"/>
-                      <a:endParaRPr lang="en-US" dirty="0"/>
-                    </a:p>
-                  </a:txBody>
-                  <a:tcPr anchor="ctr">
-                    <a:lnT w="19050" cap="flat" cmpd="sng" algn="ctr">
-                      <a:solidFill>
-                        <a:schemeClr val="tx1"/>
-                      </a:solidFill>
-                      <a:prstDash val="solid"/>
-                      <a:round/>
-                      <a:headEnd type="none" w="med" len="med"/>
-                      <a:tailEnd type="none" w="med" len="med"/>
-                    </a:lnT>
-                    <a:lnB w="12700" cap="flat" cmpd="sng" algn="ctr">
-                      <a:solidFill>
-                        <a:schemeClr val="tx1"/>
-                      </a:solidFill>
-                      <a:prstDash val="solid"/>
-                      <a:round/>
-                      <a:headEnd type="none" w="med" len="med"/>
-                      <a:tailEnd type="none" w="med" len="med"/>
-                    </a:lnB>
-                  </a:tcPr>
-                </a:tc>
-                <a:tc gridSpan="2">
-                  <a:txBody>
-                    <a:bodyPr/>
-                    <a:lstStyle/>
-                    <a:p>
-                      <a:pPr algn="ctr"/>
-                      <a:r>
-                        <a:rPr lang="en-US" altLang="zh-CN" dirty="0">
-                          <a:latin typeface="Times New Roman" panose="02020603050405020304" pitchFamily="18" charset="0"/>
-                          <a:cs typeface="Times New Roman" panose="02020603050405020304" pitchFamily="18" charset="0"/>
-                        </a:rPr>
-                        <a:t>1998</a:t>
-                      </a:r>
-                      <a:r>
-                        <a:rPr lang="zh-CN" altLang="en-US" dirty="0">
-                          <a:latin typeface="Times New Roman" panose="02020603050405020304" pitchFamily="18" charset="0"/>
-                          <a:cs typeface="Times New Roman" panose="02020603050405020304" pitchFamily="18" charset="0"/>
-                        </a:rPr>
-                        <a:t>年</a:t>
-                      </a:r>
-                      <a:endParaRPr lang="en-US" dirty="0">
-                        <a:latin typeface="Times New Roman" panose="02020603050405020304" pitchFamily="18" charset="0"/>
-                        <a:cs typeface="Times New Roman" panose="02020603050405020304" pitchFamily="18" charset="0"/>
-                      </a:endParaRPr>
-                    </a:p>
-                  </a:txBody>
-                  <a:tcPr anchor="ctr">
-                    <a:lnR w="12700" cap="flat" cmpd="sng" algn="ctr">
-                      <a:solidFill>
-                        <a:schemeClr val="tx1"/>
-                      </a:solidFill>
-                      <a:prstDash val="solid"/>
-                      <a:round/>
-                      <a:headEnd type="none" w="med" len="med"/>
-                      <a:tailEnd type="none" w="med" len="med"/>
-                    </a:lnR>
-                    <a:lnT w="19050" cap="flat" cmpd="sng" algn="ctr">
-                      <a:solidFill>
-                        <a:schemeClr val="tx1"/>
-                      </a:solidFill>
-                      <a:prstDash val="solid"/>
-                      <a:round/>
-                      <a:headEnd type="none" w="med" len="med"/>
-                      <a:tailEnd type="none" w="med" len="med"/>
-                    </a:lnT>
-                    <a:lnB w="19050" cap="flat" cmpd="sng" algn="ctr">
-                      <a:solidFill>
-                        <a:schemeClr val="tx1"/>
-                      </a:solidFill>
-                      <a:prstDash val="solid"/>
-                      <a:round/>
-                      <a:headEnd type="none" w="med" len="med"/>
-                      <a:tailEnd type="none" w="med" len="med"/>
-                    </a:lnB>
-                  </a:tcPr>
-                </a:tc>
-                <a:tc hMerge="1">
-                  <a:txBody>
-                    <a:bodyPr/>
-                    <a:lstStyle/>
-                    <a:p>
-                      <a:endParaRPr lang="en-US" dirty="0"/>
-                    </a:p>
-                  </a:txBody>
-                  <a:tcPr/>
-                </a:tc>
-                <a:tc gridSpan="2">
-                  <a:txBody>
-                    <a:bodyPr/>
-                    <a:lstStyle/>
-                    <a:p>
-                      <a:pPr algn="ctr"/>
-                      <a:r>
-                        <a:rPr lang="en-US" altLang="zh-CN" dirty="0">
-                          <a:latin typeface="Times New Roman" panose="02020603050405020304" pitchFamily="18" charset="0"/>
-                          <a:cs typeface="Times New Roman" panose="02020603050405020304" pitchFamily="18" charset="0"/>
-                        </a:rPr>
-                        <a:t>1999</a:t>
-                      </a:r>
-                      <a:r>
-                        <a:rPr lang="zh-CN" altLang="en-US" dirty="0">
-                          <a:latin typeface="Times New Roman" panose="02020603050405020304" pitchFamily="18" charset="0"/>
-                          <a:cs typeface="Times New Roman" panose="02020603050405020304" pitchFamily="18" charset="0"/>
-                        </a:rPr>
-                        <a:t>年</a:t>
-                      </a:r>
-                      <a:endParaRPr lang="en-US" dirty="0">
-                        <a:latin typeface="Times New Roman" panose="02020603050405020304" pitchFamily="18" charset="0"/>
-                        <a:cs typeface="Times New Roman" panose="02020603050405020304" pitchFamily="18" charset="0"/>
-                      </a:endParaRPr>
-                    </a:p>
-                  </a:txBody>
-                  <a:tcPr anchor="ctr">
-                    <a:lnL w="12700" cap="flat" cmpd="sng" algn="ctr">
-                      <a:solidFill>
-                        <a:schemeClr val="tx1"/>
-                      </a:solidFill>
-                      <a:prstDash val="solid"/>
-                      <a:round/>
-                      <a:headEnd type="none" w="med" len="med"/>
-                      <a:tailEnd type="none" w="med" len="med"/>
-                    </a:lnL>
-                    <a:lnT w="19050" cap="flat" cmpd="sng" algn="ctr">
-                      <a:solidFill>
-                        <a:schemeClr val="tx1"/>
-                      </a:solidFill>
-                      <a:prstDash val="solid"/>
-                      <a:round/>
-                      <a:headEnd type="none" w="med" len="med"/>
-                      <a:tailEnd type="none" w="med" len="med"/>
-                    </a:lnT>
-                    <a:lnB w="19050" cap="flat" cmpd="sng" algn="ctr">
-                      <a:solidFill>
-                        <a:schemeClr val="tx1"/>
-                      </a:solidFill>
-                      <a:prstDash val="solid"/>
-                      <a:round/>
-                      <a:headEnd type="none" w="med" len="med"/>
-                      <a:tailEnd type="none" w="med" len="med"/>
-                    </a:lnB>
-                  </a:tcPr>
-                </a:tc>
-                <a:tc hMerge="1">
-                  <a:txBody>
-                    <a:bodyPr/>
-                    <a:lstStyle/>
-                    <a:p>
-                      <a:endParaRPr lang="en-US" dirty="0"/>
-                    </a:p>
-                  </a:txBody>
-                  <a:tcPr/>
-                </a:tc>
-                <a:extLst>
-                  <a:ext uri="{0D108BD9-81ED-4DB2-BD59-A6C34878D82A}">
-                    <a16:rowId xmlns:a16="http://schemas.microsoft.com/office/drawing/2014/main" val="10001"/>
-                  </a:ext>
-                </a:extLst>
-              </a:tr>
-              <a:tr h="370840">
-                <a:tc vMerge="1">
-                  <a:txBody>
-                    <a:bodyPr/>
-                    <a:lstStyle/>
-                    <a:p>
-                      <a:endParaRPr lang="en-US" dirty="0"/>
-                    </a:p>
-                  </a:txBody>
-                  <a:tcPr/>
-                </a:tc>
-                <a:tc>
-                  <a:txBody>
-                    <a:bodyPr/>
-                    <a:lstStyle/>
-                    <a:p>
-                      <a:pPr algn="ctr"/>
-                      <a:r>
-                        <a:rPr lang="zh-CN" altLang="en-US" dirty="0">
-                          <a:latin typeface="Times New Roman" panose="02020603050405020304" pitchFamily="18" charset="0"/>
-                          <a:cs typeface="Times New Roman" panose="02020603050405020304" pitchFamily="18" charset="0"/>
-                        </a:rPr>
-                        <a:t>数量</a:t>
-                      </a:r>
-                      <a:endParaRPr lang="en-US" dirty="0">
-                        <a:latin typeface="Times New Roman" panose="02020603050405020304" pitchFamily="18" charset="0"/>
-                        <a:cs typeface="Times New Roman" panose="02020603050405020304" pitchFamily="18" charset="0"/>
-                      </a:endParaRPr>
-                    </a:p>
-                  </a:txBody>
-                  <a:tcPr anchor="ctr">
-                    <a:lnT w="19050" cap="flat" cmpd="sng" algn="ctr">
-                      <a:solidFill>
-                        <a:schemeClr val="tx1"/>
-                      </a:solidFill>
-                      <a:prstDash val="solid"/>
-                      <a:round/>
-                      <a:headEnd type="none" w="med" len="med"/>
-                      <a:tailEnd type="none" w="med" len="med"/>
-                    </a:lnT>
-                    <a:lnB w="12700" cap="flat" cmpd="sng" algn="ctr">
-                      <a:solidFill>
-                        <a:schemeClr val="tx1"/>
-                      </a:solidFill>
-                      <a:prstDash val="solid"/>
-                      <a:round/>
-                      <a:headEnd type="none" w="med" len="med"/>
-                      <a:tailEnd type="none" w="med" len="med"/>
-                    </a:lnB>
-                  </a:tcPr>
-                </a:tc>
-                <a:tc>
-                  <a:txBody>
-                    <a:bodyPr/>
-                    <a:lstStyle/>
-                    <a:p>
-                      <a:pPr algn="ctr"/>
-                      <a:r>
-                        <a:rPr lang="zh-CN" altLang="en-US" dirty="0">
-                          <a:latin typeface="Times New Roman" panose="02020603050405020304" pitchFamily="18" charset="0"/>
-                          <a:cs typeface="Times New Roman" panose="02020603050405020304" pitchFamily="18" charset="0"/>
-                        </a:rPr>
-                        <a:t>价格</a:t>
-                      </a:r>
-                      <a:endParaRPr lang="en-US" dirty="0">
-                        <a:latin typeface="Times New Roman" panose="02020603050405020304" pitchFamily="18" charset="0"/>
-                        <a:cs typeface="Times New Roman" panose="02020603050405020304" pitchFamily="18" charset="0"/>
-                      </a:endParaRPr>
-                    </a:p>
-                  </a:txBody>
-                  <a:tcPr anchor="ctr">
-                    <a:lnR w="12700" cap="flat" cmpd="sng" algn="ctr">
-                      <a:solidFill>
-                        <a:schemeClr val="tx1"/>
-                      </a:solidFill>
-                      <a:prstDash val="solid"/>
-                      <a:round/>
-                      <a:headEnd type="none" w="med" len="med"/>
-                      <a:tailEnd type="none" w="med" len="med"/>
-                    </a:lnR>
-                    <a:lnT w="19050" cap="flat" cmpd="sng" algn="ctr">
-                      <a:solidFill>
-                        <a:schemeClr val="tx1"/>
-                      </a:solidFill>
-                      <a:prstDash val="solid"/>
-                      <a:round/>
-                      <a:headEnd type="none" w="med" len="med"/>
-                      <a:tailEnd type="none" w="med" len="med"/>
-                    </a:lnT>
-                    <a:lnB w="12700" cap="flat" cmpd="sng" algn="ctr">
-                      <a:solidFill>
-                        <a:schemeClr val="tx1"/>
-                      </a:solidFill>
-                      <a:prstDash val="solid"/>
-                      <a:round/>
-                      <a:headEnd type="none" w="med" len="med"/>
-                      <a:tailEnd type="none" w="med" len="med"/>
-                    </a:lnB>
-                  </a:tcPr>
-                </a:tc>
-                <a:tc>
-                  <a:txBody>
-                    <a:bodyPr/>
-                    <a:lstStyle/>
-                    <a:p>
-                      <a:pPr algn="ctr"/>
-                      <a:r>
-                        <a:rPr lang="zh-CN" altLang="en-US" dirty="0">
-                          <a:latin typeface="Times New Roman" panose="02020603050405020304" pitchFamily="18" charset="0"/>
-                          <a:cs typeface="Times New Roman" panose="02020603050405020304" pitchFamily="18" charset="0"/>
-                        </a:rPr>
-                        <a:t>数量</a:t>
-                      </a:r>
-                      <a:endParaRPr lang="en-US" dirty="0">
-                        <a:latin typeface="Times New Roman" panose="02020603050405020304" pitchFamily="18" charset="0"/>
-                        <a:cs typeface="Times New Roman" panose="02020603050405020304" pitchFamily="18" charset="0"/>
-                      </a:endParaRPr>
-                    </a:p>
-                  </a:txBody>
-                  <a:tcPr anchor="ctr">
-                    <a:lnL w="12700" cap="flat" cmpd="sng" algn="ctr">
-                      <a:solidFill>
-                        <a:schemeClr val="tx1"/>
-                      </a:solidFill>
-                      <a:prstDash val="solid"/>
-                      <a:round/>
-                      <a:headEnd type="none" w="med" len="med"/>
-                      <a:tailEnd type="none" w="med" len="med"/>
-                    </a:lnL>
-                    <a:lnT w="19050" cap="flat" cmpd="sng" algn="ctr">
-                      <a:solidFill>
-                        <a:schemeClr val="tx1"/>
-                      </a:solidFill>
-                      <a:prstDash val="solid"/>
-                      <a:round/>
-                      <a:headEnd type="none" w="med" len="med"/>
-                      <a:tailEnd type="none" w="med" len="med"/>
-                    </a:lnT>
-                    <a:lnB w="12700" cap="flat" cmpd="sng" algn="ctr">
-                      <a:solidFill>
-                        <a:schemeClr val="tx1"/>
-                      </a:solidFill>
-                      <a:prstDash val="solid"/>
-                      <a:round/>
-                      <a:headEnd type="none" w="med" len="med"/>
-                      <a:tailEnd type="none" w="med" len="med"/>
-                    </a:lnB>
-                  </a:tcPr>
-                </a:tc>
-                <a:tc>
-                  <a:txBody>
-                    <a:bodyPr/>
-                    <a:lstStyle/>
-                    <a:p>
-                      <a:pPr algn="ctr"/>
-                      <a:r>
-                        <a:rPr lang="zh-CN" altLang="en-US" dirty="0">
-                          <a:latin typeface="Times New Roman" panose="02020603050405020304" pitchFamily="18" charset="0"/>
-                          <a:cs typeface="Times New Roman" panose="02020603050405020304" pitchFamily="18" charset="0"/>
-                        </a:rPr>
-                        <a:t>价格</a:t>
-                      </a:r>
-                      <a:endParaRPr lang="en-US" dirty="0">
-                        <a:latin typeface="Times New Roman" panose="02020603050405020304" pitchFamily="18" charset="0"/>
-                        <a:cs typeface="Times New Roman" panose="02020603050405020304" pitchFamily="18" charset="0"/>
-                      </a:endParaRPr>
-                    </a:p>
-                  </a:txBody>
-                  <a:tcPr anchor="ctr">
-                    <a:lnT w="19050" cap="flat" cmpd="sng" algn="ctr">
-                      <a:solidFill>
-                        <a:schemeClr val="tx1"/>
-                      </a:solidFill>
-                      <a:prstDash val="solid"/>
-                      <a:round/>
-                      <a:headEnd type="none" w="med" len="med"/>
-                      <a:tailEnd type="none" w="med" len="med"/>
-                    </a:lnT>
-                    <a:lnB w="12700" cap="flat" cmpd="sng" algn="ctr">
-                      <a:solidFill>
-                        <a:schemeClr val="tx1"/>
-                      </a:solidFill>
-                      <a:prstDash val="solid"/>
-                      <a:round/>
-                      <a:headEnd type="none" w="med" len="med"/>
-                      <a:tailEnd type="none" w="med" len="med"/>
-                    </a:lnB>
-                  </a:tcPr>
-                </a:tc>
-                <a:extLst>
-                  <a:ext uri="{0D108BD9-81ED-4DB2-BD59-A6C34878D82A}">
-                    <a16:rowId xmlns:a16="http://schemas.microsoft.com/office/drawing/2014/main" val="10002"/>
-                  </a:ext>
-                </a:extLst>
-              </a:tr>
-              <a:tr h="370840">
-                <a:tc>
-                  <a:txBody>
-                    <a:bodyPr/>
-                    <a:lstStyle/>
-                    <a:p>
-                      <a:pPr algn="ctr"/>
-                      <a:r>
-                        <a:rPr lang="zh-CN" altLang="en-US" dirty="0"/>
-                        <a:t>书本</a:t>
-                      </a:r>
-                      <a:endParaRPr lang="en-US" dirty="0"/>
-                    </a:p>
-                  </a:txBody>
-                  <a:tcPr anchor="ctr">
-                    <a:lnT w="12700" cap="flat" cmpd="sng" algn="ctr">
-                      <a:solidFill>
-                        <a:schemeClr val="tx1"/>
-                      </a:solidFill>
-                      <a:prstDash val="solid"/>
-                      <a:round/>
-                      <a:headEnd type="none" w="med" len="med"/>
-                      <a:tailEnd type="none" w="med" len="med"/>
-                    </a:lnT>
-                  </a:tcPr>
-                </a:tc>
-                <a:tc>
-                  <a:txBody>
-                    <a:bodyPr/>
-                    <a:lstStyle/>
-                    <a:p>
-                      <a:pPr algn="ctr"/>
-                      <a:r>
-                        <a:rPr lang="en-US" altLang="zh-CN" dirty="0">
-                          <a:latin typeface="Times New Roman" panose="02020603050405020304" pitchFamily="18" charset="0"/>
-                          <a:cs typeface="Times New Roman" panose="02020603050405020304" pitchFamily="18" charset="0"/>
-                        </a:rPr>
-                        <a:t>100</a:t>
-                      </a:r>
-                      <a:endParaRPr lang="en-US" dirty="0">
-                        <a:latin typeface="Times New Roman" panose="02020603050405020304" pitchFamily="18" charset="0"/>
-                        <a:cs typeface="Times New Roman" panose="02020603050405020304" pitchFamily="18" charset="0"/>
-                      </a:endParaRPr>
-                    </a:p>
-                  </a:txBody>
-                  <a:tcPr anchor="ctr">
-                    <a:lnT w="12700" cap="flat" cmpd="sng" algn="ctr">
-                      <a:solidFill>
-                        <a:schemeClr val="tx1"/>
-                      </a:solidFill>
-                      <a:prstDash val="solid"/>
-                      <a:round/>
-                      <a:headEnd type="none" w="med" len="med"/>
-                      <a:tailEnd type="none" w="med" len="med"/>
-                    </a:lnT>
-                  </a:tcPr>
-                </a:tc>
-                <a:tc>
-                  <a:txBody>
-                    <a:bodyPr/>
-                    <a:lstStyle/>
-                    <a:p>
-                      <a:pPr algn="ctr"/>
-                      <a:r>
-                        <a:rPr lang="en-US" dirty="0">
-                          <a:latin typeface="Times New Roman" panose="02020603050405020304" pitchFamily="18" charset="0"/>
-                          <a:cs typeface="Times New Roman" panose="02020603050405020304" pitchFamily="18" charset="0"/>
-                        </a:rPr>
-                        <a:t>10</a:t>
-                      </a:r>
-                      <a:r>
-                        <a:rPr lang="zh-CN" altLang="en-US" dirty="0">
-                          <a:latin typeface="Times New Roman" panose="02020603050405020304" pitchFamily="18" charset="0"/>
-                          <a:cs typeface="Times New Roman" panose="02020603050405020304" pitchFamily="18" charset="0"/>
-                        </a:rPr>
-                        <a:t>元</a:t>
-                      </a:r>
-                      <a:endParaRPr lang="en-US" dirty="0">
-                        <a:latin typeface="Times New Roman" panose="02020603050405020304" pitchFamily="18" charset="0"/>
-                        <a:cs typeface="Times New Roman" panose="02020603050405020304" pitchFamily="18" charset="0"/>
-                      </a:endParaRPr>
-                    </a:p>
-                  </a:txBody>
-                  <a:tcPr anchor="ctr">
-                    <a:lnR w="12700" cap="flat" cmpd="sng" algn="ctr">
-                      <a:solidFill>
-                        <a:schemeClr val="tx1"/>
-                      </a:solidFill>
-                      <a:prstDash val="solid"/>
-                      <a:round/>
-                      <a:headEnd type="none" w="med" len="med"/>
-                      <a:tailEnd type="none" w="med" len="med"/>
-                    </a:lnR>
-                    <a:lnT w="12700" cap="flat" cmpd="sng" algn="ctr">
-                      <a:solidFill>
-                        <a:schemeClr val="tx1"/>
-                      </a:solidFill>
-                      <a:prstDash val="solid"/>
-                      <a:round/>
-                      <a:headEnd type="none" w="med" len="med"/>
-                      <a:tailEnd type="none" w="med" len="med"/>
-                    </a:lnT>
-                  </a:tcPr>
-                </a:tc>
-                <a:tc>
-                  <a:txBody>
-                    <a:bodyPr/>
-                    <a:lstStyle/>
-                    <a:p>
-                      <a:pPr algn="ctr"/>
-                      <a:r>
-                        <a:rPr lang="en-US" altLang="zh-CN" dirty="0">
-                          <a:latin typeface="Times New Roman" panose="02020603050405020304" pitchFamily="18" charset="0"/>
-                          <a:cs typeface="Times New Roman" panose="02020603050405020304" pitchFamily="18" charset="0"/>
-                        </a:rPr>
-                        <a:t>110</a:t>
-                      </a:r>
-                      <a:endParaRPr lang="en-US" dirty="0">
-                        <a:latin typeface="Times New Roman" panose="02020603050405020304" pitchFamily="18" charset="0"/>
-                        <a:cs typeface="Times New Roman" panose="02020603050405020304" pitchFamily="18" charset="0"/>
-                      </a:endParaRPr>
-                    </a:p>
-                  </a:txBody>
-                  <a:tcPr anchor="ctr">
-                    <a:lnL w="12700" cap="flat" cmpd="sng" algn="ctr">
-                      <a:solidFill>
-                        <a:schemeClr val="tx1"/>
-                      </a:solidFill>
-                      <a:prstDash val="solid"/>
-                      <a:round/>
-                      <a:headEnd type="none" w="med" len="med"/>
-                      <a:tailEnd type="none" w="med" len="med"/>
-                    </a:lnL>
-                    <a:lnT w="12700" cap="flat" cmpd="sng" algn="ctr">
-                      <a:solidFill>
-                        <a:schemeClr val="tx1"/>
-                      </a:solidFill>
-                      <a:prstDash val="solid"/>
-                      <a:round/>
-                      <a:headEnd type="none" w="med" len="med"/>
-                      <a:tailEnd type="none" w="med" len="med"/>
-                    </a:lnT>
-                  </a:tcPr>
-                </a:tc>
-                <a:tc>
-                  <a:txBody>
-                    <a:bodyPr/>
-                    <a:lstStyle/>
-                    <a:p>
-                      <a:pPr algn="ctr"/>
-                      <a:r>
-                        <a:rPr lang="en-US" altLang="zh-CN" dirty="0">
-                          <a:latin typeface="Times New Roman" panose="02020603050405020304" pitchFamily="18" charset="0"/>
-                          <a:cs typeface="Times New Roman" panose="02020603050405020304" pitchFamily="18" charset="0"/>
-                        </a:rPr>
-                        <a:t>10</a:t>
-                      </a:r>
-                      <a:r>
-                        <a:rPr lang="zh-CN" altLang="en-US" dirty="0">
-                          <a:latin typeface="Times New Roman" panose="02020603050405020304" pitchFamily="18" charset="0"/>
-                          <a:cs typeface="Times New Roman" panose="02020603050405020304" pitchFamily="18" charset="0"/>
-                        </a:rPr>
-                        <a:t>元</a:t>
-                      </a:r>
-                      <a:endParaRPr lang="en-US" dirty="0">
-                        <a:latin typeface="Times New Roman" panose="02020603050405020304" pitchFamily="18" charset="0"/>
-                        <a:cs typeface="Times New Roman" panose="02020603050405020304" pitchFamily="18" charset="0"/>
-                      </a:endParaRPr>
-                    </a:p>
-                  </a:txBody>
-                  <a:tcPr anchor="ctr">
-                    <a:lnT w="12700" cap="flat" cmpd="sng" algn="ctr">
-                      <a:solidFill>
-                        <a:schemeClr val="tx1"/>
-                      </a:solidFill>
-                      <a:prstDash val="solid"/>
-                      <a:round/>
-                      <a:headEnd type="none" w="med" len="med"/>
-                      <a:tailEnd type="none" w="med" len="med"/>
-                    </a:lnT>
-                  </a:tcPr>
-                </a:tc>
-                <a:extLst>
-                  <a:ext uri="{0D108BD9-81ED-4DB2-BD59-A6C34878D82A}">
-                    <a16:rowId xmlns:a16="http://schemas.microsoft.com/office/drawing/2014/main" val="10003"/>
-                  </a:ext>
-                </a:extLst>
-              </a:tr>
-              <a:tr h="370840">
-                <a:tc>
-                  <a:txBody>
-                    <a:bodyPr/>
-                    <a:lstStyle/>
-                    <a:p>
-                      <a:pPr algn="ctr"/>
-                      <a:r>
-                        <a:rPr lang="zh-CN" altLang="en-US" dirty="0"/>
-                        <a:t>面包（条）</a:t>
-                      </a:r>
-                      <a:endParaRPr lang="en-US" dirty="0"/>
-                    </a:p>
-                  </a:txBody>
-                  <a:tcPr anchor="ctr"/>
-                </a:tc>
-                <a:tc>
-                  <a:txBody>
-                    <a:bodyPr/>
-                    <a:lstStyle/>
-                    <a:p>
-                      <a:pPr algn="ctr"/>
-                      <a:r>
-                        <a:rPr lang="en-US" altLang="zh-CN" dirty="0">
-                          <a:latin typeface="Times New Roman" panose="02020603050405020304" pitchFamily="18" charset="0"/>
-                          <a:cs typeface="Times New Roman" panose="02020603050405020304" pitchFamily="18" charset="0"/>
-                        </a:rPr>
-                        <a:t>200</a:t>
-                      </a:r>
-                      <a:endParaRPr lang="en-US" dirty="0">
-                        <a:latin typeface="Times New Roman" panose="02020603050405020304" pitchFamily="18" charset="0"/>
-                        <a:cs typeface="Times New Roman" panose="02020603050405020304" pitchFamily="18" charset="0"/>
-                      </a:endParaRPr>
-                    </a:p>
-                  </a:txBody>
-                  <a:tcPr anchor="ctr"/>
-                </a:tc>
-                <a:tc>
-                  <a:txBody>
-                    <a:bodyPr/>
-                    <a:lstStyle/>
-                    <a:p>
-                      <a:pPr algn="ctr"/>
-                      <a:r>
-                        <a:rPr lang="en-US" altLang="zh-CN" dirty="0">
-                          <a:latin typeface="Times New Roman" panose="02020603050405020304" pitchFamily="18" charset="0"/>
-                          <a:cs typeface="Times New Roman" panose="02020603050405020304" pitchFamily="18" charset="0"/>
-                        </a:rPr>
-                        <a:t>1</a:t>
-                      </a:r>
-                      <a:r>
-                        <a:rPr lang="zh-CN" altLang="en-US" dirty="0">
-                          <a:latin typeface="Times New Roman" panose="02020603050405020304" pitchFamily="18" charset="0"/>
-                          <a:cs typeface="Times New Roman" panose="02020603050405020304" pitchFamily="18" charset="0"/>
-                        </a:rPr>
-                        <a:t>元</a:t>
-                      </a:r>
-                      <a:endParaRPr lang="en-US" dirty="0">
-                        <a:latin typeface="Times New Roman" panose="02020603050405020304" pitchFamily="18" charset="0"/>
-                        <a:cs typeface="Times New Roman" panose="02020603050405020304" pitchFamily="18" charset="0"/>
-                      </a:endParaRPr>
-                    </a:p>
-                  </a:txBody>
-                  <a:tcPr anchor="ctr">
-                    <a:lnR w="12700" cap="flat" cmpd="sng" algn="ctr">
-                      <a:solidFill>
-                        <a:schemeClr val="tx1"/>
-                      </a:solidFill>
-                      <a:prstDash val="solid"/>
-                      <a:round/>
-                      <a:headEnd type="none" w="med" len="med"/>
-                      <a:tailEnd type="none" w="med" len="med"/>
-                    </a:lnR>
-                  </a:tcPr>
-                </a:tc>
-                <a:tc>
-                  <a:txBody>
-                    <a:bodyPr/>
-                    <a:lstStyle/>
-                    <a:p>
-                      <a:pPr algn="ctr"/>
-                      <a:r>
-                        <a:rPr lang="en-US" altLang="zh-CN" dirty="0">
-                          <a:latin typeface="Times New Roman" panose="02020603050405020304" pitchFamily="18" charset="0"/>
-                          <a:cs typeface="Times New Roman" panose="02020603050405020304" pitchFamily="18" charset="0"/>
-                        </a:rPr>
-                        <a:t>200</a:t>
-                      </a:r>
-                      <a:endParaRPr lang="en-US" dirty="0">
-                        <a:latin typeface="Times New Roman" panose="02020603050405020304" pitchFamily="18" charset="0"/>
-                        <a:cs typeface="Times New Roman" panose="02020603050405020304" pitchFamily="18" charset="0"/>
-                      </a:endParaRPr>
-                    </a:p>
-                  </a:txBody>
-                  <a:tcPr anchor="ctr">
-                    <a:lnL w="12700" cap="flat" cmpd="sng" algn="ctr">
-                      <a:solidFill>
-                        <a:schemeClr val="tx1"/>
-                      </a:solidFill>
-                      <a:prstDash val="solid"/>
-                      <a:round/>
-                      <a:headEnd type="none" w="med" len="med"/>
-                      <a:tailEnd type="none" w="med" len="med"/>
-                    </a:lnL>
-                  </a:tcPr>
-                </a:tc>
-                <a:tc>
-                  <a:txBody>
-                    <a:bodyPr/>
-                    <a:lstStyle/>
-                    <a:p>
-                      <a:pPr algn="ctr"/>
-                      <a:r>
-                        <a:rPr lang="en-US" altLang="zh-CN" dirty="0">
-                          <a:latin typeface="Times New Roman" panose="02020603050405020304" pitchFamily="18" charset="0"/>
-                          <a:cs typeface="Times New Roman" panose="02020603050405020304" pitchFamily="18" charset="0"/>
-                        </a:rPr>
-                        <a:t>1.5</a:t>
-                      </a:r>
-                      <a:r>
-                        <a:rPr lang="zh-CN" altLang="en-US" dirty="0">
-                          <a:latin typeface="Times New Roman" panose="02020603050405020304" pitchFamily="18" charset="0"/>
-                          <a:cs typeface="Times New Roman" panose="02020603050405020304" pitchFamily="18" charset="0"/>
-                        </a:rPr>
-                        <a:t>元</a:t>
-                      </a:r>
-                      <a:endParaRPr lang="en-US" dirty="0">
-                        <a:latin typeface="Times New Roman" panose="02020603050405020304" pitchFamily="18" charset="0"/>
-                        <a:cs typeface="Times New Roman" panose="02020603050405020304" pitchFamily="18" charset="0"/>
-                      </a:endParaRPr>
-                    </a:p>
-                  </a:txBody>
-                  <a:tcPr anchor="ctr"/>
-                </a:tc>
-                <a:extLst>
-                  <a:ext uri="{0D108BD9-81ED-4DB2-BD59-A6C34878D82A}">
-                    <a16:rowId xmlns:a16="http://schemas.microsoft.com/office/drawing/2014/main" val="10004"/>
-                  </a:ext>
-                </a:extLst>
-              </a:tr>
-              <a:tr h="370840">
-                <a:tc>
-                  <a:txBody>
-                    <a:bodyPr/>
-                    <a:lstStyle/>
-                    <a:p>
-                      <a:pPr algn="ctr"/>
-                      <a:r>
-                        <a:rPr lang="zh-CN" altLang="en-US" dirty="0"/>
-                        <a:t>菜豆（千克）</a:t>
-                      </a:r>
-                      <a:endParaRPr lang="en-US" dirty="0"/>
-                    </a:p>
-                  </a:txBody>
-                  <a:tcPr anchor="ctr">
-                    <a:lnB w="19050" cap="flat" cmpd="sng" algn="ctr">
-                      <a:solidFill>
-                        <a:schemeClr val="tx1"/>
-                      </a:solidFill>
-                      <a:prstDash val="solid"/>
-                      <a:round/>
-                      <a:headEnd type="none" w="med" len="med"/>
-                      <a:tailEnd type="none" w="med" len="med"/>
-                    </a:lnB>
-                  </a:tcPr>
-                </a:tc>
-                <a:tc>
-                  <a:txBody>
-                    <a:bodyPr/>
-                    <a:lstStyle/>
-                    <a:p>
-                      <a:pPr algn="ctr"/>
-                      <a:r>
-                        <a:rPr lang="en-US" altLang="zh-CN" dirty="0">
-                          <a:latin typeface="Times New Roman" panose="02020603050405020304" pitchFamily="18" charset="0"/>
-                          <a:cs typeface="Times New Roman" panose="02020603050405020304" pitchFamily="18" charset="0"/>
-                        </a:rPr>
-                        <a:t>500</a:t>
-                      </a:r>
-                      <a:endParaRPr lang="en-US" dirty="0">
-                        <a:latin typeface="Times New Roman" panose="02020603050405020304" pitchFamily="18" charset="0"/>
-                        <a:cs typeface="Times New Roman" panose="02020603050405020304" pitchFamily="18" charset="0"/>
-                      </a:endParaRPr>
-                    </a:p>
-                  </a:txBody>
-                  <a:tcPr anchor="ctr">
-                    <a:lnB w="19050" cap="flat" cmpd="sng" algn="ctr">
-                      <a:solidFill>
-                        <a:schemeClr val="tx1"/>
-                      </a:solidFill>
-                      <a:prstDash val="solid"/>
-                      <a:round/>
-                      <a:headEnd type="none" w="med" len="med"/>
-                      <a:tailEnd type="none" w="med" len="med"/>
-                    </a:lnB>
-                  </a:tcPr>
-                </a:tc>
-                <a:tc>
-                  <a:txBody>
-                    <a:bodyPr/>
-                    <a:lstStyle/>
-                    <a:p>
-                      <a:pPr algn="ctr"/>
-                      <a:r>
-                        <a:rPr lang="en-US" altLang="zh-CN" dirty="0">
-                          <a:latin typeface="Times New Roman" panose="02020603050405020304" pitchFamily="18" charset="0"/>
-                          <a:cs typeface="Times New Roman" panose="02020603050405020304" pitchFamily="18" charset="0"/>
-                        </a:rPr>
-                        <a:t>0.5</a:t>
-                      </a:r>
-                      <a:r>
-                        <a:rPr lang="zh-CN" altLang="en-US" dirty="0">
-                          <a:latin typeface="Times New Roman" panose="02020603050405020304" pitchFamily="18" charset="0"/>
-                          <a:cs typeface="Times New Roman" panose="02020603050405020304" pitchFamily="18" charset="0"/>
-                        </a:rPr>
-                        <a:t>元</a:t>
-                      </a:r>
-                      <a:endParaRPr lang="en-US" dirty="0">
-                        <a:latin typeface="Times New Roman" panose="02020603050405020304" pitchFamily="18" charset="0"/>
-                        <a:cs typeface="Times New Roman" panose="02020603050405020304" pitchFamily="18" charset="0"/>
-                      </a:endParaRPr>
-                    </a:p>
-                  </a:txBody>
-                  <a:tcPr anchor="ctr">
-                    <a:lnR w="12700" cap="flat" cmpd="sng" algn="ctr">
-                      <a:solidFill>
-                        <a:schemeClr val="tx1"/>
-                      </a:solidFill>
-                      <a:prstDash val="solid"/>
-                      <a:round/>
-                      <a:headEnd type="none" w="med" len="med"/>
-                      <a:tailEnd type="none" w="med" len="med"/>
-                    </a:lnR>
-                    <a:lnB w="19050" cap="flat" cmpd="sng" algn="ctr">
-                      <a:solidFill>
-                        <a:schemeClr val="tx1"/>
-                      </a:solidFill>
-                      <a:prstDash val="solid"/>
-                      <a:round/>
-                      <a:headEnd type="none" w="med" len="med"/>
-                      <a:tailEnd type="none" w="med" len="med"/>
-                    </a:lnB>
-                  </a:tcPr>
-                </a:tc>
-                <a:tc>
-                  <a:txBody>
-                    <a:bodyPr/>
-                    <a:lstStyle/>
-                    <a:p>
-                      <a:pPr algn="ctr"/>
-                      <a:r>
-                        <a:rPr lang="en-US" altLang="zh-CN" dirty="0">
-                          <a:latin typeface="Times New Roman" panose="02020603050405020304" pitchFamily="18" charset="0"/>
-                          <a:cs typeface="Times New Roman" panose="02020603050405020304" pitchFamily="18" charset="0"/>
-                        </a:rPr>
-                        <a:t>450</a:t>
-                      </a:r>
-                      <a:endParaRPr lang="en-US" dirty="0">
-                        <a:latin typeface="Times New Roman" panose="02020603050405020304" pitchFamily="18" charset="0"/>
-                        <a:cs typeface="Times New Roman" panose="02020603050405020304" pitchFamily="18" charset="0"/>
-                      </a:endParaRPr>
-                    </a:p>
-                  </a:txBody>
-                  <a:tcPr anchor="ctr">
-                    <a:lnL w="12700" cap="flat" cmpd="sng" algn="ctr">
-                      <a:solidFill>
-                        <a:schemeClr val="tx1"/>
-                      </a:solidFill>
-                      <a:prstDash val="solid"/>
-                      <a:round/>
-                      <a:headEnd type="none" w="med" len="med"/>
-                      <a:tailEnd type="none" w="med" len="med"/>
-                    </a:lnL>
-                    <a:lnB w="19050" cap="flat" cmpd="sng" algn="ctr">
-                      <a:solidFill>
-                        <a:schemeClr val="tx1"/>
-                      </a:solidFill>
-                      <a:prstDash val="solid"/>
-                      <a:round/>
-                      <a:headEnd type="none" w="med" len="med"/>
-                      <a:tailEnd type="none" w="med" len="med"/>
-                    </a:lnB>
-                  </a:tcPr>
-                </a:tc>
-                <a:tc>
-                  <a:txBody>
-                    <a:bodyPr/>
-                    <a:lstStyle/>
-                    <a:p>
-                      <a:pPr algn="ctr"/>
-                      <a:r>
-                        <a:rPr lang="en-US" altLang="zh-CN" dirty="0">
-                          <a:latin typeface="Times New Roman" panose="02020603050405020304" pitchFamily="18" charset="0"/>
-                          <a:cs typeface="Times New Roman" panose="02020603050405020304" pitchFamily="18" charset="0"/>
-                        </a:rPr>
-                        <a:t>1</a:t>
-                      </a:r>
-                      <a:r>
-                        <a:rPr lang="zh-CN" altLang="en-US" dirty="0">
-                          <a:latin typeface="Times New Roman" panose="02020603050405020304" pitchFamily="18" charset="0"/>
-                          <a:cs typeface="Times New Roman" panose="02020603050405020304" pitchFamily="18" charset="0"/>
-                        </a:rPr>
-                        <a:t>元</a:t>
-                      </a:r>
-                      <a:endParaRPr lang="en-US" dirty="0">
-                        <a:latin typeface="Times New Roman" panose="02020603050405020304" pitchFamily="18" charset="0"/>
-                        <a:cs typeface="Times New Roman" panose="02020603050405020304" pitchFamily="18" charset="0"/>
-                      </a:endParaRPr>
-                    </a:p>
-                  </a:txBody>
-                  <a:tcPr anchor="ctr">
-                    <a:lnB w="19050" cap="flat" cmpd="sng" algn="ctr">
-                      <a:solidFill>
-                        <a:schemeClr val="tx1"/>
-                      </a:solidFill>
-                      <a:prstDash val="solid"/>
-                      <a:round/>
-                      <a:headEnd type="none" w="med" len="med"/>
-                      <a:tailEnd type="none" w="med" len="med"/>
-                    </a:lnB>
-                  </a:tcPr>
-                </a:tc>
-                <a:extLst>
-                  <a:ext uri="{0D108BD9-81ED-4DB2-BD59-A6C34878D82A}">
-                    <a16:rowId xmlns:a16="http://schemas.microsoft.com/office/drawing/2014/main" val="10005"/>
-                  </a:ext>
-                </a:extLst>
-              </a:tr>
-            </a:tbl>
-          </a:graphicData>
-        </a:graphic>
-      </p:graphicFrame>
-      <p:sp>
-        <p:nvSpPr>
-          <p:cNvPr id="10" name="TextBox 9"/>
-          <p:cNvSpPr txBox="1"/>
-          <p:nvPr/>
-        </p:nvSpPr>
-        <p:spPr>
-          <a:xfrm>
-            <a:off x="0" y="2936974"/>
-            <a:ext cx="9144000" cy="1954381"/>
-          </a:xfrm>
-          <a:prstGeom prst="rect">
-            <a:avLst/>
-          </a:prstGeom>
-          <a:noFill/>
-        </p:spPr>
-        <p:txBody>
-          <a:bodyPr wrap="square" rtlCol="0">
-            <a:spAutoFit/>
-          </a:bodyPr>
-          <a:lstStyle/>
-          <a:p>
-            <a:pPr marL="457200" indent="-342900">
-              <a:spcBef>
-                <a:spcPts val="600"/>
-              </a:spcBef>
-              <a:buFont typeface="+mj-lt"/>
-              <a:buAutoNum type="arabicPeriod"/>
-            </a:pPr>
-            <a:r>
-              <a:rPr lang="en-US" altLang="zh-CN" sz="1600" dirty="0">
-                <a:latin typeface="Times New Roman" panose="02020603050405020304" pitchFamily="18" charset="0"/>
-                <a:cs typeface="Times New Roman" panose="02020603050405020304" pitchFamily="18" charset="0"/>
-              </a:rPr>
-              <a:t>1998</a:t>
-            </a:r>
-            <a:r>
-              <a:rPr lang="zh-CN" altLang="en-US" sz="1600" dirty="0">
-                <a:latin typeface="Times New Roman" panose="02020603050405020304" pitchFamily="18" charset="0"/>
-                <a:cs typeface="Times New Roman" panose="02020603050405020304" pitchFamily="18" charset="0"/>
-              </a:rPr>
-              <a:t>年的名义</a:t>
-            </a:r>
-            <a:r>
-              <a:rPr lang="en-US" altLang="zh-CN" sz="1600" dirty="0">
-                <a:latin typeface="Times New Roman" panose="02020603050405020304" pitchFamily="18" charset="0"/>
-                <a:cs typeface="Times New Roman" panose="02020603050405020304" pitchFamily="18" charset="0"/>
-              </a:rPr>
-              <a:t> GDP </a:t>
-            </a:r>
-            <a:r>
-              <a:rPr lang="zh-CN" altLang="en-US" sz="1600" dirty="0">
-                <a:latin typeface="Times New Roman" panose="02020603050405020304" pitchFamily="18" charset="0"/>
-                <a:cs typeface="Times New Roman" panose="02020603050405020304" pitchFamily="18" charset="0"/>
-              </a:rPr>
-              <a:t>是 </a:t>
-            </a:r>
-            <a:r>
-              <a:rPr lang="en-US" altLang="zh-CN" sz="1600" dirty="0">
-                <a:latin typeface="Times New Roman" panose="02020603050405020304" pitchFamily="18" charset="0"/>
-                <a:cs typeface="Times New Roman" panose="02020603050405020304" pitchFamily="18" charset="0"/>
-              </a:rPr>
-              <a:t>1450</a:t>
-            </a:r>
-            <a:r>
-              <a:rPr lang="zh-CN" altLang="en-US" sz="1600" dirty="0">
-                <a:latin typeface="Times New Roman" panose="02020603050405020304" pitchFamily="18" charset="0"/>
-                <a:cs typeface="Times New Roman" panose="02020603050405020304" pitchFamily="18" charset="0"/>
-              </a:rPr>
-              <a:t>元</a:t>
-            </a:r>
-            <a:endParaRPr lang="en-US" altLang="zh-CN" sz="1600" dirty="0">
-              <a:latin typeface="Times New Roman" panose="02020603050405020304" pitchFamily="18" charset="0"/>
-              <a:cs typeface="Times New Roman" panose="02020603050405020304" pitchFamily="18" charset="0"/>
-            </a:endParaRPr>
-          </a:p>
-          <a:p>
-            <a:pPr marL="457200" indent="-342900">
-              <a:spcBef>
-                <a:spcPts val="600"/>
-              </a:spcBef>
-              <a:buFont typeface="+mj-lt"/>
-              <a:buAutoNum type="arabicPeriod"/>
-            </a:pPr>
-            <a:r>
-              <a:rPr lang="en-US" altLang="zh-CN" sz="1600" dirty="0">
-                <a:latin typeface="Times New Roman" panose="02020603050405020304" pitchFamily="18" charset="0"/>
-                <a:cs typeface="Times New Roman" panose="02020603050405020304" pitchFamily="18" charset="0"/>
-              </a:rPr>
-              <a:t>1999</a:t>
-            </a:r>
-            <a:r>
-              <a:rPr lang="zh-CN" altLang="en-US" sz="1600" dirty="0">
-                <a:latin typeface="Times New Roman" panose="02020603050405020304" pitchFamily="18" charset="0"/>
-                <a:cs typeface="Times New Roman" panose="02020603050405020304" pitchFamily="18" charset="0"/>
-              </a:rPr>
-              <a:t>年的名义 </a:t>
-            </a:r>
-            <a:r>
-              <a:rPr lang="en-US" altLang="zh-CN" sz="1600" dirty="0">
-                <a:latin typeface="Times New Roman" panose="02020603050405020304" pitchFamily="18" charset="0"/>
-                <a:cs typeface="Times New Roman" panose="02020603050405020304" pitchFamily="18" charset="0"/>
-              </a:rPr>
-              <a:t>GDP </a:t>
-            </a:r>
-            <a:r>
-              <a:rPr lang="zh-CN" altLang="en-US" sz="1600" dirty="0">
-                <a:latin typeface="Times New Roman" panose="02020603050405020304" pitchFamily="18" charset="0"/>
-                <a:cs typeface="Times New Roman" panose="02020603050405020304" pitchFamily="18" charset="0"/>
-              </a:rPr>
-              <a:t>是 </a:t>
-            </a:r>
-            <a:r>
-              <a:rPr lang="en-US" altLang="zh-CN" sz="1600" dirty="0">
-                <a:latin typeface="Times New Roman" panose="02020603050405020304" pitchFamily="18" charset="0"/>
-                <a:cs typeface="Times New Roman" panose="02020603050405020304" pitchFamily="18" charset="0"/>
-              </a:rPr>
-              <a:t>1850</a:t>
-            </a:r>
-            <a:r>
-              <a:rPr lang="zh-CN" altLang="en-US" sz="1600" dirty="0">
-                <a:latin typeface="Times New Roman" panose="02020603050405020304" pitchFamily="18" charset="0"/>
-                <a:cs typeface="Times New Roman" panose="02020603050405020304" pitchFamily="18" charset="0"/>
-              </a:rPr>
-              <a:t>元</a:t>
-            </a:r>
-            <a:endParaRPr lang="en-US" altLang="zh-CN" sz="1600" dirty="0">
-              <a:latin typeface="Times New Roman" panose="02020603050405020304" pitchFamily="18" charset="0"/>
-              <a:cs typeface="Times New Roman" panose="02020603050405020304" pitchFamily="18" charset="0"/>
-            </a:endParaRPr>
-          </a:p>
-          <a:p>
-            <a:pPr marL="457200" indent="-342900">
-              <a:spcBef>
-                <a:spcPts val="600"/>
-              </a:spcBef>
-              <a:buFont typeface="+mj-lt"/>
-              <a:buAutoNum type="arabicPeriod"/>
-            </a:pPr>
-            <a:r>
-              <a:rPr lang="zh-CN" altLang="en-US" sz="1600" dirty="0">
-                <a:latin typeface="Times New Roman" panose="02020603050405020304" pitchFamily="18" charset="0"/>
-                <a:cs typeface="Times New Roman" panose="02020603050405020304" pitchFamily="18" charset="0"/>
-              </a:rPr>
-              <a:t>以</a:t>
-            </a:r>
-            <a:r>
-              <a:rPr lang="en-US" altLang="zh-CN" sz="1600" dirty="0">
-                <a:latin typeface="Times New Roman" panose="02020603050405020304" pitchFamily="18" charset="0"/>
-                <a:cs typeface="Times New Roman" panose="02020603050405020304" pitchFamily="18" charset="0"/>
-              </a:rPr>
-              <a:t>1998</a:t>
-            </a:r>
-            <a:r>
-              <a:rPr lang="zh-CN" altLang="en-US" sz="1600" dirty="0">
-                <a:latin typeface="Times New Roman" panose="02020603050405020304" pitchFamily="18" charset="0"/>
-                <a:cs typeface="Times New Roman" panose="02020603050405020304" pitchFamily="18" charset="0"/>
-              </a:rPr>
-              <a:t>年为基期，</a:t>
-            </a:r>
-            <a:r>
-              <a:rPr lang="en-US" altLang="zh-CN" sz="1600" dirty="0">
-                <a:latin typeface="Times New Roman" panose="02020603050405020304" pitchFamily="18" charset="0"/>
-                <a:cs typeface="Times New Roman" panose="02020603050405020304" pitchFamily="18" charset="0"/>
-              </a:rPr>
-              <a:t>1998</a:t>
-            </a:r>
-            <a:r>
-              <a:rPr lang="zh-CN" altLang="en-US" sz="1600" dirty="0">
-                <a:latin typeface="Times New Roman" panose="02020603050405020304" pitchFamily="18" charset="0"/>
-                <a:cs typeface="Times New Roman" panose="02020603050405020304" pitchFamily="18" charset="0"/>
-              </a:rPr>
-              <a:t>年的实际 </a:t>
-            </a:r>
-            <a:r>
-              <a:rPr lang="en-US" altLang="zh-CN" sz="1600" dirty="0">
-                <a:latin typeface="Times New Roman" panose="02020603050405020304" pitchFamily="18" charset="0"/>
-                <a:cs typeface="Times New Roman" panose="02020603050405020304" pitchFamily="18" charset="0"/>
-              </a:rPr>
-              <a:t>GDP </a:t>
-            </a:r>
-            <a:r>
-              <a:rPr lang="zh-CN" altLang="en-US" sz="1600" dirty="0">
-                <a:latin typeface="Times New Roman" panose="02020603050405020304" pitchFamily="18" charset="0"/>
-                <a:cs typeface="Times New Roman" panose="02020603050405020304" pitchFamily="18" charset="0"/>
-              </a:rPr>
-              <a:t>是</a:t>
-            </a:r>
-            <a:r>
-              <a:rPr lang="en-US" altLang="zh-CN" sz="1600" dirty="0">
-                <a:latin typeface="Times New Roman" panose="02020603050405020304" pitchFamily="18" charset="0"/>
-                <a:cs typeface="Times New Roman" panose="02020603050405020304" pitchFamily="18" charset="0"/>
-              </a:rPr>
-              <a:t>1450</a:t>
-            </a:r>
-            <a:r>
-              <a:rPr lang="zh-CN" altLang="en-US" sz="1600" dirty="0">
-                <a:latin typeface="Times New Roman" panose="02020603050405020304" pitchFamily="18" charset="0"/>
-                <a:cs typeface="Times New Roman" panose="02020603050405020304" pitchFamily="18" charset="0"/>
-              </a:rPr>
-              <a:t>元，</a:t>
-            </a:r>
-            <a:r>
-              <a:rPr lang="en-US" altLang="zh-CN" sz="1600" dirty="0">
-                <a:latin typeface="Times New Roman" panose="02020603050405020304" pitchFamily="18" charset="0"/>
-                <a:cs typeface="Times New Roman" panose="02020603050405020304" pitchFamily="18" charset="0"/>
-              </a:rPr>
-              <a:t>1999</a:t>
-            </a:r>
-            <a:r>
-              <a:rPr lang="zh-CN" altLang="en-US" sz="1600" dirty="0">
-                <a:latin typeface="Times New Roman" panose="02020603050405020304" pitchFamily="18" charset="0"/>
-                <a:cs typeface="Times New Roman" panose="02020603050405020304" pitchFamily="18" charset="0"/>
-              </a:rPr>
-              <a:t>年的实际</a:t>
-            </a:r>
-            <a:r>
-              <a:rPr lang="en-US" altLang="zh-CN" sz="1600" dirty="0">
-                <a:latin typeface="Times New Roman" panose="02020603050405020304" pitchFamily="18" charset="0"/>
-                <a:cs typeface="Times New Roman" panose="02020603050405020304" pitchFamily="18" charset="0"/>
-              </a:rPr>
-              <a:t>GDP </a:t>
-            </a:r>
-            <a:r>
-              <a:rPr lang="zh-CN" altLang="en-US" sz="1600" dirty="0">
-                <a:latin typeface="Times New Roman" panose="02020603050405020304" pitchFamily="18" charset="0"/>
-                <a:cs typeface="Times New Roman" panose="02020603050405020304" pitchFamily="18" charset="0"/>
-              </a:rPr>
-              <a:t>是</a:t>
-            </a:r>
-            <a:r>
-              <a:rPr lang="en-US" altLang="zh-CN" sz="1600" dirty="0">
-                <a:latin typeface="Times New Roman" panose="02020603050405020304" pitchFamily="18" charset="0"/>
-                <a:cs typeface="Times New Roman" panose="02020603050405020304" pitchFamily="18" charset="0"/>
-              </a:rPr>
-              <a:t>1525</a:t>
-            </a:r>
-            <a:r>
-              <a:rPr lang="zh-CN" altLang="en-US" sz="1600" dirty="0">
-                <a:latin typeface="Times New Roman" panose="02020603050405020304" pitchFamily="18" charset="0"/>
-                <a:cs typeface="Times New Roman" panose="02020603050405020304" pitchFamily="18" charset="0"/>
-              </a:rPr>
-              <a:t>元，增长大约 </a:t>
-            </a:r>
-            <a:r>
-              <a:rPr lang="en-US" altLang="zh-CN" sz="1600" dirty="0">
-                <a:latin typeface="Times New Roman" panose="02020603050405020304" pitchFamily="18" charset="0"/>
-                <a:cs typeface="Times New Roman" panose="02020603050405020304" pitchFamily="18" charset="0"/>
-              </a:rPr>
-              <a:t>5.2%</a:t>
-            </a:r>
-          </a:p>
-          <a:p>
-            <a:pPr marL="457200" indent="-342900">
-              <a:spcBef>
-                <a:spcPts val="600"/>
-              </a:spcBef>
-              <a:buFont typeface="+mj-lt"/>
-              <a:buAutoNum type="arabicPeriod"/>
-            </a:pPr>
-            <a:r>
-              <a:rPr lang="zh-CN" altLang="en-US" sz="1600" dirty="0">
-                <a:latin typeface="Times New Roman" panose="02020603050405020304" pitchFamily="18" charset="0"/>
-                <a:cs typeface="Times New Roman" panose="02020603050405020304" pitchFamily="18" charset="0"/>
-              </a:rPr>
-              <a:t>以</a:t>
-            </a:r>
-            <a:r>
-              <a:rPr lang="en-US" altLang="zh-CN" sz="1600" dirty="0">
-                <a:latin typeface="Times New Roman" panose="02020603050405020304" pitchFamily="18" charset="0"/>
-                <a:cs typeface="Times New Roman" panose="02020603050405020304" pitchFamily="18" charset="0"/>
-              </a:rPr>
-              <a:t>1999</a:t>
-            </a:r>
-            <a:r>
-              <a:rPr lang="zh-CN" altLang="en-US" sz="1600" dirty="0">
-                <a:latin typeface="Times New Roman" panose="02020603050405020304" pitchFamily="18" charset="0"/>
-                <a:cs typeface="Times New Roman" panose="02020603050405020304" pitchFamily="18" charset="0"/>
-              </a:rPr>
-              <a:t>年为基期，</a:t>
-            </a:r>
-            <a:r>
-              <a:rPr lang="en-US" altLang="zh-CN" sz="1600" dirty="0">
-                <a:latin typeface="Times New Roman" panose="02020603050405020304" pitchFamily="18" charset="0"/>
-                <a:cs typeface="Times New Roman" panose="02020603050405020304" pitchFamily="18" charset="0"/>
-              </a:rPr>
-              <a:t>1998</a:t>
-            </a:r>
-            <a:r>
-              <a:rPr lang="zh-CN" altLang="en-US" sz="1600" dirty="0">
-                <a:latin typeface="Times New Roman" panose="02020603050405020304" pitchFamily="18" charset="0"/>
-                <a:cs typeface="Times New Roman" panose="02020603050405020304" pitchFamily="18" charset="0"/>
-              </a:rPr>
-              <a:t>年的实际 </a:t>
-            </a:r>
-            <a:r>
-              <a:rPr lang="en-US" altLang="zh-CN" sz="1600" dirty="0">
-                <a:latin typeface="Times New Roman" panose="02020603050405020304" pitchFamily="18" charset="0"/>
-                <a:cs typeface="Times New Roman" panose="02020603050405020304" pitchFamily="18" charset="0"/>
-              </a:rPr>
-              <a:t>GDP </a:t>
-            </a:r>
-            <a:r>
-              <a:rPr lang="zh-CN" altLang="en-US" sz="1600" dirty="0">
-                <a:latin typeface="Times New Roman" panose="02020603050405020304" pitchFamily="18" charset="0"/>
-                <a:cs typeface="Times New Roman" panose="02020603050405020304" pitchFamily="18" charset="0"/>
-              </a:rPr>
-              <a:t>是</a:t>
-            </a:r>
-            <a:r>
-              <a:rPr lang="en-US" altLang="zh-CN" sz="1600" dirty="0">
-                <a:latin typeface="Times New Roman" panose="02020603050405020304" pitchFamily="18" charset="0"/>
-                <a:cs typeface="Times New Roman" panose="02020603050405020304" pitchFamily="18" charset="0"/>
-              </a:rPr>
-              <a:t>1800</a:t>
-            </a:r>
-            <a:r>
-              <a:rPr lang="zh-CN" altLang="en-US" sz="1600" dirty="0">
-                <a:latin typeface="Times New Roman" panose="02020603050405020304" pitchFamily="18" charset="0"/>
-                <a:cs typeface="Times New Roman" panose="02020603050405020304" pitchFamily="18" charset="0"/>
-              </a:rPr>
-              <a:t>元，</a:t>
-            </a:r>
-            <a:r>
-              <a:rPr lang="en-US" altLang="zh-CN" sz="1600" dirty="0">
-                <a:latin typeface="Times New Roman" panose="02020603050405020304" pitchFamily="18" charset="0"/>
-                <a:cs typeface="Times New Roman" panose="02020603050405020304" pitchFamily="18" charset="0"/>
-              </a:rPr>
-              <a:t>1999</a:t>
-            </a:r>
-            <a:r>
-              <a:rPr lang="zh-CN" altLang="en-US" sz="1600" dirty="0">
-                <a:latin typeface="Times New Roman" panose="02020603050405020304" pitchFamily="18" charset="0"/>
-                <a:cs typeface="Times New Roman" panose="02020603050405020304" pitchFamily="18" charset="0"/>
-              </a:rPr>
-              <a:t>年的实际</a:t>
-            </a:r>
-            <a:r>
-              <a:rPr lang="en-US" altLang="zh-CN" sz="1600" dirty="0">
-                <a:latin typeface="Times New Roman" panose="02020603050405020304" pitchFamily="18" charset="0"/>
-                <a:cs typeface="Times New Roman" panose="02020603050405020304" pitchFamily="18" charset="0"/>
-              </a:rPr>
-              <a:t>GDP </a:t>
-            </a:r>
-            <a:r>
-              <a:rPr lang="zh-CN" altLang="en-US" sz="1600" dirty="0">
-                <a:latin typeface="Times New Roman" panose="02020603050405020304" pitchFamily="18" charset="0"/>
-                <a:cs typeface="Times New Roman" panose="02020603050405020304" pitchFamily="18" charset="0"/>
-              </a:rPr>
-              <a:t>是</a:t>
-            </a:r>
-            <a:r>
-              <a:rPr lang="en-US" altLang="zh-CN" sz="1600" dirty="0">
-                <a:latin typeface="Times New Roman" panose="02020603050405020304" pitchFamily="18" charset="0"/>
-                <a:cs typeface="Times New Roman" panose="02020603050405020304" pitchFamily="18" charset="0"/>
-              </a:rPr>
-              <a:t>1850</a:t>
-            </a:r>
-            <a:r>
-              <a:rPr lang="zh-CN" altLang="en-US" sz="1600" dirty="0">
-                <a:latin typeface="Times New Roman" panose="02020603050405020304" pitchFamily="18" charset="0"/>
-                <a:cs typeface="Times New Roman" panose="02020603050405020304" pitchFamily="18" charset="0"/>
-              </a:rPr>
-              <a:t>元，增长大约 </a:t>
-            </a:r>
-            <a:r>
-              <a:rPr lang="en-US" altLang="zh-CN" sz="1600" dirty="0">
-                <a:latin typeface="Times New Roman" panose="02020603050405020304" pitchFamily="18" charset="0"/>
-                <a:cs typeface="Times New Roman" panose="02020603050405020304" pitchFamily="18" charset="0"/>
-              </a:rPr>
-              <a:t>2.8%</a:t>
-            </a:r>
-          </a:p>
-          <a:p>
-            <a:pPr marL="457200" indent="-342900">
-              <a:spcBef>
-                <a:spcPts val="600"/>
-              </a:spcBef>
-              <a:buFont typeface="+mj-lt"/>
-              <a:buAutoNum type="arabicPeriod"/>
-            </a:pPr>
-            <a:r>
-              <a:rPr lang="zh-CN" altLang="en-US" sz="1600" dirty="0">
-                <a:latin typeface="Times New Roman" panose="02020603050405020304" pitchFamily="18" charset="0"/>
-                <a:cs typeface="Times New Roman" panose="02020603050405020304" pitchFamily="18" charset="0"/>
-              </a:rPr>
-              <a:t>以</a:t>
-            </a:r>
-            <a:r>
-              <a:rPr lang="en-US" altLang="zh-CN" sz="1600" dirty="0">
-                <a:latin typeface="Times New Roman" panose="02020603050405020304" pitchFamily="18" charset="0"/>
-                <a:cs typeface="Times New Roman" panose="02020603050405020304" pitchFamily="18" charset="0"/>
-              </a:rPr>
-              <a:t>1998</a:t>
-            </a:r>
-            <a:r>
-              <a:rPr lang="zh-CN" altLang="en-US" sz="1600" dirty="0">
-                <a:latin typeface="Times New Roman" panose="02020603050405020304" pitchFamily="18" charset="0"/>
-                <a:cs typeface="Times New Roman" panose="02020603050405020304" pitchFamily="18" charset="0"/>
-              </a:rPr>
-              <a:t>年为基期，</a:t>
-            </a:r>
-            <a:r>
-              <a:rPr lang="en-US" altLang="zh-CN" sz="1600" dirty="0">
-                <a:latin typeface="Times New Roman" panose="02020603050405020304" pitchFamily="18" charset="0"/>
-                <a:cs typeface="Times New Roman" panose="02020603050405020304" pitchFamily="18" charset="0"/>
-              </a:rPr>
-              <a:t>1998</a:t>
-            </a:r>
-            <a:r>
-              <a:rPr lang="zh-CN" altLang="en-US" sz="1600" dirty="0">
-                <a:latin typeface="Times New Roman" panose="02020603050405020304" pitchFamily="18" charset="0"/>
-                <a:cs typeface="Times New Roman" panose="02020603050405020304" pitchFamily="18" charset="0"/>
-              </a:rPr>
-              <a:t>年的 </a:t>
-            </a:r>
-            <a:r>
-              <a:rPr lang="en-US" altLang="zh-CN" sz="1600" dirty="0">
-                <a:latin typeface="Times New Roman" panose="02020603050405020304" pitchFamily="18" charset="0"/>
-                <a:cs typeface="Times New Roman" panose="02020603050405020304" pitchFamily="18" charset="0"/>
-              </a:rPr>
-              <a:t>GDP </a:t>
-            </a:r>
-            <a:r>
-              <a:rPr lang="zh-CN" altLang="en-US" sz="1600" dirty="0">
-                <a:latin typeface="Times New Roman" panose="02020603050405020304" pitchFamily="18" charset="0"/>
-                <a:cs typeface="Times New Roman" panose="02020603050405020304" pitchFamily="18" charset="0"/>
-              </a:rPr>
-              <a:t>平减指数 </a:t>
-            </a:r>
-            <a:r>
-              <a:rPr lang="en-US" altLang="zh-CN" sz="1600" dirty="0">
-                <a:latin typeface="Times New Roman" panose="02020603050405020304" pitchFamily="18" charset="0"/>
-                <a:cs typeface="Times New Roman" panose="02020603050405020304" pitchFamily="18" charset="0"/>
-              </a:rPr>
-              <a:t>= </a:t>
-            </a:r>
-            <a:r>
-              <a:rPr lang="zh-CN" altLang="en-US" sz="1600" dirty="0">
-                <a:latin typeface="Times New Roman" panose="02020603050405020304" pitchFamily="18" charset="0"/>
-                <a:cs typeface="Times New Roman" panose="02020603050405020304" pitchFamily="18" charset="0"/>
-              </a:rPr>
-              <a:t> </a:t>
-            </a:r>
-            <a:r>
-              <a:rPr lang="en-US" altLang="zh-CN" sz="1600" dirty="0">
-                <a:latin typeface="Times New Roman" panose="02020603050405020304" pitchFamily="18" charset="0"/>
-                <a:cs typeface="Times New Roman" panose="02020603050405020304" pitchFamily="18" charset="0"/>
-              </a:rPr>
-              <a:t>1450/1450×100 = 100</a:t>
-            </a:r>
-          </a:p>
-          <a:p>
-            <a:pPr marL="457200" indent="-342900">
-              <a:spcBef>
-                <a:spcPts val="600"/>
-              </a:spcBef>
-              <a:buFont typeface="+mj-lt"/>
-              <a:buAutoNum type="arabicPeriod"/>
-            </a:pPr>
-            <a:r>
-              <a:rPr lang="zh-CN" altLang="en-US" sz="1600" dirty="0">
-                <a:solidFill>
-                  <a:schemeClr val="bg1"/>
-                </a:solidFill>
-                <a:latin typeface="Times New Roman" panose="02020603050405020304" pitchFamily="18" charset="0"/>
-                <a:cs typeface="Times New Roman" panose="02020603050405020304" pitchFamily="18" charset="0"/>
-              </a:rPr>
-              <a:t>以</a:t>
-            </a:r>
-            <a:r>
-              <a:rPr lang="en-US" altLang="zh-CN" sz="1600" dirty="0">
-                <a:solidFill>
-                  <a:schemeClr val="bg1"/>
-                </a:solidFill>
-                <a:latin typeface="Times New Roman" panose="02020603050405020304" pitchFamily="18" charset="0"/>
-                <a:cs typeface="Times New Roman" panose="02020603050405020304" pitchFamily="18" charset="0"/>
-              </a:rPr>
-              <a:t>1998</a:t>
-            </a:r>
-            <a:r>
-              <a:rPr lang="zh-CN" altLang="en-US" sz="1600" dirty="0">
-                <a:solidFill>
-                  <a:schemeClr val="bg1"/>
-                </a:solidFill>
-                <a:latin typeface="Times New Roman" panose="02020603050405020304" pitchFamily="18" charset="0"/>
-                <a:cs typeface="Times New Roman" panose="02020603050405020304" pitchFamily="18" charset="0"/>
-              </a:rPr>
-              <a:t>年为基期，</a:t>
-            </a:r>
-            <a:r>
-              <a:rPr lang="en-US" altLang="zh-CN" sz="1600" dirty="0">
-                <a:latin typeface="Times New Roman" panose="02020603050405020304" pitchFamily="18" charset="0"/>
-                <a:cs typeface="Times New Roman" panose="02020603050405020304" pitchFamily="18" charset="0"/>
-              </a:rPr>
-              <a:t>1999</a:t>
-            </a:r>
-            <a:r>
-              <a:rPr lang="zh-CN" altLang="en-US" sz="1600" dirty="0">
-                <a:latin typeface="Times New Roman" panose="02020603050405020304" pitchFamily="18" charset="0"/>
-                <a:cs typeface="Times New Roman" panose="02020603050405020304" pitchFamily="18" charset="0"/>
-              </a:rPr>
-              <a:t>年的 </a:t>
-            </a:r>
-            <a:r>
-              <a:rPr lang="en-US" altLang="zh-CN" sz="1600" dirty="0">
-                <a:latin typeface="Times New Roman" panose="02020603050405020304" pitchFamily="18" charset="0"/>
-                <a:cs typeface="Times New Roman" panose="02020603050405020304" pitchFamily="18" charset="0"/>
-              </a:rPr>
-              <a:t>GDP </a:t>
-            </a:r>
-            <a:r>
-              <a:rPr lang="zh-CN" altLang="en-US" sz="1600" dirty="0">
-                <a:latin typeface="Times New Roman" panose="02020603050405020304" pitchFamily="18" charset="0"/>
-                <a:cs typeface="Times New Roman" panose="02020603050405020304" pitchFamily="18" charset="0"/>
-              </a:rPr>
-              <a:t>平减指数 </a:t>
-            </a:r>
-            <a:r>
-              <a:rPr lang="en-US" altLang="zh-CN" sz="1600" dirty="0">
-                <a:latin typeface="Times New Roman" panose="02020603050405020304" pitchFamily="18" charset="0"/>
-                <a:cs typeface="Times New Roman" panose="02020603050405020304" pitchFamily="18" charset="0"/>
-              </a:rPr>
-              <a:t>= 1850/1525×100 = 121.3</a:t>
-            </a:r>
-          </a:p>
-        </p:txBody>
-      </p:sp>
-    </p:spTree>
-    <p:extLst>
-      <p:ext uri="{BB962C8B-B14F-4D97-AF65-F5344CB8AC3E}">
-        <p14:creationId xmlns:p14="http://schemas.microsoft.com/office/powerpoint/2010/main" val="3135915434"/>
-      </p:ext>
-    </p:extLst>
-  </p:cSld>
-  <p:clrMapOvr>
-    <a:masterClrMapping/>
-  </p:clrMapOvr>
 </p:sld>
 </file>
 
